--- a/Abschlusspräsentation.pptx
+++ b/Abschlusspräsentation.pptx
@@ -5,7 +5,10 @@
     <p:sldMasterId id="2147483648" r:id="rId1"/>
   </p:sldMasterIdLst>
   <p:sldIdLst>
-    <p:sldId id="256" r:id="rId2"/>
+    <p:sldId id="257" r:id="rId2"/>
+    <p:sldId id="258" r:id="rId3"/>
+    <p:sldId id="259" r:id="rId4"/>
+    <p:sldId id="256" r:id="rId5"/>
   </p:sldIdLst>
   <p:sldSz cx="12192000" cy="6858000"/>
   <p:notesSz cx="6858000" cy="9144000"/>
@@ -259,7 +262,7 @@
           <a:p>
             <a:fld id="{B03AB384-284A-4429-AFB5-F1724AA94F76}" type="datetimeFigureOut">
               <a:rPr lang="de-DE" smtClean="0"/>
-              <a:t>05.06.2020</a:t>
+              <a:t>07.06.20</a:t>
             </a:fld>
             <a:endParaRPr lang="de-DE"/>
           </a:p>
@@ -457,7 +460,7 @@
           <a:p>
             <a:fld id="{B03AB384-284A-4429-AFB5-F1724AA94F76}" type="datetimeFigureOut">
               <a:rPr lang="de-DE" smtClean="0"/>
-              <a:t>05.06.2020</a:t>
+              <a:t>07.06.20</a:t>
             </a:fld>
             <a:endParaRPr lang="de-DE"/>
           </a:p>
@@ -665,7 +668,7 @@
           <a:p>
             <a:fld id="{B03AB384-284A-4429-AFB5-F1724AA94F76}" type="datetimeFigureOut">
               <a:rPr lang="de-DE" smtClean="0"/>
-              <a:t>05.06.2020</a:t>
+              <a:t>07.06.20</a:t>
             </a:fld>
             <a:endParaRPr lang="de-DE"/>
           </a:p>
@@ -863,7 +866,7 @@
           <a:p>
             <a:fld id="{B03AB384-284A-4429-AFB5-F1724AA94F76}" type="datetimeFigureOut">
               <a:rPr lang="de-DE" smtClean="0"/>
-              <a:t>05.06.2020</a:t>
+              <a:t>07.06.20</a:t>
             </a:fld>
             <a:endParaRPr lang="de-DE"/>
           </a:p>
@@ -1138,7 +1141,7 @@
           <a:p>
             <a:fld id="{B03AB384-284A-4429-AFB5-F1724AA94F76}" type="datetimeFigureOut">
               <a:rPr lang="de-DE" smtClean="0"/>
-              <a:t>05.06.2020</a:t>
+              <a:t>07.06.20</a:t>
             </a:fld>
             <a:endParaRPr lang="de-DE"/>
           </a:p>
@@ -1403,7 +1406,7 @@
           <a:p>
             <a:fld id="{B03AB384-284A-4429-AFB5-F1724AA94F76}" type="datetimeFigureOut">
               <a:rPr lang="de-DE" smtClean="0"/>
-              <a:t>05.06.2020</a:t>
+              <a:t>07.06.20</a:t>
             </a:fld>
             <a:endParaRPr lang="de-DE"/>
           </a:p>
@@ -1815,7 +1818,7 @@
           <a:p>
             <a:fld id="{B03AB384-284A-4429-AFB5-F1724AA94F76}" type="datetimeFigureOut">
               <a:rPr lang="de-DE" smtClean="0"/>
-              <a:t>05.06.2020</a:t>
+              <a:t>07.06.20</a:t>
             </a:fld>
             <a:endParaRPr lang="de-DE"/>
           </a:p>
@@ -1956,7 +1959,7 @@
           <a:p>
             <a:fld id="{B03AB384-284A-4429-AFB5-F1724AA94F76}" type="datetimeFigureOut">
               <a:rPr lang="de-DE" smtClean="0"/>
-              <a:t>05.06.2020</a:t>
+              <a:t>07.06.20</a:t>
             </a:fld>
             <a:endParaRPr lang="de-DE"/>
           </a:p>
@@ -2069,7 +2072,7 @@
           <a:p>
             <a:fld id="{B03AB384-284A-4429-AFB5-F1724AA94F76}" type="datetimeFigureOut">
               <a:rPr lang="de-DE" smtClean="0"/>
-              <a:t>05.06.2020</a:t>
+              <a:t>07.06.20</a:t>
             </a:fld>
             <a:endParaRPr lang="de-DE"/>
           </a:p>
@@ -2380,7 +2383,7 @@
           <a:p>
             <a:fld id="{B03AB384-284A-4429-AFB5-F1724AA94F76}" type="datetimeFigureOut">
               <a:rPr lang="de-DE" smtClean="0"/>
-              <a:t>05.06.2020</a:t>
+              <a:t>07.06.20</a:t>
             </a:fld>
             <a:endParaRPr lang="de-DE"/>
           </a:p>
@@ -2668,7 +2671,7 @@
           <a:p>
             <a:fld id="{B03AB384-284A-4429-AFB5-F1724AA94F76}" type="datetimeFigureOut">
               <a:rPr lang="de-DE" smtClean="0"/>
-              <a:t>05.06.2020</a:t>
+              <a:t>07.06.20</a:t>
             </a:fld>
             <a:endParaRPr lang="de-DE"/>
           </a:p>
@@ -2909,7 +2912,7 @@
           <a:p>
             <a:fld id="{B03AB384-284A-4429-AFB5-F1724AA94F76}" type="datetimeFigureOut">
               <a:rPr lang="de-DE" smtClean="0"/>
-              <a:t>05.06.2020</a:t>
+              <a:t>07.06.20</a:t>
             </a:fld>
             <a:endParaRPr lang="de-DE"/>
           </a:p>
@@ -3310,6 +3313,465 @@
 </file>
 
 <file path=ppt/slides/slide1.xml><?xml version="1.0" encoding="utf-8"?>
+<p:sld xmlns:a="http://schemas.openxmlformats.org/drawingml/2006/main" xmlns:r="http://schemas.openxmlformats.org/officeDocument/2006/relationships" xmlns:p="http://schemas.openxmlformats.org/presentationml/2006/main">
+  <p:cSld>
+    <p:bg>
+      <p:bgPr>
+        <a:solidFill>
+          <a:schemeClr val="bg1"/>
+        </a:solidFill>
+        <a:effectLst/>
+      </p:bgPr>
+    </p:bg>
+    <p:spTree>
+      <p:nvGrpSpPr>
+        <p:cNvPr id="1" name=""/>
+        <p:cNvGrpSpPr/>
+        <p:nvPr/>
+      </p:nvGrpSpPr>
+      <p:grpSpPr>
+        <a:xfrm>
+          <a:off x="0" y="0"/>
+          <a:ext cx="0" cy="0"/>
+          <a:chOff x="0" y="0"/>
+          <a:chExt cx="0" cy="0"/>
+        </a:xfrm>
+      </p:grpSpPr>
+      <p:sp>
+        <p:nvSpPr>
+          <p:cNvPr id="8" name="Rectangle 7">
+            <a:extLst>
+              <a:ext uri="{FF2B5EF4-FFF2-40B4-BE49-F238E27FC236}">
+                <a16:creationId xmlns:a16="http://schemas.microsoft.com/office/drawing/2014/main" id="{23962611-DFD5-4092-AAFD-559E3DFCE2C9}"/>
+              </a:ext>
+              <a:ext uri="{C183D7F6-B498-43B3-948B-1728B52AA6E4}">
+                <adec:decorative xmlns:adec="http://schemas.microsoft.com/office/drawing/2017/decorative" val="1"/>
+              </a:ext>
+            </a:extLst>
+          </p:cNvPr>
+          <p:cNvSpPr>
+            <a:spLocks noGrp="1" noRot="1" noChangeAspect="1" noMove="1" noResize="1" noEditPoints="1" noAdjustHandles="1" noChangeArrowheads="1" noChangeShapeType="1" noTextEdit="1"/>
+          </p:cNvSpPr>
+          <p:nvPr>
+            <p:extLst>
+              <p:ext uri="{386F3935-93C4-4BCD-93E2-E3B085C9AB24}">
+                <p16:designElem xmlns:p16="http://schemas.microsoft.com/office/powerpoint/2015/main" val="1"/>
+              </p:ext>
+            </p:extLst>
+          </p:nvPr>
+        </p:nvSpPr>
+        <p:spPr>
+          <a:xfrm>
+            <a:off x="475488" y="0"/>
+            <a:ext cx="10910292" cy="6858000"/>
+          </a:xfrm>
+          <a:prstGeom prst="rect">
+            <a:avLst/>
+          </a:prstGeom>
+          <a:gradFill>
+            <a:gsLst>
+              <a:gs pos="0">
+                <a:schemeClr val="accent1">
+                  <a:lumMod val="90000"/>
+                </a:schemeClr>
+              </a:gs>
+              <a:gs pos="25000">
+                <a:schemeClr val="accent1">
+                  <a:lumMod val="90000"/>
+                </a:schemeClr>
+              </a:gs>
+              <a:gs pos="94000">
+                <a:schemeClr val="bg2">
+                  <a:lumMod val="25000"/>
+                </a:schemeClr>
+              </a:gs>
+              <a:gs pos="100000">
+                <a:schemeClr val="bg2">
+                  <a:lumMod val="25000"/>
+                </a:schemeClr>
+              </a:gs>
+            </a:gsLst>
+            <a:lin ang="4200000" scaled="0"/>
+          </a:gradFill>
+          <a:ln>
+            <a:noFill/>
+          </a:ln>
+        </p:spPr>
+        <p:style>
+          <a:lnRef idx="2">
+            <a:schemeClr val="accent1">
+              <a:shade val="50000"/>
+            </a:schemeClr>
+          </a:lnRef>
+          <a:fillRef idx="1">
+            <a:schemeClr val="accent1"/>
+          </a:fillRef>
+          <a:effectRef idx="0">
+            <a:schemeClr val="accent1"/>
+          </a:effectRef>
+          <a:fontRef idx="minor">
+            <a:schemeClr val="lt1"/>
+          </a:fontRef>
+        </p:style>
+        <p:txBody>
+          <a:bodyPr rtlCol="0" anchor="ctr"/>
+          <a:lstStyle/>
+          <a:p>
+            <a:pPr algn="ctr"/>
+            <a:endParaRPr lang="en-US"/>
+          </a:p>
+        </p:txBody>
+      </p:sp>
+      <p:pic>
+        <p:nvPicPr>
+          <p:cNvPr id="10" name="Picture 9">
+            <a:extLst>
+              <a:ext uri="{FF2B5EF4-FFF2-40B4-BE49-F238E27FC236}">
+                <a16:creationId xmlns:a16="http://schemas.microsoft.com/office/drawing/2014/main" id="{2270F1FA-0425-408F-9861-80BF5AFB276D}"/>
+              </a:ext>
+              <a:ext uri="{C183D7F6-B498-43B3-948B-1728B52AA6E4}">
+                <adec:decorative xmlns:adec="http://schemas.microsoft.com/office/drawing/2017/decorative" val="1"/>
+              </a:ext>
+            </a:extLst>
+          </p:cNvPr>
+          <p:cNvPicPr>
+            <a:picLocks noGrp="1" noRot="1" noChangeAspect="1" noMove="1" noResize="1" noEditPoints="1" noAdjustHandles="1" noChangeArrowheads="1" noChangeShapeType="1" noCrop="1"/>
+          </p:cNvPicPr>
+          <p:nvPr>
+            <p:extLst>
+              <p:ext uri="{386F3935-93C4-4BCD-93E2-E3B085C9AB24}">
+                <p16:designElem xmlns:p16="http://schemas.microsoft.com/office/powerpoint/2015/main" val="1"/>
+              </p:ext>
+            </p:extLst>
+          </p:nvPr>
+        </p:nvPicPr>
+        <p:blipFill>
+          <a:blip r:embed="rId2">
+            <a:extLst>
+              <a:ext uri="{28A0092B-C50C-407E-A947-70E740481C1C}">
+                <a14:useLocalDpi xmlns:a14="http://schemas.microsoft.com/office/drawing/2010/main" val="0"/>
+              </a:ext>
+            </a:extLst>
+          </a:blip>
+          <a:stretch>
+            <a:fillRect/>
+          </a:stretch>
+        </p:blipFill>
+        <p:spPr>
+          <a:xfrm>
+            <a:off x="0" y="0"/>
+            <a:ext cx="12192000" cy="6858000"/>
+          </a:xfrm>
+          <a:prstGeom prst="rect">
+            <a:avLst/>
+          </a:prstGeom>
+        </p:spPr>
+      </p:pic>
+      <p:sp>
+        <p:nvSpPr>
+          <p:cNvPr id="2" name="Titel 1">
+            <a:extLst>
+              <a:ext uri="{FF2B5EF4-FFF2-40B4-BE49-F238E27FC236}">
+                <a16:creationId xmlns:a16="http://schemas.microsoft.com/office/drawing/2014/main" id="{E25084CA-BC97-4843-ADD0-1E6437CAC3DD}"/>
+              </a:ext>
+            </a:extLst>
+          </p:cNvPr>
+          <p:cNvSpPr>
+            <a:spLocks noGrp="1"/>
+          </p:cNvSpPr>
+          <p:nvPr>
+            <p:ph type="ctrTitle"/>
+          </p:nvPr>
+        </p:nvSpPr>
+        <p:spPr>
+          <a:xfrm>
+            <a:off x="3045368" y="2043663"/>
+            <a:ext cx="6105194" cy="2031055"/>
+          </a:xfrm>
+        </p:spPr>
+        <p:txBody>
+          <a:bodyPr>
+            <a:normAutofit/>
+          </a:bodyPr>
+          <a:lstStyle/>
+          <a:p>
+            <a:r>
+              <a:rPr lang="de-DE" sz="4700">
+                <a:solidFill>
+                  <a:srgbClr val="FFFFFF"/>
+                </a:solidFill>
+              </a:rPr>
+              <a:t>Open Campus Abschlusspräsentation</a:t>
+            </a:r>
+            <a:br>
+              <a:rPr lang="de-DE" sz="4700">
+                <a:solidFill>
+                  <a:srgbClr val="FFFFFF"/>
+                </a:solidFill>
+              </a:rPr>
+            </a:br>
+            <a:r>
+              <a:rPr lang="de-DE" sz="4700">
+                <a:solidFill>
+                  <a:srgbClr val="FFFFFF"/>
+                </a:solidFill>
+              </a:rPr>
+              <a:t>Team 4</a:t>
+            </a:r>
+          </a:p>
+        </p:txBody>
+      </p:sp>
+      <p:sp>
+        <p:nvSpPr>
+          <p:cNvPr id="3" name="Untertitel 2">
+            <a:extLst>
+              <a:ext uri="{FF2B5EF4-FFF2-40B4-BE49-F238E27FC236}">
+                <a16:creationId xmlns:a16="http://schemas.microsoft.com/office/drawing/2014/main" id="{9C40BE90-7F99-854F-A3AD-6198605FC89B}"/>
+              </a:ext>
+            </a:extLst>
+          </p:cNvPr>
+          <p:cNvSpPr>
+            <a:spLocks noGrp="1"/>
+          </p:cNvSpPr>
+          <p:nvPr>
+            <p:ph type="subTitle" idx="1"/>
+          </p:nvPr>
+        </p:nvSpPr>
+        <p:spPr>
+          <a:xfrm>
+            <a:off x="3045368" y="4074718"/>
+            <a:ext cx="6105194" cy="682079"/>
+          </a:xfrm>
+        </p:spPr>
+        <p:txBody>
+          <a:bodyPr>
+            <a:normAutofit/>
+          </a:bodyPr>
+          <a:lstStyle/>
+          <a:p>
+            <a:r>
+              <a:rPr lang="de-DE">
+                <a:solidFill>
+                  <a:srgbClr val="FFFFFF"/>
+                </a:solidFill>
+              </a:rPr>
+              <a:t>Patricia, Chris, Felix und Finn Lasse</a:t>
+            </a:r>
+          </a:p>
+        </p:txBody>
+      </p:sp>
+    </p:spTree>
+    <p:extLst>
+      <p:ext uri="{BB962C8B-B14F-4D97-AF65-F5344CB8AC3E}">
+        <p14:creationId xmlns:p14="http://schemas.microsoft.com/office/powerpoint/2010/main" val="2614661603"/>
+      </p:ext>
+    </p:extLst>
+  </p:cSld>
+  <p:clrMapOvr>
+    <a:masterClrMapping/>
+  </p:clrMapOvr>
+</p:sld>
+</file>
+
+<file path=ppt/slides/slide2.xml><?xml version="1.0" encoding="utf-8"?>
+<p:sld xmlns:a="http://schemas.openxmlformats.org/drawingml/2006/main" xmlns:r="http://schemas.openxmlformats.org/officeDocument/2006/relationships" xmlns:p="http://schemas.openxmlformats.org/presentationml/2006/main">
+  <p:cSld>
+    <p:spTree>
+      <p:nvGrpSpPr>
+        <p:cNvPr id="1" name=""/>
+        <p:cNvGrpSpPr/>
+        <p:nvPr/>
+      </p:nvGrpSpPr>
+      <p:grpSpPr>
+        <a:xfrm>
+          <a:off x="0" y="0"/>
+          <a:ext cx="0" cy="0"/>
+          <a:chOff x="0" y="0"/>
+          <a:chExt cx="0" cy="0"/>
+        </a:xfrm>
+      </p:grpSpPr>
+      <p:sp>
+        <p:nvSpPr>
+          <p:cNvPr id="2" name="Titel 1">
+            <a:extLst>
+              <a:ext uri="{FF2B5EF4-FFF2-40B4-BE49-F238E27FC236}">
+                <a16:creationId xmlns:a16="http://schemas.microsoft.com/office/drawing/2014/main" id="{0FA034CE-E51E-E843-8870-9B97DCBB67DA}"/>
+              </a:ext>
+            </a:extLst>
+          </p:cNvPr>
+          <p:cNvSpPr>
+            <a:spLocks noGrp="1"/>
+          </p:cNvSpPr>
+          <p:nvPr>
+            <p:ph type="title"/>
+          </p:nvPr>
+        </p:nvSpPr>
+        <p:spPr/>
+        <p:txBody>
+          <a:bodyPr/>
+          <a:lstStyle/>
+          <a:p>
+            <a:r>
+              <a:rPr lang="de-DE" dirty="0"/>
+              <a:t>Gliederung</a:t>
+            </a:r>
+          </a:p>
+        </p:txBody>
+      </p:sp>
+      <p:sp>
+        <p:nvSpPr>
+          <p:cNvPr id="3" name="Inhaltsplatzhalter 2">
+            <a:extLst>
+              <a:ext uri="{FF2B5EF4-FFF2-40B4-BE49-F238E27FC236}">
+                <a16:creationId xmlns:a16="http://schemas.microsoft.com/office/drawing/2014/main" id="{E30E02A5-C67F-B742-B5DD-AC3CB32C66F5}"/>
+              </a:ext>
+            </a:extLst>
+          </p:cNvPr>
+          <p:cNvSpPr>
+            <a:spLocks noGrp="1"/>
+          </p:cNvSpPr>
+          <p:nvPr>
+            <p:ph idx="1"/>
+          </p:nvPr>
+        </p:nvSpPr>
+        <p:spPr/>
+        <p:txBody>
+          <a:bodyPr/>
+          <a:lstStyle/>
+          <a:p>
+            <a:r>
+              <a:rPr lang="de-DE" dirty="0"/>
+              <a:t>Vorstellung Datensatz mit erstellten Variablen</a:t>
+            </a:r>
+          </a:p>
+          <a:p>
+            <a:r>
+              <a:rPr lang="de-DE" dirty="0"/>
+              <a:t>Balkendiagramme</a:t>
+            </a:r>
+          </a:p>
+          <a:p>
+            <a:r>
+              <a:rPr lang="de-DE" dirty="0"/>
+              <a:t>Ergebnis Schätzung mit einer SVM</a:t>
+            </a:r>
+          </a:p>
+          <a:p>
+            <a:r>
+              <a:rPr lang="de-DE" dirty="0"/>
+              <a:t>Ergebnis Schätzung eines Neuronalen </a:t>
+            </a:r>
+            <a:r>
+              <a:rPr lang="de-DE" dirty="0" err="1"/>
+              <a:t>NEtzes</a:t>
+            </a:r>
+            <a:endParaRPr lang="de-DE" dirty="0"/>
+          </a:p>
+          <a:p>
+            <a:endParaRPr lang="de-DE" dirty="0"/>
+          </a:p>
+          <a:p>
+            <a:endParaRPr lang="de-DE" dirty="0"/>
+          </a:p>
+        </p:txBody>
+      </p:sp>
+    </p:spTree>
+    <p:extLst>
+      <p:ext uri="{BB962C8B-B14F-4D97-AF65-F5344CB8AC3E}">
+        <p14:creationId xmlns:p14="http://schemas.microsoft.com/office/powerpoint/2010/main" val="686481946"/>
+      </p:ext>
+    </p:extLst>
+  </p:cSld>
+  <p:clrMapOvr>
+    <a:masterClrMapping/>
+  </p:clrMapOvr>
+</p:sld>
+</file>
+
+<file path=ppt/slides/slide3.xml><?xml version="1.0" encoding="utf-8"?>
+<p:sld xmlns:a="http://schemas.openxmlformats.org/drawingml/2006/main" xmlns:r="http://schemas.openxmlformats.org/officeDocument/2006/relationships" xmlns:p="http://schemas.openxmlformats.org/presentationml/2006/main">
+  <p:cSld>
+    <p:spTree>
+      <p:nvGrpSpPr>
+        <p:cNvPr id="1" name=""/>
+        <p:cNvGrpSpPr/>
+        <p:nvPr/>
+      </p:nvGrpSpPr>
+      <p:grpSpPr>
+        <a:xfrm>
+          <a:off x="0" y="0"/>
+          <a:ext cx="0" cy="0"/>
+          <a:chOff x="0" y="0"/>
+          <a:chExt cx="0" cy="0"/>
+        </a:xfrm>
+      </p:grpSpPr>
+      <p:sp>
+        <p:nvSpPr>
+          <p:cNvPr id="2" name="Titel 1">
+            <a:extLst>
+              <a:ext uri="{FF2B5EF4-FFF2-40B4-BE49-F238E27FC236}">
+                <a16:creationId xmlns:a16="http://schemas.microsoft.com/office/drawing/2014/main" id="{E5A94B17-8E9E-7244-8A46-F0F3306E091E}"/>
+              </a:ext>
+            </a:extLst>
+          </p:cNvPr>
+          <p:cNvSpPr>
+            <a:spLocks noGrp="1"/>
+          </p:cNvSpPr>
+          <p:nvPr>
+            <p:ph type="title"/>
+          </p:nvPr>
+        </p:nvSpPr>
+        <p:spPr/>
+        <p:txBody>
+          <a:bodyPr/>
+          <a:lstStyle/>
+          <a:p>
+            <a:r>
+              <a:rPr lang="de-DE" dirty="0"/>
+              <a:t>Datensatz</a:t>
+            </a:r>
+          </a:p>
+        </p:txBody>
+      </p:sp>
+      <p:sp>
+        <p:nvSpPr>
+          <p:cNvPr id="3" name="Inhaltsplatzhalter 2">
+            <a:extLst>
+              <a:ext uri="{FF2B5EF4-FFF2-40B4-BE49-F238E27FC236}">
+                <a16:creationId xmlns:a16="http://schemas.microsoft.com/office/drawing/2014/main" id="{AB06F06A-2DC7-3B40-AADC-E80EE9FCB8A4}"/>
+              </a:ext>
+            </a:extLst>
+          </p:cNvPr>
+          <p:cNvSpPr>
+            <a:spLocks noGrp="1"/>
+          </p:cNvSpPr>
+          <p:nvPr>
+            <p:ph idx="1"/>
+          </p:nvPr>
+        </p:nvSpPr>
+        <p:spPr/>
+        <p:txBody>
+          <a:bodyPr/>
+          <a:lstStyle/>
+          <a:p>
+            <a:endParaRPr lang="de-DE" dirty="0"/>
+          </a:p>
+        </p:txBody>
+      </p:sp>
+    </p:spTree>
+    <p:extLst>
+      <p:ext uri="{BB962C8B-B14F-4D97-AF65-F5344CB8AC3E}">
+        <p14:creationId xmlns:p14="http://schemas.microsoft.com/office/powerpoint/2010/main" val="2156314786"/>
+      </p:ext>
+    </p:extLst>
+  </p:cSld>
+  <p:clrMapOvr>
+    <a:masterClrMapping/>
+  </p:clrMapOvr>
+</p:sld>
+</file>
+
+<file path=ppt/slides/slide4.xml><?xml version="1.0" encoding="utf-8"?>
 <p:sld xmlns:a="http://schemas.openxmlformats.org/drawingml/2006/main" xmlns:r="http://schemas.openxmlformats.org/officeDocument/2006/relationships" xmlns:p="http://schemas.openxmlformats.org/presentationml/2006/main">
   <p:cSld>
     <p:spTree>

--- a/Abschlusspräsentation.pptx
+++ b/Abschlusspräsentation.pptx
@@ -3576,6 +3576,14 @@
 <file path=ppt/slides/slide2.xml><?xml version="1.0" encoding="utf-8"?>
 <p:sld xmlns:a="http://schemas.openxmlformats.org/drawingml/2006/main" xmlns:r="http://schemas.openxmlformats.org/officeDocument/2006/relationships" xmlns:p="http://schemas.openxmlformats.org/presentationml/2006/main">
   <p:cSld>
+    <p:bg>
+      <p:bgPr>
+        <a:solidFill>
+          <a:schemeClr val="bg1"/>
+        </a:solidFill>
+        <a:effectLst/>
+      </p:bgPr>
+    </p:bg>
     <p:spTree>
       <p:nvGrpSpPr>
         <p:cNvPr id="1" name=""/>
@@ -3590,6 +3598,196 @@
           <a:chExt cx="0" cy="0"/>
         </a:xfrm>
       </p:grpSpPr>
+      <p:sp useBgFill="1">
+        <p:nvSpPr>
+          <p:cNvPr id="17" name="Rectangle 7">
+            <a:extLst>
+              <a:ext uri="{FF2B5EF4-FFF2-40B4-BE49-F238E27FC236}">
+                <a16:creationId xmlns:a16="http://schemas.microsoft.com/office/drawing/2014/main" id="{3B854194-185D-494D-905C-7C7CB2E30F6E}"/>
+              </a:ext>
+              <a:ext uri="{C183D7F6-B498-43B3-948B-1728B52AA6E4}">
+                <adec:decorative xmlns:adec="http://schemas.microsoft.com/office/drawing/2017/decorative" val="1"/>
+              </a:ext>
+            </a:extLst>
+          </p:cNvPr>
+          <p:cNvSpPr>
+            <a:spLocks noGrp="1" noRot="1" noChangeAspect="1" noMove="1" noResize="1" noEditPoints="1" noAdjustHandles="1" noChangeArrowheads="1" noChangeShapeType="1" noTextEdit="1"/>
+          </p:cNvSpPr>
+          <p:nvPr>
+            <p:extLst>
+              <p:ext uri="{386F3935-93C4-4BCD-93E2-E3B085C9AB24}">
+                <p16:designElem xmlns:p16="http://schemas.microsoft.com/office/powerpoint/2015/main" val="1"/>
+              </p:ext>
+            </p:extLst>
+          </p:nvPr>
+        </p:nvSpPr>
+        <p:spPr>
+          <a:xfrm>
+            <a:off x="1" y="0"/>
+            <a:ext cx="6082110" cy="6858000"/>
+          </a:xfrm>
+          <a:prstGeom prst="rect">
+            <a:avLst/>
+          </a:prstGeom>
+          <a:ln>
+            <a:noFill/>
+          </a:ln>
+        </p:spPr>
+        <p:style>
+          <a:lnRef idx="2">
+            <a:schemeClr val="accent1">
+              <a:shade val="50000"/>
+            </a:schemeClr>
+          </a:lnRef>
+          <a:fillRef idx="1">
+            <a:schemeClr val="accent1"/>
+          </a:fillRef>
+          <a:effectRef idx="0">
+            <a:schemeClr val="accent1"/>
+          </a:effectRef>
+          <a:fontRef idx="minor">
+            <a:schemeClr val="lt1"/>
+          </a:fontRef>
+        </p:style>
+        <p:txBody>
+          <a:bodyPr rtlCol="0" anchor="ctr"/>
+          <a:lstStyle/>
+          <a:p>
+            <a:pPr algn="ctr"/>
+            <a:endParaRPr lang="en-US"/>
+          </a:p>
+        </p:txBody>
+      </p:sp>
+      <p:sp>
+        <p:nvSpPr>
+          <p:cNvPr id="18" name="Rectangle 9">
+            <a:extLst>
+              <a:ext uri="{FF2B5EF4-FFF2-40B4-BE49-F238E27FC236}">
+                <a16:creationId xmlns:a16="http://schemas.microsoft.com/office/drawing/2014/main" id="{B4F5FA0D-0104-4987-8241-EFF7C85B88DE}"/>
+              </a:ext>
+              <a:ext uri="{C183D7F6-B498-43B3-948B-1728B52AA6E4}">
+                <adec:decorative xmlns:adec="http://schemas.microsoft.com/office/drawing/2017/decorative" val="1"/>
+              </a:ext>
+            </a:extLst>
+          </p:cNvPr>
+          <p:cNvSpPr>
+            <a:spLocks noGrp="1" noRot="1" noChangeAspect="1" noMove="1" noResize="1" noEditPoints="1" noAdjustHandles="1" noChangeArrowheads="1" noChangeShapeType="1" noTextEdit="1"/>
+          </p:cNvSpPr>
+          <p:nvPr>
+            <p:extLst>
+              <p:ext uri="{386F3935-93C4-4BCD-93E2-E3B085C9AB24}">
+                <p16:designElem xmlns:p16="http://schemas.microsoft.com/office/powerpoint/2015/main" val="1"/>
+              </p:ext>
+            </p:extLst>
+          </p:nvPr>
+        </p:nvSpPr>
+        <p:spPr>
+          <a:xfrm>
+            <a:off x="1" y="0"/>
+            <a:ext cx="12191998" cy="6858000"/>
+          </a:xfrm>
+          <a:prstGeom prst="rect">
+            <a:avLst/>
+          </a:prstGeom>
+          <a:gradFill>
+            <a:gsLst>
+              <a:gs pos="0">
+                <a:schemeClr val="accent1">
+                  <a:lumMod val="90000"/>
+                </a:schemeClr>
+              </a:gs>
+              <a:gs pos="25000">
+                <a:schemeClr val="accent1">
+                  <a:lumMod val="90000"/>
+                </a:schemeClr>
+              </a:gs>
+              <a:gs pos="94000">
+                <a:schemeClr val="bg2">
+                  <a:lumMod val="25000"/>
+                </a:schemeClr>
+              </a:gs>
+              <a:gs pos="100000">
+                <a:schemeClr val="bg2">
+                  <a:lumMod val="25000"/>
+                </a:schemeClr>
+              </a:gs>
+            </a:gsLst>
+            <a:lin ang="4200000" scaled="0"/>
+          </a:gradFill>
+          <a:ln>
+            <a:noFill/>
+          </a:ln>
+        </p:spPr>
+        <p:style>
+          <a:lnRef idx="2">
+            <a:schemeClr val="accent1">
+              <a:shade val="50000"/>
+            </a:schemeClr>
+          </a:lnRef>
+          <a:fillRef idx="1">
+            <a:schemeClr val="accent1"/>
+          </a:fillRef>
+          <a:effectRef idx="0">
+            <a:schemeClr val="accent1"/>
+          </a:effectRef>
+          <a:fontRef idx="minor">
+            <a:schemeClr val="lt1"/>
+          </a:fontRef>
+        </p:style>
+        <p:txBody>
+          <a:bodyPr rtlCol="0" anchor="ctr"/>
+          <a:lstStyle/>
+          <a:p>
+            <a:pPr algn="ctr"/>
+            <a:endParaRPr lang="en-US"/>
+          </a:p>
+        </p:txBody>
+      </p:sp>
+      <p:pic>
+        <p:nvPicPr>
+          <p:cNvPr id="12" name="Picture 11">
+            <a:extLst>
+              <a:ext uri="{FF2B5EF4-FFF2-40B4-BE49-F238E27FC236}">
+                <a16:creationId xmlns:a16="http://schemas.microsoft.com/office/drawing/2014/main" id="{2897127E-6CEF-446C-BE87-93B7C46E49D1}"/>
+              </a:ext>
+              <a:ext uri="{C183D7F6-B498-43B3-948B-1728B52AA6E4}">
+                <adec:decorative xmlns:adec="http://schemas.microsoft.com/office/drawing/2017/decorative" val="1"/>
+              </a:ext>
+            </a:extLst>
+          </p:cNvPr>
+          <p:cNvPicPr>
+            <a:picLocks noGrp="1" noRot="1" noChangeAspect="1" noMove="1" noResize="1" noEditPoints="1" noAdjustHandles="1" noChangeArrowheads="1" noChangeShapeType="1" noCrop="1"/>
+          </p:cNvPicPr>
+          <p:nvPr>
+            <p:extLst>
+              <p:ext uri="{386F3935-93C4-4BCD-93E2-E3B085C9AB24}">
+                <p16:designElem xmlns:p16="http://schemas.microsoft.com/office/powerpoint/2015/main" val="1"/>
+              </p:ext>
+            </p:extLst>
+          </p:nvPr>
+        </p:nvPicPr>
+        <p:blipFill>
+          <a:blip r:embed="rId2">
+            <a:extLst>
+              <a:ext uri="{28A0092B-C50C-407E-A947-70E740481C1C}">
+                <a14:useLocalDpi xmlns:a14="http://schemas.microsoft.com/office/drawing/2010/main" val="0"/>
+              </a:ext>
+            </a:extLst>
+          </a:blip>
+          <a:stretch>
+            <a:fillRect/>
+          </a:stretch>
+        </p:blipFill>
+        <p:spPr>
+          <a:xfrm>
+            <a:off x="0" y="0"/>
+            <a:ext cx="12192000" cy="6858000"/>
+          </a:xfrm>
+          <a:prstGeom prst="rect">
+            <a:avLst/>
+          </a:prstGeom>
+        </p:spPr>
+      </p:pic>
       <p:sp>
         <p:nvSpPr>
           <p:cNvPr id="2" name="Titel 1">
@@ -3606,13 +3804,24 @@
             <p:ph type="title"/>
           </p:nvPr>
         </p:nvSpPr>
-        <p:spPr/>
-        <p:txBody>
-          <a:bodyPr/>
-          <a:lstStyle/>
-          <a:p>
-            <a:r>
-              <a:rPr lang="de-DE" dirty="0"/>
+        <p:spPr>
+          <a:xfrm>
+            <a:off x="640079" y="2053641"/>
+            <a:ext cx="3669161" cy="2760098"/>
+          </a:xfrm>
+        </p:spPr>
+        <p:txBody>
+          <a:bodyPr>
+            <a:normAutofit/>
+          </a:bodyPr>
+          <a:lstStyle/>
+          <a:p>
+            <a:r>
+              <a:rPr lang="de-DE">
+                <a:solidFill>
+                  <a:srgbClr val="FFFFFF"/>
+                </a:solidFill>
+              </a:rPr>
               <a:t>Gliederung</a:t>
             </a:r>
           </a:p>
@@ -3620,7 +3829,7 @@
       </p:sp>
       <p:sp>
         <p:nvSpPr>
-          <p:cNvPr id="3" name="Inhaltsplatzhalter 2">
+          <p:cNvPr id="19" name="Inhaltsplatzhalter 2">
             <a:extLst>
               <a:ext uri="{FF2B5EF4-FFF2-40B4-BE49-F238E27FC236}">
                 <a16:creationId xmlns:a16="http://schemas.microsoft.com/office/drawing/2014/main" id="{E30E02A5-C67F-B742-B5DD-AC3CB32C66F5}"/>
@@ -3634,44 +3843,70 @@
             <p:ph idx="1"/>
           </p:nvPr>
         </p:nvSpPr>
-        <p:spPr/>
-        <p:txBody>
-          <a:bodyPr/>
-          <a:lstStyle/>
-          <a:p>
-            <a:r>
-              <a:rPr lang="de-DE" dirty="0"/>
+        <p:spPr>
+          <a:xfrm>
+            <a:off x="6090574" y="801866"/>
+            <a:ext cx="5306084" cy="5230634"/>
+          </a:xfrm>
+        </p:spPr>
+        <p:txBody>
+          <a:bodyPr anchor="ctr">
+            <a:normAutofit/>
+          </a:bodyPr>
+          <a:lstStyle/>
+          <a:p>
+            <a:r>
+              <a:rPr lang="de-DE" sz="2400">
+                <a:solidFill>
+                  <a:srgbClr val="000000"/>
+                </a:solidFill>
+              </a:rPr>
               <a:t>Vorstellung Datensatz mit erstellten Variablen</a:t>
             </a:r>
           </a:p>
           <a:p>
             <a:r>
-              <a:rPr lang="de-DE" dirty="0"/>
+              <a:rPr lang="de-DE" sz="2400">
+                <a:solidFill>
+                  <a:srgbClr val="000000"/>
+                </a:solidFill>
+              </a:rPr>
               <a:t>Balkendiagramme</a:t>
             </a:r>
           </a:p>
           <a:p>
             <a:r>
-              <a:rPr lang="de-DE" dirty="0"/>
+              <a:rPr lang="de-DE" sz="2400">
+                <a:solidFill>
+                  <a:srgbClr val="000000"/>
+                </a:solidFill>
+              </a:rPr>
               <a:t>Ergebnis Schätzung mit einer SVM</a:t>
             </a:r>
           </a:p>
           <a:p>
             <a:r>
-              <a:rPr lang="de-DE" dirty="0"/>
-              <a:t>Ergebnis Schätzung eines Neuronalen </a:t>
-            </a:r>
-            <a:r>
-              <a:rPr lang="de-DE" dirty="0" err="1"/>
-              <a:t>NEtzes</a:t>
-            </a:r>
-            <a:endParaRPr lang="de-DE" dirty="0"/>
-          </a:p>
-          <a:p>
-            <a:endParaRPr lang="de-DE" dirty="0"/>
-          </a:p>
-          <a:p>
-            <a:endParaRPr lang="de-DE" dirty="0"/>
+              <a:rPr lang="de-DE" sz="2400">
+                <a:solidFill>
+                  <a:srgbClr val="000000"/>
+                </a:solidFill>
+              </a:rPr>
+              <a:t>Ergebnis Schätzung eines Neuronalen NEtzes</a:t>
+            </a:r>
+          </a:p>
+          <a:p>
+            <a:endParaRPr lang="de-DE" sz="2400">
+              <a:solidFill>
+                <a:srgbClr val="000000"/>
+              </a:solidFill>
+            </a:endParaRPr>
+          </a:p>
+          <a:p>
+            <a:endParaRPr lang="de-DE" sz="2400">
+              <a:solidFill>
+                <a:srgbClr val="000000"/>
+              </a:solidFill>
+            </a:endParaRPr>
           </a:p>
         </p:txBody>
       </p:sp>
@@ -3691,6 +3926,14 @@
 <file path=ppt/slides/slide3.xml><?xml version="1.0" encoding="utf-8"?>
 <p:sld xmlns:a="http://schemas.openxmlformats.org/drawingml/2006/main" xmlns:r="http://schemas.openxmlformats.org/officeDocument/2006/relationships" xmlns:p="http://schemas.openxmlformats.org/presentationml/2006/main">
   <p:cSld>
+    <p:bg>
+      <p:bgPr>
+        <a:solidFill>
+          <a:schemeClr val="bg1"/>
+        </a:solidFill>
+        <a:effectLst/>
+      </p:bgPr>
+    </p:bg>
     <p:spTree>
       <p:nvGrpSpPr>
         <p:cNvPr id="1" name=""/>
@@ -3705,6 +3948,188 @@
           <a:chExt cx="0" cy="0"/>
         </a:xfrm>
       </p:grpSpPr>
+      <p:sp useBgFill="1">
+        <p:nvSpPr>
+          <p:cNvPr id="16" name="Rectangle 7">
+            <a:extLst>
+              <a:ext uri="{FF2B5EF4-FFF2-40B4-BE49-F238E27FC236}">
+                <a16:creationId xmlns:a16="http://schemas.microsoft.com/office/drawing/2014/main" id="{3B854194-185D-494D-905C-7C7CB2E30F6E}"/>
+              </a:ext>
+              <a:ext uri="{C183D7F6-B498-43B3-948B-1728B52AA6E4}">
+                <adec:decorative xmlns:adec="http://schemas.microsoft.com/office/drawing/2017/decorative" val="1"/>
+              </a:ext>
+            </a:extLst>
+          </p:cNvPr>
+          <p:cNvSpPr>
+            <a:spLocks noGrp="1" noRot="1" noChangeAspect="1" noMove="1" noResize="1" noEditPoints="1" noAdjustHandles="1" noChangeArrowheads="1" noChangeShapeType="1" noTextEdit="1"/>
+          </p:cNvSpPr>
+          <p:nvPr>
+            <p:extLst>
+              <p:ext uri="{386F3935-93C4-4BCD-93E2-E3B085C9AB24}">
+                <p16:designElem xmlns:p16="http://schemas.microsoft.com/office/powerpoint/2015/main" val="1"/>
+              </p:ext>
+            </p:extLst>
+          </p:nvPr>
+        </p:nvSpPr>
+        <p:spPr>
+          <a:xfrm>
+            <a:off x="1" y="0"/>
+            <a:ext cx="6082110" cy="6858000"/>
+          </a:xfrm>
+          <a:prstGeom prst="rect">
+            <a:avLst/>
+          </a:prstGeom>
+          <a:ln>
+            <a:noFill/>
+          </a:ln>
+        </p:spPr>
+        <p:style>
+          <a:lnRef idx="2">
+            <a:schemeClr val="accent1">
+              <a:shade val="50000"/>
+            </a:schemeClr>
+          </a:lnRef>
+          <a:fillRef idx="1">
+            <a:schemeClr val="accent1"/>
+          </a:fillRef>
+          <a:effectRef idx="0">
+            <a:schemeClr val="accent1"/>
+          </a:effectRef>
+          <a:fontRef idx="minor">
+            <a:schemeClr val="lt1"/>
+          </a:fontRef>
+        </p:style>
+        <p:txBody>
+          <a:bodyPr rtlCol="0" anchor="ctr"/>
+          <a:lstStyle/>
+          <a:p>
+            <a:pPr algn="ctr"/>
+            <a:endParaRPr lang="en-US"/>
+          </a:p>
+        </p:txBody>
+      </p:sp>
+      <p:sp>
+        <p:nvSpPr>
+          <p:cNvPr id="17" name="Rectangle 9">
+            <a:extLst>
+              <a:ext uri="{FF2B5EF4-FFF2-40B4-BE49-F238E27FC236}">
+                <a16:creationId xmlns:a16="http://schemas.microsoft.com/office/drawing/2014/main" id="{B4F5FA0D-0104-4987-8241-EFF7C85B88DE}"/>
+              </a:ext>
+              <a:ext uri="{C183D7F6-B498-43B3-948B-1728B52AA6E4}">
+                <adec:decorative xmlns:adec="http://schemas.microsoft.com/office/drawing/2017/decorative" val="1"/>
+              </a:ext>
+            </a:extLst>
+          </p:cNvPr>
+          <p:cNvSpPr>
+            <a:spLocks noGrp="1" noRot="1" noChangeAspect="1" noMove="1" noResize="1" noEditPoints="1" noAdjustHandles="1" noChangeArrowheads="1" noChangeShapeType="1" noTextEdit="1"/>
+          </p:cNvSpPr>
+          <p:nvPr>
+            <p:extLst>
+              <p:ext uri="{386F3935-93C4-4BCD-93E2-E3B085C9AB24}">
+                <p16:designElem xmlns:p16="http://schemas.microsoft.com/office/powerpoint/2015/main" val="1"/>
+              </p:ext>
+            </p:extLst>
+          </p:nvPr>
+        </p:nvSpPr>
+        <p:spPr>
+          <a:xfrm>
+            <a:off x="1" y="0"/>
+            <a:ext cx="12191998" cy="6858000"/>
+          </a:xfrm>
+          <a:prstGeom prst="rect">
+            <a:avLst/>
+          </a:prstGeom>
+          <a:gradFill>
+            <a:gsLst>
+              <a:gs pos="0">
+                <a:schemeClr val="accent2"/>
+              </a:gs>
+              <a:gs pos="25000">
+                <a:schemeClr val="accent2"/>
+              </a:gs>
+              <a:gs pos="94000">
+                <a:schemeClr val="accent1"/>
+              </a:gs>
+              <a:gs pos="100000">
+                <a:schemeClr val="accent1"/>
+              </a:gs>
+            </a:gsLst>
+            <a:lin ang="4200000" scaled="0"/>
+          </a:gradFill>
+          <a:ln>
+            <a:noFill/>
+          </a:ln>
+        </p:spPr>
+        <p:style>
+          <a:lnRef idx="2">
+            <a:schemeClr val="accent1">
+              <a:shade val="50000"/>
+            </a:schemeClr>
+          </a:lnRef>
+          <a:fillRef idx="1">
+            <a:schemeClr val="accent1"/>
+          </a:fillRef>
+          <a:effectRef idx="0">
+            <a:schemeClr val="accent1"/>
+          </a:effectRef>
+          <a:fontRef idx="minor">
+            <a:schemeClr val="lt1"/>
+          </a:fontRef>
+        </p:style>
+        <p:txBody>
+          <a:bodyPr rtlCol="0" anchor="ctr"/>
+          <a:lstStyle/>
+          <a:p>
+            <a:pPr algn="ctr"/>
+            <a:endParaRPr lang="en-US"/>
+          </a:p>
+        </p:txBody>
+      </p:sp>
+      <p:pic>
+        <p:nvPicPr>
+          <p:cNvPr id="18" name="Picture 11">
+            <a:extLst>
+              <a:ext uri="{FF2B5EF4-FFF2-40B4-BE49-F238E27FC236}">
+                <a16:creationId xmlns:a16="http://schemas.microsoft.com/office/drawing/2014/main" id="{2897127E-6CEF-446C-BE87-93B7C46E49D1}"/>
+              </a:ext>
+              <a:ext uri="{C183D7F6-B498-43B3-948B-1728B52AA6E4}">
+                <adec:decorative xmlns:adec="http://schemas.microsoft.com/office/drawing/2017/decorative" val="1"/>
+              </a:ext>
+            </a:extLst>
+          </p:cNvPr>
+          <p:cNvPicPr>
+            <a:picLocks noGrp="1" noRot="1" noChangeAspect="1" noMove="1" noResize="1" noEditPoints="1" noAdjustHandles="1" noChangeArrowheads="1" noChangeShapeType="1" noCrop="1"/>
+          </p:cNvPicPr>
+          <p:nvPr>
+            <p:extLst>
+              <p:ext uri="{386F3935-93C4-4BCD-93E2-E3B085C9AB24}">
+                <p16:designElem xmlns:p16="http://schemas.microsoft.com/office/powerpoint/2015/main" val="1"/>
+              </p:ext>
+            </p:extLst>
+          </p:nvPr>
+        </p:nvPicPr>
+        <p:blipFill>
+          <a:blip r:embed="rId2">
+            <a:extLst>
+              <a:ext uri="{28A0092B-C50C-407E-A947-70E740481C1C}">
+                <a14:useLocalDpi xmlns:a14="http://schemas.microsoft.com/office/drawing/2010/main" val="0"/>
+              </a:ext>
+            </a:extLst>
+          </a:blip>
+          <a:stretch>
+            <a:fillRect/>
+          </a:stretch>
+        </p:blipFill>
+        <p:spPr>
+          <a:xfrm>
+            <a:off x="0" y="0"/>
+            <a:ext cx="12192000" cy="6858000"/>
+          </a:xfrm>
+          <a:prstGeom prst="rect">
+            <a:avLst/>
+          </a:prstGeom>
+        </p:spPr>
+      </p:pic>
       <p:sp>
         <p:nvSpPr>
           <p:cNvPr id="2" name="Titel 1">
@@ -3721,13 +4146,24 @@
             <p:ph type="title"/>
           </p:nvPr>
         </p:nvSpPr>
-        <p:spPr/>
-        <p:txBody>
-          <a:bodyPr/>
-          <a:lstStyle/>
-          <a:p>
-            <a:r>
-              <a:rPr lang="de-DE" dirty="0"/>
+        <p:spPr>
+          <a:xfrm>
+            <a:off x="640079" y="2053641"/>
+            <a:ext cx="3669161" cy="2760098"/>
+          </a:xfrm>
+        </p:spPr>
+        <p:txBody>
+          <a:bodyPr>
+            <a:normAutofit/>
+          </a:bodyPr>
+          <a:lstStyle/>
+          <a:p>
+            <a:r>
+              <a:rPr lang="de-DE">
+                <a:solidFill>
+                  <a:srgbClr val="FFFFFF"/>
+                </a:solidFill>
+              </a:rPr>
               <a:t>Datensatz</a:t>
             </a:r>
           </a:p>
@@ -3735,7 +4171,7 @@
       </p:sp>
       <p:sp>
         <p:nvSpPr>
-          <p:cNvPr id="3" name="Inhaltsplatzhalter 2">
+          <p:cNvPr id="19" name="Inhaltsplatzhalter 2">
             <a:extLst>
               <a:ext uri="{FF2B5EF4-FFF2-40B4-BE49-F238E27FC236}">
                 <a16:creationId xmlns:a16="http://schemas.microsoft.com/office/drawing/2014/main" id="{AB06F06A-2DC7-3B40-AADC-E80EE9FCB8A4}"/>
@@ -3749,12 +4185,23 @@
             <p:ph idx="1"/>
           </p:nvPr>
         </p:nvSpPr>
-        <p:spPr/>
-        <p:txBody>
-          <a:bodyPr/>
-          <a:lstStyle/>
-          <a:p>
-            <a:endParaRPr lang="de-DE" dirty="0"/>
+        <p:spPr>
+          <a:xfrm>
+            <a:off x="6090574" y="801866"/>
+            <a:ext cx="5306084" cy="5230634"/>
+          </a:xfrm>
+        </p:spPr>
+        <p:txBody>
+          <a:bodyPr anchor="ctr">
+            <a:normAutofit/>
+          </a:bodyPr>
+          <a:lstStyle/>
+          <a:p>
+            <a:endParaRPr lang="de-DE" sz="2400">
+              <a:solidFill>
+                <a:srgbClr val="000000"/>
+              </a:solidFill>
+            </a:endParaRPr>
           </a:p>
         </p:txBody>
       </p:sp>

--- a/Abschlusspräsentation.pptx
+++ b/Abschlusspräsentation.pptx
@@ -8,7 +8,8 @@
     <p:sldId id="257" r:id="rId2"/>
     <p:sldId id="258" r:id="rId3"/>
     <p:sldId id="259" r:id="rId4"/>
-    <p:sldId id="256" r:id="rId5"/>
+    <p:sldId id="260" r:id="rId5"/>
+    <p:sldId id="256" r:id="rId6"/>
   </p:sldIdLst>
   <p:sldSz cx="12192000" cy="6858000"/>
   <p:notesSz cx="6858000" cy="9144000"/>
@@ -262,7 +263,7 @@
           <a:p>
             <a:fld id="{B03AB384-284A-4429-AFB5-F1724AA94F76}" type="datetimeFigureOut">
               <a:rPr lang="de-DE" smtClean="0"/>
-              <a:t>07.06.20</a:t>
+              <a:t>08.06.2020</a:t>
             </a:fld>
             <a:endParaRPr lang="de-DE"/>
           </a:p>
@@ -460,7 +461,7 @@
           <a:p>
             <a:fld id="{B03AB384-284A-4429-AFB5-F1724AA94F76}" type="datetimeFigureOut">
               <a:rPr lang="de-DE" smtClean="0"/>
-              <a:t>07.06.20</a:t>
+              <a:t>08.06.2020</a:t>
             </a:fld>
             <a:endParaRPr lang="de-DE"/>
           </a:p>
@@ -668,7 +669,7 @@
           <a:p>
             <a:fld id="{B03AB384-284A-4429-AFB5-F1724AA94F76}" type="datetimeFigureOut">
               <a:rPr lang="de-DE" smtClean="0"/>
-              <a:t>07.06.20</a:t>
+              <a:t>08.06.2020</a:t>
             </a:fld>
             <a:endParaRPr lang="de-DE"/>
           </a:p>
@@ -866,7 +867,7 @@
           <a:p>
             <a:fld id="{B03AB384-284A-4429-AFB5-F1724AA94F76}" type="datetimeFigureOut">
               <a:rPr lang="de-DE" smtClean="0"/>
-              <a:t>07.06.20</a:t>
+              <a:t>08.06.2020</a:t>
             </a:fld>
             <a:endParaRPr lang="de-DE"/>
           </a:p>
@@ -1141,7 +1142,7 @@
           <a:p>
             <a:fld id="{B03AB384-284A-4429-AFB5-F1724AA94F76}" type="datetimeFigureOut">
               <a:rPr lang="de-DE" smtClean="0"/>
-              <a:t>07.06.20</a:t>
+              <a:t>08.06.2020</a:t>
             </a:fld>
             <a:endParaRPr lang="de-DE"/>
           </a:p>
@@ -1406,7 +1407,7 @@
           <a:p>
             <a:fld id="{B03AB384-284A-4429-AFB5-F1724AA94F76}" type="datetimeFigureOut">
               <a:rPr lang="de-DE" smtClean="0"/>
-              <a:t>07.06.20</a:t>
+              <a:t>08.06.2020</a:t>
             </a:fld>
             <a:endParaRPr lang="de-DE"/>
           </a:p>
@@ -1818,7 +1819,7 @@
           <a:p>
             <a:fld id="{B03AB384-284A-4429-AFB5-F1724AA94F76}" type="datetimeFigureOut">
               <a:rPr lang="de-DE" smtClean="0"/>
-              <a:t>07.06.20</a:t>
+              <a:t>08.06.2020</a:t>
             </a:fld>
             <a:endParaRPr lang="de-DE"/>
           </a:p>
@@ -1959,7 +1960,7 @@
           <a:p>
             <a:fld id="{B03AB384-284A-4429-AFB5-F1724AA94F76}" type="datetimeFigureOut">
               <a:rPr lang="de-DE" smtClean="0"/>
-              <a:t>07.06.20</a:t>
+              <a:t>08.06.2020</a:t>
             </a:fld>
             <a:endParaRPr lang="de-DE"/>
           </a:p>
@@ -2072,7 +2073,7 @@
           <a:p>
             <a:fld id="{B03AB384-284A-4429-AFB5-F1724AA94F76}" type="datetimeFigureOut">
               <a:rPr lang="de-DE" smtClean="0"/>
-              <a:t>07.06.20</a:t>
+              <a:t>08.06.2020</a:t>
             </a:fld>
             <a:endParaRPr lang="de-DE"/>
           </a:p>
@@ -2383,7 +2384,7 @@
           <a:p>
             <a:fld id="{B03AB384-284A-4429-AFB5-F1724AA94F76}" type="datetimeFigureOut">
               <a:rPr lang="de-DE" smtClean="0"/>
-              <a:t>07.06.20</a:t>
+              <a:t>08.06.2020</a:t>
             </a:fld>
             <a:endParaRPr lang="de-DE"/>
           </a:p>
@@ -2671,7 +2672,7 @@
           <a:p>
             <a:fld id="{B03AB384-284A-4429-AFB5-F1724AA94F76}" type="datetimeFigureOut">
               <a:rPr lang="de-DE" smtClean="0"/>
-              <a:t>07.06.20</a:t>
+              <a:t>08.06.2020</a:t>
             </a:fld>
             <a:endParaRPr lang="de-DE"/>
           </a:p>
@@ -2912,7 +2913,7 @@
           <a:p>
             <a:fld id="{B03AB384-284A-4429-AFB5-F1724AA94F76}" type="datetimeFigureOut">
               <a:rPr lang="de-DE" smtClean="0"/>
-              <a:t>07.06.20</a:t>
+              <a:t>08.06.2020</a:t>
             </a:fld>
             <a:endParaRPr lang="de-DE"/>
           </a:p>
@@ -4219,6 +4220,134 @@
 </file>
 
 <file path=ppt/slides/slide4.xml><?xml version="1.0" encoding="utf-8"?>
+<p:sld xmlns:a="http://schemas.openxmlformats.org/drawingml/2006/main" xmlns:r="http://schemas.openxmlformats.org/officeDocument/2006/relationships" xmlns:p="http://schemas.openxmlformats.org/presentationml/2006/main">
+  <p:cSld>
+    <p:spTree>
+      <p:nvGrpSpPr>
+        <p:cNvPr id="1" name=""/>
+        <p:cNvGrpSpPr/>
+        <p:nvPr/>
+      </p:nvGrpSpPr>
+      <p:grpSpPr>
+        <a:xfrm>
+          <a:off x="0" y="0"/>
+          <a:ext cx="0" cy="0"/>
+          <a:chOff x="0" y="0"/>
+          <a:chExt cx="0" cy="0"/>
+        </a:xfrm>
+      </p:grpSpPr>
+      <p:sp>
+        <p:nvSpPr>
+          <p:cNvPr id="2" name="Titel 1">
+            <a:extLst>
+              <a:ext uri="{FF2B5EF4-FFF2-40B4-BE49-F238E27FC236}">
+                <a16:creationId xmlns:a16="http://schemas.microsoft.com/office/drawing/2014/main" id="{266A2EEA-15A9-4FCD-A86D-15916148BCF1}"/>
+              </a:ext>
+            </a:extLst>
+          </p:cNvPr>
+          <p:cNvSpPr>
+            <a:spLocks noGrp="1"/>
+          </p:cNvSpPr>
+          <p:nvPr>
+            <p:ph type="title"/>
+          </p:nvPr>
+        </p:nvSpPr>
+        <p:spPr/>
+        <p:txBody>
+          <a:bodyPr/>
+          <a:lstStyle/>
+          <a:p>
+            <a:r>
+              <a:rPr lang="de-DE" dirty="0"/>
+              <a:t>Balkendiagramm</a:t>
+            </a:r>
+          </a:p>
+        </p:txBody>
+      </p:sp>
+      <p:pic>
+        <p:nvPicPr>
+          <p:cNvPr id="9" name="Inhaltsplatzhalter 8">
+            <a:extLst>
+              <a:ext uri="{FF2B5EF4-FFF2-40B4-BE49-F238E27FC236}">
+                <a16:creationId xmlns:a16="http://schemas.microsoft.com/office/drawing/2014/main" id="{72C7E747-D1F6-48EF-A18A-02C2518C65D4}"/>
+              </a:ext>
+            </a:extLst>
+          </p:cNvPr>
+          <p:cNvPicPr>
+            <a:picLocks noGrp="1" noChangeAspect="1"/>
+          </p:cNvPicPr>
+          <p:nvPr>
+            <p:ph sz="half" idx="2"/>
+          </p:nvPr>
+        </p:nvPicPr>
+        <p:blipFill>
+          <a:blip r:embed="rId2">
+            <a:extLst>
+              <a:ext uri="{28A0092B-C50C-407E-A947-70E740481C1C}">
+                <a14:useLocalDpi xmlns:a14="http://schemas.microsoft.com/office/drawing/2010/main" val="0"/>
+              </a:ext>
+            </a:extLst>
+          </a:blip>
+          <a:stretch>
+            <a:fillRect/>
+          </a:stretch>
+        </p:blipFill>
+        <p:spPr>
+          <a:xfrm>
+            <a:off x="1576387" y="2505075"/>
+            <a:ext cx="3684588" cy="3684588"/>
+          </a:xfrm>
+        </p:spPr>
+      </p:pic>
+      <p:pic>
+        <p:nvPicPr>
+          <p:cNvPr id="11" name="Inhaltsplatzhalter 10">
+            <a:extLst>
+              <a:ext uri="{FF2B5EF4-FFF2-40B4-BE49-F238E27FC236}">
+                <a16:creationId xmlns:a16="http://schemas.microsoft.com/office/drawing/2014/main" id="{11AB3D79-9A78-4A7E-9BA4-9A18B27F628A}"/>
+              </a:ext>
+            </a:extLst>
+          </p:cNvPr>
+          <p:cNvPicPr>
+            <a:picLocks noGrp="1" noChangeAspect="1"/>
+          </p:cNvPicPr>
+          <p:nvPr>
+            <p:ph sz="quarter" idx="4"/>
+          </p:nvPr>
+        </p:nvPicPr>
+        <p:blipFill>
+          <a:blip r:embed="rId2">
+            <a:extLst>
+              <a:ext uri="{28A0092B-C50C-407E-A947-70E740481C1C}">
+                <a14:useLocalDpi xmlns:a14="http://schemas.microsoft.com/office/drawing/2010/main" val="0"/>
+              </a:ext>
+            </a:extLst>
+          </a:blip>
+          <a:stretch>
+            <a:fillRect/>
+          </a:stretch>
+        </p:blipFill>
+        <p:spPr>
+          <a:xfrm>
+            <a:off x="6921500" y="2505075"/>
+            <a:ext cx="3684588" cy="3684588"/>
+          </a:xfrm>
+        </p:spPr>
+      </p:pic>
+    </p:spTree>
+    <p:extLst>
+      <p:ext uri="{BB962C8B-B14F-4D97-AF65-F5344CB8AC3E}">
+        <p14:creationId xmlns:p14="http://schemas.microsoft.com/office/powerpoint/2010/main" val="3643341091"/>
+      </p:ext>
+    </p:extLst>
+  </p:cSld>
+  <p:clrMapOvr>
+    <a:masterClrMapping/>
+  </p:clrMapOvr>
+</p:sld>
+</file>
+
+<file path=ppt/slides/slide5.xml><?xml version="1.0" encoding="utf-8"?>
 <p:sld xmlns:a="http://schemas.openxmlformats.org/drawingml/2006/main" xmlns:r="http://schemas.openxmlformats.org/officeDocument/2006/relationships" xmlns:p="http://schemas.openxmlformats.org/presentationml/2006/main">
   <p:cSld>
     <p:spTree>

--- a/Abschlusspräsentation.pptx
+++ b/Abschlusspräsentation.pptx
@@ -4266,10 +4266,10 @@
       </p:sp>
       <p:pic>
         <p:nvPicPr>
-          <p:cNvPr id="9" name="Inhaltsplatzhalter 8">
-            <a:extLst>
-              <a:ext uri="{FF2B5EF4-FFF2-40B4-BE49-F238E27FC236}">
-                <a16:creationId xmlns:a16="http://schemas.microsoft.com/office/drawing/2014/main" id="{72C7E747-D1F6-48EF-A18A-02C2518C65D4}"/>
+          <p:cNvPr id="11" name="Inhaltsplatzhalter 10">
+            <a:extLst>
+              <a:ext uri="{FF2B5EF4-FFF2-40B4-BE49-F238E27FC236}">
+                <a16:creationId xmlns:a16="http://schemas.microsoft.com/office/drawing/2014/main" id="{11AB3D79-9A78-4A7E-9BA4-9A18B27F628A}"/>
               </a:ext>
             </a:extLst>
           </p:cNvPr>
@@ -4277,11 +4277,46 @@
             <a:picLocks noGrp="1" noChangeAspect="1"/>
           </p:cNvPicPr>
           <p:nvPr>
-            <p:ph sz="half" idx="2"/>
+            <p:ph sz="quarter" idx="4"/>
           </p:nvPr>
         </p:nvPicPr>
         <p:blipFill>
           <a:blip r:embed="rId2">
+            <a:extLst>
+              <a:ext uri="{28A0092B-C50C-407E-A947-70E740481C1C}">
+                <a14:useLocalDpi xmlns:a14="http://schemas.microsoft.com/office/drawing/2010/main" val="0"/>
+              </a:ext>
+            </a:extLst>
+          </a:blip>
+          <a:stretch>
+            <a:fillRect/>
+          </a:stretch>
+        </p:blipFill>
+        <p:spPr>
+          <a:xfrm>
+            <a:off x="6921500" y="2505075"/>
+            <a:ext cx="3684588" cy="3684588"/>
+          </a:xfrm>
+        </p:spPr>
+      </p:pic>
+      <p:pic>
+        <p:nvPicPr>
+          <p:cNvPr id="6" name="Inhaltsplatzhalter 5" descr="Ein Bild, das Foto, klein, sitzend, orange enthält.&#10;&#10;Automatisch generierte Beschreibung">
+            <a:extLst>
+              <a:ext uri="{FF2B5EF4-FFF2-40B4-BE49-F238E27FC236}">
+                <a16:creationId xmlns:a16="http://schemas.microsoft.com/office/drawing/2014/main" id="{A6EC9D13-033C-4895-A920-BA8222DC5DBD}"/>
+              </a:ext>
+            </a:extLst>
+          </p:cNvPr>
+          <p:cNvPicPr>
+            <a:picLocks noGrp="1" noChangeAspect="1"/>
+          </p:cNvPicPr>
+          <p:nvPr>
+            <p:ph sz="half" idx="2"/>
+          </p:nvPr>
+        </p:nvPicPr>
+        <p:blipFill>
+          <a:blip r:embed="rId3">
             <a:extLst>
               <a:ext uri="{28A0092B-C50C-407E-A947-70E740481C1C}">
                 <a14:useLocalDpi xmlns:a14="http://schemas.microsoft.com/office/drawing/2010/main" val="0"/>
@@ -4295,41 +4330,6 @@
         <p:spPr>
           <a:xfrm>
             <a:off x="1576387" y="2505075"/>
-            <a:ext cx="3684588" cy="3684588"/>
-          </a:xfrm>
-        </p:spPr>
-      </p:pic>
-      <p:pic>
-        <p:nvPicPr>
-          <p:cNvPr id="11" name="Inhaltsplatzhalter 10">
-            <a:extLst>
-              <a:ext uri="{FF2B5EF4-FFF2-40B4-BE49-F238E27FC236}">
-                <a16:creationId xmlns:a16="http://schemas.microsoft.com/office/drawing/2014/main" id="{11AB3D79-9A78-4A7E-9BA4-9A18B27F628A}"/>
-              </a:ext>
-            </a:extLst>
-          </p:cNvPr>
-          <p:cNvPicPr>
-            <a:picLocks noGrp="1" noChangeAspect="1"/>
-          </p:cNvPicPr>
-          <p:nvPr>
-            <p:ph sz="quarter" idx="4"/>
-          </p:nvPr>
-        </p:nvPicPr>
-        <p:blipFill>
-          <a:blip r:embed="rId2">
-            <a:extLst>
-              <a:ext uri="{28A0092B-C50C-407E-A947-70E740481C1C}">
-                <a14:useLocalDpi xmlns:a14="http://schemas.microsoft.com/office/drawing/2010/main" val="0"/>
-              </a:ext>
-            </a:extLst>
-          </a:blip>
-          <a:stretch>
-            <a:fillRect/>
-          </a:stretch>
-        </p:blipFill>
-        <p:spPr>
-          <a:xfrm>
-            <a:off x="6921500" y="2505075"/>
             <a:ext cx="3684588" cy="3684588"/>
           </a:xfrm>
         </p:spPr>

--- a/Abschlusspräsentation.pptx
+++ b/Abschlusspräsentation.pptx
@@ -4,12 +4,18 @@
   <p:sldMasterIdLst>
     <p:sldMasterId id="2147483648" r:id="rId1"/>
   </p:sldMasterIdLst>
+  <p:notesMasterIdLst>
+    <p:notesMasterId r:id="rId10"/>
+  </p:notesMasterIdLst>
   <p:sldIdLst>
     <p:sldId id="257" r:id="rId2"/>
     <p:sldId id="258" r:id="rId3"/>
     <p:sldId id="259" r:id="rId4"/>
     <p:sldId id="260" r:id="rId5"/>
     <p:sldId id="256" r:id="rId6"/>
+    <p:sldId id="261" r:id="rId7"/>
+    <p:sldId id="262" r:id="rId8"/>
+    <p:sldId id="264" r:id="rId9"/>
   </p:sldIdLst>
   <p:sldSz cx="12192000" cy="6858000"/>
   <p:notesSz cx="6858000" cy="9144000"/>
@@ -116,6 +122,910 @@
 </p:presentation>
 </file>
 
+<file path=ppt/notesMasters/notesMaster1.xml><?xml version="1.0" encoding="utf-8"?>
+<p:notesMaster xmlns:a="http://schemas.openxmlformats.org/drawingml/2006/main" xmlns:r="http://schemas.openxmlformats.org/officeDocument/2006/relationships" xmlns:p="http://schemas.openxmlformats.org/presentationml/2006/main">
+  <p:cSld>
+    <p:bg>
+      <p:bgRef idx="1001">
+        <a:schemeClr val="bg1"/>
+      </p:bgRef>
+    </p:bg>
+    <p:spTree>
+      <p:nvGrpSpPr>
+        <p:cNvPr id="1" name=""/>
+        <p:cNvGrpSpPr/>
+        <p:nvPr/>
+      </p:nvGrpSpPr>
+      <p:grpSpPr>
+        <a:xfrm>
+          <a:off x="0" y="0"/>
+          <a:ext cx="0" cy="0"/>
+          <a:chOff x="0" y="0"/>
+          <a:chExt cx="0" cy="0"/>
+        </a:xfrm>
+      </p:grpSpPr>
+      <p:sp>
+        <p:nvSpPr>
+          <p:cNvPr id="2" name="Kopfzeilenplatzhalter 1"/>
+          <p:cNvSpPr>
+            <a:spLocks noGrp="1"/>
+          </p:cNvSpPr>
+          <p:nvPr>
+            <p:ph type="hdr" sz="quarter"/>
+          </p:nvPr>
+        </p:nvSpPr>
+        <p:spPr>
+          <a:xfrm>
+            <a:off x="0" y="0"/>
+            <a:ext cx="2971800" cy="458788"/>
+          </a:xfrm>
+          <a:prstGeom prst="rect">
+            <a:avLst/>
+          </a:prstGeom>
+        </p:spPr>
+        <p:txBody>
+          <a:bodyPr vert="horz" lIns="91440" tIns="45720" rIns="91440" bIns="45720" rtlCol="0"/>
+          <a:lstStyle>
+            <a:lvl1pPr algn="l">
+              <a:defRPr sz="1200"/>
+            </a:lvl1pPr>
+          </a:lstStyle>
+          <a:p>
+            <a:endParaRPr lang="de-DE"/>
+          </a:p>
+        </p:txBody>
+      </p:sp>
+      <p:sp>
+        <p:nvSpPr>
+          <p:cNvPr id="3" name="Datumsplatzhalter 2"/>
+          <p:cNvSpPr>
+            <a:spLocks noGrp="1"/>
+          </p:cNvSpPr>
+          <p:nvPr>
+            <p:ph type="dt" idx="1"/>
+          </p:nvPr>
+        </p:nvSpPr>
+        <p:spPr>
+          <a:xfrm>
+            <a:off x="3884613" y="0"/>
+            <a:ext cx="2971800" cy="458788"/>
+          </a:xfrm>
+          <a:prstGeom prst="rect">
+            <a:avLst/>
+          </a:prstGeom>
+        </p:spPr>
+        <p:txBody>
+          <a:bodyPr vert="horz" lIns="91440" tIns="45720" rIns="91440" bIns="45720" rtlCol="0"/>
+          <a:lstStyle>
+            <a:lvl1pPr algn="r">
+              <a:defRPr sz="1200"/>
+            </a:lvl1pPr>
+          </a:lstStyle>
+          <a:p>
+            <a:fld id="{A57D27A1-214A-458A-A3B7-807F6FF442B2}" type="datetimeFigureOut">
+              <a:rPr lang="de-DE" smtClean="0"/>
+              <a:t>09.06.2020</a:t>
+            </a:fld>
+            <a:endParaRPr lang="de-DE"/>
+          </a:p>
+        </p:txBody>
+      </p:sp>
+      <p:sp>
+        <p:nvSpPr>
+          <p:cNvPr id="4" name="Folienbildplatzhalter 3"/>
+          <p:cNvSpPr>
+            <a:spLocks noGrp="1" noRot="1" noChangeAspect="1"/>
+          </p:cNvSpPr>
+          <p:nvPr>
+            <p:ph type="sldImg" idx="2"/>
+          </p:nvPr>
+        </p:nvSpPr>
+        <p:spPr>
+          <a:xfrm>
+            <a:off x="685800" y="1143000"/>
+            <a:ext cx="5486400" cy="3086100"/>
+          </a:xfrm>
+          <a:prstGeom prst="rect">
+            <a:avLst/>
+          </a:prstGeom>
+          <a:noFill/>
+          <a:ln w="12700">
+            <a:solidFill>
+              <a:prstClr val="black"/>
+            </a:solidFill>
+          </a:ln>
+        </p:spPr>
+        <p:txBody>
+          <a:bodyPr vert="horz" lIns="91440" tIns="45720" rIns="91440" bIns="45720" rtlCol="0" anchor="ctr"/>
+          <a:lstStyle/>
+          <a:p>
+            <a:endParaRPr lang="de-DE"/>
+          </a:p>
+        </p:txBody>
+      </p:sp>
+      <p:sp>
+        <p:nvSpPr>
+          <p:cNvPr id="5" name="Notizenplatzhalter 4"/>
+          <p:cNvSpPr>
+            <a:spLocks noGrp="1"/>
+          </p:cNvSpPr>
+          <p:nvPr>
+            <p:ph type="body" sz="quarter" idx="3"/>
+          </p:nvPr>
+        </p:nvSpPr>
+        <p:spPr>
+          <a:xfrm>
+            <a:off x="685800" y="4400550"/>
+            <a:ext cx="5486400" cy="3600450"/>
+          </a:xfrm>
+          <a:prstGeom prst="rect">
+            <a:avLst/>
+          </a:prstGeom>
+        </p:spPr>
+        <p:txBody>
+          <a:bodyPr vert="horz" lIns="91440" tIns="45720" rIns="91440" bIns="45720" rtlCol="0"/>
+          <a:lstStyle/>
+          <a:p>
+            <a:pPr lvl="0"/>
+            <a:r>
+              <a:rPr lang="de-DE"/>
+              <a:t>Mastertextformat bearbeiten</a:t>
+            </a:r>
+          </a:p>
+          <a:p>
+            <a:pPr lvl="1"/>
+            <a:r>
+              <a:rPr lang="de-DE"/>
+              <a:t>Zweite Ebene</a:t>
+            </a:r>
+          </a:p>
+          <a:p>
+            <a:pPr lvl="2"/>
+            <a:r>
+              <a:rPr lang="de-DE"/>
+              <a:t>Dritte Ebene</a:t>
+            </a:r>
+          </a:p>
+          <a:p>
+            <a:pPr lvl="3"/>
+            <a:r>
+              <a:rPr lang="de-DE"/>
+              <a:t>Vierte Ebene</a:t>
+            </a:r>
+          </a:p>
+          <a:p>
+            <a:pPr lvl="4"/>
+            <a:r>
+              <a:rPr lang="de-DE"/>
+              <a:t>Fünfte Ebene</a:t>
+            </a:r>
+          </a:p>
+        </p:txBody>
+      </p:sp>
+      <p:sp>
+        <p:nvSpPr>
+          <p:cNvPr id="6" name="Fußzeilenplatzhalter 5"/>
+          <p:cNvSpPr>
+            <a:spLocks noGrp="1"/>
+          </p:cNvSpPr>
+          <p:nvPr>
+            <p:ph type="ftr" sz="quarter" idx="4"/>
+          </p:nvPr>
+        </p:nvSpPr>
+        <p:spPr>
+          <a:xfrm>
+            <a:off x="0" y="8685213"/>
+            <a:ext cx="2971800" cy="458787"/>
+          </a:xfrm>
+          <a:prstGeom prst="rect">
+            <a:avLst/>
+          </a:prstGeom>
+        </p:spPr>
+        <p:txBody>
+          <a:bodyPr vert="horz" lIns="91440" tIns="45720" rIns="91440" bIns="45720" rtlCol="0" anchor="b"/>
+          <a:lstStyle>
+            <a:lvl1pPr algn="l">
+              <a:defRPr sz="1200"/>
+            </a:lvl1pPr>
+          </a:lstStyle>
+          <a:p>
+            <a:endParaRPr lang="de-DE"/>
+          </a:p>
+        </p:txBody>
+      </p:sp>
+      <p:sp>
+        <p:nvSpPr>
+          <p:cNvPr id="7" name="Foliennummernplatzhalter 6"/>
+          <p:cNvSpPr>
+            <a:spLocks noGrp="1"/>
+          </p:cNvSpPr>
+          <p:nvPr>
+            <p:ph type="sldNum" sz="quarter" idx="5"/>
+          </p:nvPr>
+        </p:nvSpPr>
+        <p:spPr>
+          <a:xfrm>
+            <a:off x="3884613" y="8685213"/>
+            <a:ext cx="2971800" cy="458787"/>
+          </a:xfrm>
+          <a:prstGeom prst="rect">
+            <a:avLst/>
+          </a:prstGeom>
+        </p:spPr>
+        <p:txBody>
+          <a:bodyPr vert="horz" lIns="91440" tIns="45720" rIns="91440" bIns="45720" rtlCol="0" anchor="b"/>
+          <a:lstStyle>
+            <a:lvl1pPr algn="r">
+              <a:defRPr sz="1200"/>
+            </a:lvl1pPr>
+          </a:lstStyle>
+          <a:p>
+            <a:fld id="{A9E0D0BE-D97C-43E5-A33F-4BB9002AC227}" type="slidenum">
+              <a:rPr lang="de-DE" smtClean="0"/>
+              <a:t>‹Nr.›</a:t>
+            </a:fld>
+            <a:endParaRPr lang="de-DE"/>
+          </a:p>
+        </p:txBody>
+      </p:sp>
+    </p:spTree>
+    <p:extLst>
+      <p:ext uri="{BB962C8B-B14F-4D97-AF65-F5344CB8AC3E}">
+        <p14:creationId xmlns:p14="http://schemas.microsoft.com/office/powerpoint/2010/main" val="2084148235"/>
+      </p:ext>
+    </p:extLst>
+  </p:cSld>
+  <p:clrMap bg1="lt1" tx1="dk1" bg2="lt2" tx2="dk2" accent1="accent1" accent2="accent2" accent3="accent3" accent4="accent4" accent5="accent5" accent6="accent6" hlink="hlink" folHlink="folHlink"/>
+  <p:notesStyle>
+    <a:lvl1pPr marL="0" algn="l" defTabSz="914400" rtl="0" eaLnBrk="1" latinLnBrk="0" hangingPunct="1">
+      <a:defRPr sz="1200" kern="1200">
+        <a:solidFill>
+          <a:schemeClr val="tx1"/>
+        </a:solidFill>
+        <a:latin typeface="+mn-lt"/>
+        <a:ea typeface="+mn-ea"/>
+        <a:cs typeface="+mn-cs"/>
+      </a:defRPr>
+    </a:lvl1pPr>
+    <a:lvl2pPr marL="457200" algn="l" defTabSz="914400" rtl="0" eaLnBrk="1" latinLnBrk="0" hangingPunct="1">
+      <a:defRPr sz="1200" kern="1200">
+        <a:solidFill>
+          <a:schemeClr val="tx1"/>
+        </a:solidFill>
+        <a:latin typeface="+mn-lt"/>
+        <a:ea typeface="+mn-ea"/>
+        <a:cs typeface="+mn-cs"/>
+      </a:defRPr>
+    </a:lvl2pPr>
+    <a:lvl3pPr marL="914400" algn="l" defTabSz="914400" rtl="0" eaLnBrk="1" latinLnBrk="0" hangingPunct="1">
+      <a:defRPr sz="1200" kern="1200">
+        <a:solidFill>
+          <a:schemeClr val="tx1"/>
+        </a:solidFill>
+        <a:latin typeface="+mn-lt"/>
+        <a:ea typeface="+mn-ea"/>
+        <a:cs typeface="+mn-cs"/>
+      </a:defRPr>
+    </a:lvl3pPr>
+    <a:lvl4pPr marL="1371600" algn="l" defTabSz="914400" rtl="0" eaLnBrk="1" latinLnBrk="0" hangingPunct="1">
+      <a:defRPr sz="1200" kern="1200">
+        <a:solidFill>
+          <a:schemeClr val="tx1"/>
+        </a:solidFill>
+        <a:latin typeface="+mn-lt"/>
+        <a:ea typeface="+mn-ea"/>
+        <a:cs typeface="+mn-cs"/>
+      </a:defRPr>
+    </a:lvl4pPr>
+    <a:lvl5pPr marL="1828800" algn="l" defTabSz="914400" rtl="0" eaLnBrk="1" latinLnBrk="0" hangingPunct="1">
+      <a:defRPr sz="1200" kern="1200">
+        <a:solidFill>
+          <a:schemeClr val="tx1"/>
+        </a:solidFill>
+        <a:latin typeface="+mn-lt"/>
+        <a:ea typeface="+mn-ea"/>
+        <a:cs typeface="+mn-cs"/>
+      </a:defRPr>
+    </a:lvl5pPr>
+    <a:lvl6pPr marL="2286000" algn="l" defTabSz="914400" rtl="0" eaLnBrk="1" latinLnBrk="0" hangingPunct="1">
+      <a:defRPr sz="1200" kern="1200">
+        <a:solidFill>
+          <a:schemeClr val="tx1"/>
+        </a:solidFill>
+        <a:latin typeface="+mn-lt"/>
+        <a:ea typeface="+mn-ea"/>
+        <a:cs typeface="+mn-cs"/>
+      </a:defRPr>
+    </a:lvl6pPr>
+    <a:lvl7pPr marL="2743200" algn="l" defTabSz="914400" rtl="0" eaLnBrk="1" latinLnBrk="0" hangingPunct="1">
+      <a:defRPr sz="1200" kern="1200">
+        <a:solidFill>
+          <a:schemeClr val="tx1"/>
+        </a:solidFill>
+        <a:latin typeface="+mn-lt"/>
+        <a:ea typeface="+mn-ea"/>
+        <a:cs typeface="+mn-cs"/>
+      </a:defRPr>
+    </a:lvl7pPr>
+    <a:lvl8pPr marL="3200400" algn="l" defTabSz="914400" rtl="0" eaLnBrk="1" latinLnBrk="0" hangingPunct="1">
+      <a:defRPr sz="1200" kern="1200">
+        <a:solidFill>
+          <a:schemeClr val="tx1"/>
+        </a:solidFill>
+        <a:latin typeface="+mn-lt"/>
+        <a:ea typeface="+mn-ea"/>
+        <a:cs typeface="+mn-cs"/>
+      </a:defRPr>
+    </a:lvl8pPr>
+    <a:lvl9pPr marL="3657600" algn="l" defTabSz="914400" rtl="0" eaLnBrk="1" latinLnBrk="0" hangingPunct="1">
+      <a:defRPr sz="1200" kern="1200">
+        <a:solidFill>
+          <a:schemeClr val="tx1"/>
+        </a:solidFill>
+        <a:latin typeface="+mn-lt"/>
+        <a:ea typeface="+mn-ea"/>
+        <a:cs typeface="+mn-cs"/>
+      </a:defRPr>
+    </a:lvl9pPr>
+  </p:notesStyle>
+</p:notesMaster>
+</file>
+
+<file path=ppt/notesSlides/notesSlide1.xml><?xml version="1.0" encoding="utf-8"?>
+<p:notes xmlns:a="http://schemas.openxmlformats.org/drawingml/2006/main" xmlns:r="http://schemas.openxmlformats.org/officeDocument/2006/relationships" xmlns:p="http://schemas.openxmlformats.org/presentationml/2006/main">
+  <p:cSld>
+    <p:spTree>
+      <p:nvGrpSpPr>
+        <p:cNvPr id="1" name=""/>
+        <p:cNvGrpSpPr/>
+        <p:nvPr/>
+      </p:nvGrpSpPr>
+      <p:grpSpPr>
+        <a:xfrm>
+          <a:off x="0" y="0"/>
+          <a:ext cx="0" cy="0"/>
+          <a:chOff x="0" y="0"/>
+          <a:chExt cx="0" cy="0"/>
+        </a:xfrm>
+      </p:grpSpPr>
+      <p:sp>
+        <p:nvSpPr>
+          <p:cNvPr id="2" name="Folienbildplatzhalter 1"/>
+          <p:cNvSpPr>
+            <a:spLocks noGrp="1" noRot="1" noChangeAspect="1"/>
+          </p:cNvSpPr>
+          <p:nvPr>
+            <p:ph type="sldImg"/>
+          </p:nvPr>
+        </p:nvSpPr>
+        <p:spPr/>
+      </p:sp>
+      <p:sp>
+        <p:nvSpPr>
+          <p:cNvPr id="3" name="Notizenplatzhalter 2"/>
+          <p:cNvSpPr>
+            <a:spLocks noGrp="1"/>
+          </p:cNvSpPr>
+          <p:nvPr>
+            <p:ph type="body" idx="1"/>
+          </p:nvPr>
+        </p:nvSpPr>
+        <p:spPr/>
+        <p:txBody>
+          <a:bodyPr/>
+          <a:lstStyle/>
+          <a:p>
+            <a:r>
+              <a:rPr lang="de-DE" dirty="0"/>
+              <a:t>#### Erklärung zum Neuronalen Netz</a:t>
+            </a:r>
+          </a:p>
+          <a:p>
+            <a:r>
+              <a:rPr lang="de-DE" dirty="0"/>
+              <a:t>## Hidden </a:t>
+            </a:r>
+            <a:r>
+              <a:rPr lang="de-DE" dirty="0" err="1"/>
+              <a:t>layer</a:t>
+            </a:r>
+            <a:r>
+              <a:rPr lang="de-DE" dirty="0"/>
+              <a:t> und Neuronen </a:t>
+            </a:r>
+          </a:p>
+          <a:p>
+            <a:endParaRPr lang="de-DE" dirty="0"/>
+          </a:p>
+          <a:p>
+            <a:r>
+              <a:rPr lang="de-DE" dirty="0"/>
+              <a:t># </a:t>
+            </a:r>
+            <a:r>
+              <a:rPr lang="de-DE" dirty="0" err="1"/>
+              <a:t>input</a:t>
+            </a:r>
+            <a:r>
+              <a:rPr lang="de-DE" dirty="0"/>
+              <a:t> </a:t>
+            </a:r>
+            <a:r>
+              <a:rPr lang="de-DE" dirty="0" err="1"/>
+              <a:t>layer</a:t>
+            </a:r>
+            <a:r>
+              <a:rPr lang="de-DE" dirty="0"/>
+              <a:t>: 10 </a:t>
+            </a:r>
+            <a:r>
+              <a:rPr lang="de-DE" dirty="0" err="1"/>
+              <a:t>features</a:t>
+            </a:r>
+            <a:r>
+              <a:rPr lang="de-DE" dirty="0"/>
+              <a:t>, 29 </a:t>
+            </a:r>
+            <a:r>
+              <a:rPr lang="de-DE" dirty="0" err="1"/>
+              <a:t>input</a:t>
+            </a:r>
+            <a:r>
+              <a:rPr lang="de-DE" dirty="0"/>
+              <a:t> variablen 29/19/13/1</a:t>
+            </a:r>
+          </a:p>
+          <a:p>
+            <a:r>
+              <a:rPr lang="de-DE" dirty="0"/>
+              <a:t># 1 </a:t>
+            </a:r>
+            <a:r>
+              <a:rPr lang="de-DE" dirty="0" err="1"/>
+              <a:t>hidden</a:t>
+            </a:r>
+            <a:r>
+              <a:rPr lang="de-DE" dirty="0"/>
+              <a:t> </a:t>
+            </a:r>
+            <a:r>
+              <a:rPr lang="de-DE" dirty="0" err="1"/>
+              <a:t>layer</a:t>
+            </a:r>
+            <a:r>
+              <a:rPr lang="de-DE" dirty="0"/>
+              <a:t> wenn Daten noch clusterbar sind</a:t>
+            </a:r>
+          </a:p>
+          <a:p>
+            <a:r>
+              <a:rPr lang="de-DE" dirty="0"/>
+              <a:t># 2 </a:t>
+            </a:r>
+            <a:r>
+              <a:rPr lang="de-DE" dirty="0" err="1"/>
+              <a:t>hidden</a:t>
+            </a:r>
+            <a:r>
+              <a:rPr lang="de-DE" dirty="0"/>
+              <a:t> </a:t>
+            </a:r>
+            <a:r>
+              <a:rPr lang="de-DE" dirty="0" err="1"/>
+              <a:t>layer</a:t>
+            </a:r>
+            <a:r>
+              <a:rPr lang="de-DE" dirty="0"/>
+              <a:t> bei komplexeren Datensätzen</a:t>
+            </a:r>
+          </a:p>
+          <a:p>
+            <a:r>
+              <a:rPr lang="de-DE" dirty="0"/>
+              <a:t># 2 </a:t>
+            </a:r>
+            <a:r>
+              <a:rPr lang="de-DE" dirty="0" err="1"/>
+              <a:t>hidden</a:t>
+            </a:r>
+            <a:r>
+              <a:rPr lang="de-DE" dirty="0"/>
+              <a:t> </a:t>
+            </a:r>
+            <a:r>
+              <a:rPr lang="de-DE" dirty="0" err="1"/>
+              <a:t>layer</a:t>
+            </a:r>
+            <a:r>
+              <a:rPr lang="de-DE" dirty="0"/>
+              <a:t> haben sich </a:t>
+            </a:r>
+            <a:r>
+              <a:rPr lang="de-DE" dirty="0" err="1"/>
+              <a:t>awohl</a:t>
+            </a:r>
+            <a:r>
+              <a:rPr lang="de-DE" dirty="0"/>
+              <a:t> als oft nützlich erwiesen</a:t>
+            </a:r>
+          </a:p>
+          <a:p>
+            <a:r>
+              <a:rPr lang="de-DE" dirty="0"/>
+              <a:t># mehr als zwei </a:t>
+            </a:r>
+            <a:r>
+              <a:rPr lang="de-DE" dirty="0" err="1"/>
+              <a:t>hidden</a:t>
+            </a:r>
+            <a:r>
+              <a:rPr lang="de-DE" dirty="0"/>
+              <a:t> </a:t>
+            </a:r>
+            <a:r>
+              <a:rPr lang="de-DE" dirty="0" err="1"/>
+              <a:t>layer</a:t>
+            </a:r>
+            <a:r>
+              <a:rPr lang="de-DE" dirty="0"/>
+              <a:t> unnötig für Problem, führt zu </a:t>
+            </a:r>
+            <a:r>
+              <a:rPr lang="de-DE" dirty="0" err="1"/>
+              <a:t>overfitting</a:t>
+            </a:r>
+            <a:endParaRPr lang="de-DE" dirty="0"/>
+          </a:p>
+          <a:p>
+            <a:r>
+              <a:rPr lang="de-DE" dirty="0"/>
+              <a:t># Faustregel: 2/3 von einem zum nächsten </a:t>
+            </a:r>
+            <a:r>
+              <a:rPr lang="de-DE" dirty="0" err="1"/>
+              <a:t>layer</a:t>
+            </a:r>
+            <a:endParaRPr lang="de-DE" dirty="0"/>
+          </a:p>
+          <a:p>
+            <a:endParaRPr lang="de-DE" dirty="0"/>
+          </a:p>
+          <a:p>
+            <a:r>
+              <a:rPr lang="de-DE" dirty="0"/>
+              <a:t>## </a:t>
+            </a:r>
+            <a:r>
+              <a:rPr lang="de-DE" dirty="0" err="1"/>
+              <a:t>hParamenter</a:t>
+            </a:r>
+            <a:r>
+              <a:rPr lang="de-DE" dirty="0"/>
+              <a:t> von SGD</a:t>
+            </a:r>
+          </a:p>
+          <a:p>
+            <a:r>
+              <a:rPr lang="de-DE" dirty="0"/>
+              <a:t># </a:t>
+            </a:r>
+            <a:r>
+              <a:rPr lang="de-DE" dirty="0" err="1"/>
+              <a:t>start</a:t>
+            </a:r>
+            <a:r>
+              <a:rPr lang="de-DE" dirty="0"/>
+              <a:t> </a:t>
+            </a:r>
+            <a:r>
+              <a:rPr lang="de-DE" dirty="0" err="1"/>
+              <a:t>values</a:t>
+            </a:r>
+            <a:r>
+              <a:rPr lang="de-DE" dirty="0"/>
+              <a:t>: Generally </a:t>
+            </a:r>
+            <a:r>
+              <a:rPr lang="de-DE" dirty="0" err="1"/>
+              <a:t>used</a:t>
+            </a:r>
+            <a:r>
+              <a:rPr lang="de-DE" dirty="0"/>
+              <a:t> </a:t>
+            </a:r>
+            <a:r>
+              <a:rPr lang="de-DE" dirty="0" err="1"/>
+              <a:t>values</a:t>
+            </a:r>
+            <a:r>
+              <a:rPr lang="de-DE" dirty="0"/>
+              <a:t> </a:t>
+            </a:r>
+            <a:r>
+              <a:rPr lang="de-DE" dirty="0" err="1"/>
+              <a:t>lr</a:t>
+            </a:r>
+            <a:r>
+              <a:rPr lang="de-DE" dirty="0"/>
+              <a:t> = 1e-4, </a:t>
+            </a:r>
+            <a:r>
+              <a:rPr lang="de-DE" dirty="0" err="1"/>
+              <a:t>momentum</a:t>
+            </a:r>
+            <a:r>
+              <a:rPr lang="de-DE" dirty="0"/>
+              <a:t>=0.9.</a:t>
+            </a:r>
+          </a:p>
+          <a:p>
+            <a:r>
+              <a:rPr lang="de-DE" dirty="0"/>
+              <a:t># zuerst an </a:t>
+            </a:r>
+            <a:r>
+              <a:rPr lang="de-DE" dirty="0" err="1"/>
+              <a:t>lr</a:t>
+            </a:r>
+            <a:r>
+              <a:rPr lang="de-DE" dirty="0"/>
+              <a:t> rumgespielt, weil irgendwo gelesen das wichtiger</a:t>
+            </a:r>
+          </a:p>
+          <a:p>
+            <a:r>
+              <a:rPr lang="de-DE" dirty="0"/>
+              <a:t># danach </a:t>
+            </a:r>
+            <a:r>
+              <a:rPr lang="de-DE" dirty="0" err="1"/>
+              <a:t>momentum</a:t>
+            </a:r>
+            <a:r>
+              <a:rPr lang="de-DE" dirty="0"/>
+              <a:t> optimiert, </a:t>
+            </a:r>
+            <a:r>
+              <a:rPr lang="de-DE" dirty="0" err="1"/>
+              <a:t>d.h</a:t>
+            </a:r>
+            <a:r>
+              <a:rPr lang="de-DE" dirty="0"/>
+              <a:t> also die Grenzen abgetastet und die Mitte genommen</a:t>
+            </a:r>
+          </a:p>
+          <a:p>
+            <a:endParaRPr lang="de-DE" dirty="0"/>
+          </a:p>
+          <a:p>
+            <a:r>
+              <a:rPr lang="de-DE" dirty="0"/>
+              <a:t># </a:t>
+            </a:r>
+            <a:r>
+              <a:rPr lang="de-DE" dirty="0" err="1"/>
+              <a:t>nesterov</a:t>
+            </a:r>
+            <a:r>
+              <a:rPr lang="de-DE" dirty="0"/>
+              <a:t>: https://dominikschmidt.xyz/nesterov-momentum/</a:t>
+            </a:r>
+          </a:p>
+          <a:p>
+            <a:r>
+              <a:rPr lang="de-DE" dirty="0"/>
+              <a:t># </a:t>
+            </a:r>
+            <a:r>
+              <a:rPr lang="de-DE" dirty="0" err="1"/>
+              <a:t>next</a:t>
+            </a:r>
+            <a:r>
+              <a:rPr lang="de-DE" dirty="0"/>
+              <a:t> </a:t>
+            </a:r>
+            <a:r>
+              <a:rPr lang="de-DE" dirty="0" err="1"/>
+              <a:t>steps</a:t>
+            </a:r>
+            <a:r>
+              <a:rPr lang="de-DE" dirty="0"/>
+              <a:t>: </a:t>
+            </a:r>
+            <a:r>
+              <a:rPr lang="de-DE" dirty="0" err="1"/>
+              <a:t>optimizer</a:t>
+            </a:r>
+            <a:r>
+              <a:rPr lang="de-DE" dirty="0"/>
+              <a:t> wie </a:t>
+            </a:r>
+            <a:r>
+              <a:rPr lang="de-DE" dirty="0" err="1"/>
+              <a:t>adam</a:t>
+            </a:r>
+            <a:r>
+              <a:rPr lang="de-DE" dirty="0"/>
+              <a:t> und </a:t>
+            </a:r>
+            <a:r>
+              <a:rPr lang="de-DE" dirty="0" err="1"/>
+              <a:t>lr</a:t>
+            </a:r>
+            <a:r>
+              <a:rPr lang="de-DE" dirty="0"/>
+              <a:t> </a:t>
+            </a:r>
+            <a:r>
+              <a:rPr lang="de-DE" dirty="0" err="1"/>
+              <a:t>feedback</a:t>
+            </a:r>
+            <a:r>
+              <a:rPr lang="de-DE" dirty="0"/>
+              <a:t> loop wäre nice, bin gescheitert... </a:t>
+            </a:r>
+          </a:p>
+          <a:p>
+            <a:endParaRPr lang="de-DE" dirty="0"/>
+          </a:p>
+          <a:p>
+            <a:endParaRPr lang="de-DE" dirty="0"/>
+          </a:p>
+          <a:p>
+            <a:r>
+              <a:rPr lang="de-DE" dirty="0"/>
+              <a:t>## Quellen</a:t>
+            </a:r>
+          </a:p>
+          <a:p>
+            <a:r>
+              <a:rPr lang="de-DE" dirty="0"/>
+              <a:t># https://www.researchgate.net/post/How_do_I_represent_input_variables_for_artificial_neural_network_design </a:t>
+            </a:r>
+          </a:p>
+          <a:p>
+            <a:r>
+              <a:rPr lang="de-DE" dirty="0"/>
+              <a:t># https://towardsdatascience.com/beginners-ask-how-many-hidden-layers-neurons-to-use-in-artificial-neural-networks-51466afa0d3e</a:t>
+            </a:r>
+          </a:p>
+          <a:p>
+            <a:r>
+              <a:rPr lang="de-DE" dirty="0"/>
+              <a:t># https://stackoverflow.com/questions/51017181/what-should-be-the-value-for-learning-rate-and-momentum</a:t>
+            </a:r>
+          </a:p>
+          <a:p>
+            <a:r>
+              <a:rPr lang="de-DE" dirty="0"/>
+              <a:t># https://machinelearningmastery.com/how-to-configure-the-number-of-layers-and-nodes-in-a-neural-network/</a:t>
+            </a:r>
+          </a:p>
+          <a:p>
+            <a:endParaRPr lang="de-DE" dirty="0"/>
+          </a:p>
+        </p:txBody>
+      </p:sp>
+      <p:sp>
+        <p:nvSpPr>
+          <p:cNvPr id="4" name="Foliennummernplatzhalter 3"/>
+          <p:cNvSpPr>
+            <a:spLocks noGrp="1"/>
+          </p:cNvSpPr>
+          <p:nvPr>
+            <p:ph type="sldNum" sz="quarter" idx="5"/>
+          </p:nvPr>
+        </p:nvSpPr>
+        <p:spPr/>
+        <p:txBody>
+          <a:bodyPr/>
+          <a:lstStyle/>
+          <a:p>
+            <a:fld id="{A9E0D0BE-D97C-43E5-A33F-4BB9002AC227}" type="slidenum">
+              <a:rPr lang="de-DE" smtClean="0"/>
+              <a:t>7</a:t>
+            </a:fld>
+            <a:endParaRPr lang="de-DE"/>
+          </a:p>
+        </p:txBody>
+      </p:sp>
+    </p:spTree>
+    <p:extLst>
+      <p:ext uri="{BB962C8B-B14F-4D97-AF65-F5344CB8AC3E}">
+        <p14:creationId xmlns:p14="http://schemas.microsoft.com/office/powerpoint/2010/main" val="2262631667"/>
+      </p:ext>
+    </p:extLst>
+  </p:cSld>
+  <p:clrMapOvr>
+    <a:masterClrMapping/>
+  </p:clrMapOvr>
+</p:notes>
+</file>
+
+<file path=ppt/notesSlides/notesSlide2.xml><?xml version="1.0" encoding="utf-8"?>
+<p:notes xmlns:a="http://schemas.openxmlformats.org/drawingml/2006/main" xmlns:r="http://schemas.openxmlformats.org/officeDocument/2006/relationships" xmlns:p="http://schemas.openxmlformats.org/presentationml/2006/main">
+  <p:cSld>
+    <p:spTree>
+      <p:nvGrpSpPr>
+        <p:cNvPr id="1" name=""/>
+        <p:cNvGrpSpPr/>
+        <p:nvPr/>
+      </p:nvGrpSpPr>
+      <p:grpSpPr>
+        <a:xfrm>
+          <a:off x="0" y="0"/>
+          <a:ext cx="0" cy="0"/>
+          <a:chOff x="0" y="0"/>
+          <a:chExt cx="0" cy="0"/>
+        </a:xfrm>
+      </p:grpSpPr>
+      <p:sp>
+        <p:nvSpPr>
+          <p:cNvPr id="2" name="Folienbildplatzhalter 1"/>
+          <p:cNvSpPr>
+            <a:spLocks noGrp="1" noRot="1" noChangeAspect="1"/>
+          </p:cNvSpPr>
+          <p:nvPr>
+            <p:ph type="sldImg"/>
+          </p:nvPr>
+        </p:nvSpPr>
+        <p:spPr/>
+      </p:sp>
+      <p:sp>
+        <p:nvSpPr>
+          <p:cNvPr id="3" name="Notizenplatzhalter 2"/>
+          <p:cNvSpPr>
+            <a:spLocks noGrp="1"/>
+          </p:cNvSpPr>
+          <p:nvPr>
+            <p:ph type="body" idx="1"/>
+          </p:nvPr>
+        </p:nvSpPr>
+        <p:spPr/>
+        <p:txBody>
+          <a:bodyPr/>
+          <a:lstStyle/>
+          <a:p>
+            <a:endParaRPr lang="de-DE" dirty="0"/>
+          </a:p>
+        </p:txBody>
+      </p:sp>
+      <p:sp>
+        <p:nvSpPr>
+          <p:cNvPr id="4" name="Foliennummernplatzhalter 3"/>
+          <p:cNvSpPr>
+            <a:spLocks noGrp="1"/>
+          </p:cNvSpPr>
+          <p:nvPr>
+            <p:ph type="sldNum" sz="quarter" idx="5"/>
+          </p:nvPr>
+        </p:nvSpPr>
+        <p:spPr/>
+        <p:txBody>
+          <a:bodyPr/>
+          <a:lstStyle/>
+          <a:p>
+            <a:fld id="{A9E0D0BE-D97C-43E5-A33F-4BB9002AC227}" type="slidenum">
+              <a:rPr lang="de-DE" smtClean="0"/>
+              <a:t>8</a:t>
+            </a:fld>
+            <a:endParaRPr lang="de-DE"/>
+          </a:p>
+        </p:txBody>
+      </p:sp>
+    </p:spTree>
+    <p:extLst>
+      <p:ext uri="{BB962C8B-B14F-4D97-AF65-F5344CB8AC3E}">
+        <p14:creationId xmlns:p14="http://schemas.microsoft.com/office/powerpoint/2010/main" val="2987352425"/>
+      </p:ext>
+    </p:extLst>
+  </p:cSld>
+  <p:clrMapOvr>
+    <a:masterClrMapping/>
+  </p:clrMapOvr>
+</p:notes>
+</file>
+
 <file path=ppt/slideLayouts/slideLayout1.xml><?xml version="1.0" encoding="utf-8"?>
 <p:sldLayout xmlns:a="http://schemas.openxmlformats.org/drawingml/2006/main" xmlns:r="http://schemas.openxmlformats.org/officeDocument/2006/relationships" xmlns:p="http://schemas.openxmlformats.org/presentationml/2006/main" type="title" preserve="1">
   <p:cSld name="Titelfolie">
@@ -263,7 +1173,7 @@
           <a:p>
             <a:fld id="{B03AB384-284A-4429-AFB5-F1724AA94F76}" type="datetimeFigureOut">
               <a:rPr lang="de-DE" smtClean="0"/>
-              <a:t>08.06.2020</a:t>
+              <a:t>09.06.2020</a:t>
             </a:fld>
             <a:endParaRPr lang="de-DE"/>
           </a:p>
@@ -461,7 +1371,7 @@
           <a:p>
             <a:fld id="{B03AB384-284A-4429-AFB5-F1724AA94F76}" type="datetimeFigureOut">
               <a:rPr lang="de-DE" smtClean="0"/>
-              <a:t>08.06.2020</a:t>
+              <a:t>09.06.2020</a:t>
             </a:fld>
             <a:endParaRPr lang="de-DE"/>
           </a:p>
@@ -669,7 +1579,7 @@
           <a:p>
             <a:fld id="{B03AB384-284A-4429-AFB5-F1724AA94F76}" type="datetimeFigureOut">
               <a:rPr lang="de-DE" smtClean="0"/>
-              <a:t>08.06.2020</a:t>
+              <a:t>09.06.2020</a:t>
             </a:fld>
             <a:endParaRPr lang="de-DE"/>
           </a:p>
@@ -867,7 +1777,7 @@
           <a:p>
             <a:fld id="{B03AB384-284A-4429-AFB5-F1724AA94F76}" type="datetimeFigureOut">
               <a:rPr lang="de-DE" smtClean="0"/>
-              <a:t>08.06.2020</a:t>
+              <a:t>09.06.2020</a:t>
             </a:fld>
             <a:endParaRPr lang="de-DE"/>
           </a:p>
@@ -1142,7 +2052,7 @@
           <a:p>
             <a:fld id="{B03AB384-284A-4429-AFB5-F1724AA94F76}" type="datetimeFigureOut">
               <a:rPr lang="de-DE" smtClean="0"/>
-              <a:t>08.06.2020</a:t>
+              <a:t>09.06.2020</a:t>
             </a:fld>
             <a:endParaRPr lang="de-DE"/>
           </a:p>
@@ -1407,7 +2317,7 @@
           <a:p>
             <a:fld id="{B03AB384-284A-4429-AFB5-F1724AA94F76}" type="datetimeFigureOut">
               <a:rPr lang="de-DE" smtClean="0"/>
-              <a:t>08.06.2020</a:t>
+              <a:t>09.06.2020</a:t>
             </a:fld>
             <a:endParaRPr lang="de-DE"/>
           </a:p>
@@ -1819,7 +2729,7 @@
           <a:p>
             <a:fld id="{B03AB384-284A-4429-AFB5-F1724AA94F76}" type="datetimeFigureOut">
               <a:rPr lang="de-DE" smtClean="0"/>
-              <a:t>08.06.2020</a:t>
+              <a:t>09.06.2020</a:t>
             </a:fld>
             <a:endParaRPr lang="de-DE"/>
           </a:p>
@@ -1960,7 +2870,7 @@
           <a:p>
             <a:fld id="{B03AB384-284A-4429-AFB5-F1724AA94F76}" type="datetimeFigureOut">
               <a:rPr lang="de-DE" smtClean="0"/>
-              <a:t>08.06.2020</a:t>
+              <a:t>09.06.2020</a:t>
             </a:fld>
             <a:endParaRPr lang="de-DE"/>
           </a:p>
@@ -2073,7 +2983,7 @@
           <a:p>
             <a:fld id="{B03AB384-284A-4429-AFB5-F1724AA94F76}" type="datetimeFigureOut">
               <a:rPr lang="de-DE" smtClean="0"/>
-              <a:t>08.06.2020</a:t>
+              <a:t>09.06.2020</a:t>
             </a:fld>
             <a:endParaRPr lang="de-DE"/>
           </a:p>
@@ -2384,7 +3294,7 @@
           <a:p>
             <a:fld id="{B03AB384-284A-4429-AFB5-F1724AA94F76}" type="datetimeFigureOut">
               <a:rPr lang="de-DE" smtClean="0"/>
-              <a:t>08.06.2020</a:t>
+              <a:t>09.06.2020</a:t>
             </a:fld>
             <a:endParaRPr lang="de-DE"/>
           </a:p>
@@ -2672,7 +3582,7 @@
           <a:p>
             <a:fld id="{B03AB384-284A-4429-AFB5-F1724AA94F76}" type="datetimeFigureOut">
               <a:rPr lang="de-DE" smtClean="0"/>
-              <a:t>08.06.2020</a:t>
+              <a:t>09.06.2020</a:t>
             </a:fld>
             <a:endParaRPr lang="de-DE"/>
           </a:p>
@@ -2913,7 +3823,7 @@
           <a:p>
             <a:fld id="{B03AB384-284A-4429-AFB5-F1724AA94F76}" type="datetimeFigureOut">
               <a:rPr lang="de-DE" smtClean="0"/>
-              <a:t>08.06.2020</a:t>
+              <a:t>09.06.2020</a:t>
             </a:fld>
             <a:endParaRPr lang="de-DE"/>
           </a:p>
@@ -5585,6 +6495,1461 @@
 </p:sld>
 </file>
 
+<file path=ppt/slides/slide6.xml><?xml version="1.0" encoding="utf-8"?>
+<p:sld xmlns:a="http://schemas.openxmlformats.org/drawingml/2006/main" xmlns:r="http://schemas.openxmlformats.org/officeDocument/2006/relationships" xmlns:p="http://schemas.openxmlformats.org/presentationml/2006/main">
+  <p:cSld>
+    <p:spTree>
+      <p:nvGrpSpPr>
+        <p:cNvPr id="1" name=""/>
+        <p:cNvGrpSpPr/>
+        <p:nvPr/>
+      </p:nvGrpSpPr>
+      <p:grpSpPr>
+        <a:xfrm>
+          <a:off x="0" y="0"/>
+          <a:ext cx="0" cy="0"/>
+          <a:chOff x="0" y="0"/>
+          <a:chExt cx="0" cy="0"/>
+        </a:xfrm>
+      </p:grpSpPr>
+      <p:sp>
+        <p:nvSpPr>
+          <p:cNvPr id="2" name="Titel 1">
+            <a:extLst>
+              <a:ext uri="{FF2B5EF4-FFF2-40B4-BE49-F238E27FC236}">
+                <a16:creationId xmlns:a16="http://schemas.microsoft.com/office/drawing/2014/main" id="{93A60400-6EA2-4EA8-95E8-E7DC08894686}"/>
+              </a:ext>
+            </a:extLst>
+          </p:cNvPr>
+          <p:cNvSpPr>
+            <a:spLocks noGrp="1"/>
+          </p:cNvSpPr>
+          <p:nvPr>
+            <p:ph type="title"/>
+          </p:nvPr>
+        </p:nvSpPr>
+        <p:spPr/>
+        <p:txBody>
+          <a:bodyPr/>
+          <a:lstStyle/>
+          <a:p>
+            <a:pPr algn="ctr"/>
+            <a:r>
+              <a:rPr lang="de-DE" dirty="0"/>
+              <a:t>Neuronales Netz – Data </a:t>
+            </a:r>
+            <a:r>
+              <a:rPr lang="de-DE" dirty="0" err="1"/>
+              <a:t>Preparation</a:t>
+            </a:r>
+            <a:endParaRPr lang="de-DE" dirty="0"/>
+          </a:p>
+        </p:txBody>
+      </p:sp>
+      <p:sp>
+        <p:nvSpPr>
+          <p:cNvPr id="7" name="Inhaltsplatzhalter 6">
+            <a:extLst>
+              <a:ext uri="{FF2B5EF4-FFF2-40B4-BE49-F238E27FC236}">
+                <a16:creationId xmlns:a16="http://schemas.microsoft.com/office/drawing/2014/main" id="{3DC3B86C-5528-4DBE-A044-C91339A0E814}"/>
+              </a:ext>
+            </a:extLst>
+          </p:cNvPr>
+          <p:cNvSpPr>
+            <a:spLocks noGrp="1"/>
+          </p:cNvSpPr>
+          <p:nvPr>
+            <p:ph idx="1"/>
+          </p:nvPr>
+        </p:nvSpPr>
+        <p:spPr/>
+        <p:txBody>
+          <a:bodyPr>
+            <a:normAutofit fontScale="77500" lnSpcReduction="20000"/>
+          </a:bodyPr>
+          <a:lstStyle/>
+          <a:p>
+            <a:r>
+              <a:rPr lang="de-DE" b="1" dirty="0"/>
+              <a:t>Startschwierigkeiten beim einlesen des Datensatzes</a:t>
+            </a:r>
+          </a:p>
+          <a:p>
+            <a:pPr marL="457200" lvl="1" indent="0">
+              <a:buNone/>
+            </a:pPr>
+            <a:r>
+              <a:rPr lang="de-DE" dirty="0"/>
+              <a:t>1. </a:t>
+            </a:r>
+            <a:r>
+              <a:rPr lang="de-DE" dirty="0" err="1"/>
+              <a:t>Chr</a:t>
+            </a:r>
+            <a:r>
+              <a:rPr lang="de-DE" dirty="0"/>
+              <a:t> statt </a:t>
+            </a:r>
+            <a:r>
+              <a:rPr lang="de-DE" dirty="0" err="1"/>
+              <a:t>Num</a:t>
+            </a:r>
+            <a:endParaRPr lang="de-DE" dirty="0"/>
+          </a:p>
+          <a:p>
+            <a:pPr marL="457200" lvl="1" indent="0">
+              <a:buNone/>
+            </a:pPr>
+            <a:r>
+              <a:rPr lang="de-DE" dirty="0"/>
+              <a:t>2. Inkorrekte Definition der </a:t>
+            </a:r>
+            <a:r>
+              <a:rPr lang="de-DE" dirty="0" err="1"/>
+              <a:t>Dummievariablen</a:t>
+            </a:r>
+            <a:endParaRPr lang="de-DE" dirty="0"/>
+          </a:p>
+          <a:p>
+            <a:pPr marL="457200" lvl="1" indent="0">
+              <a:buNone/>
+            </a:pPr>
+            <a:r>
+              <a:rPr lang="de-DE" dirty="0"/>
+              <a:t>3. unnötiges rumprobieren die SD / M selbst zu berechnen und normalisieren</a:t>
+            </a:r>
+          </a:p>
+          <a:p>
+            <a:pPr lvl="1"/>
+            <a:endParaRPr lang="de-DE" dirty="0"/>
+          </a:p>
+          <a:p>
+            <a:pPr marL="0" indent="0">
+              <a:buNone/>
+            </a:pPr>
+            <a:r>
+              <a:rPr lang="de-DE" dirty="0"/>
+              <a:t># Definition der Features (der unabhängigen Variablen auf deren Basis die Vorhersagen erzeugt werden sollen)</a:t>
+            </a:r>
+          </a:p>
+          <a:p>
+            <a:r>
+              <a:rPr lang="de-DE" b="1" dirty="0" err="1"/>
+              <a:t>features</a:t>
+            </a:r>
+            <a:r>
+              <a:rPr lang="de-DE" dirty="0"/>
+              <a:t> = c("</a:t>
+            </a:r>
+            <a:r>
+              <a:rPr lang="de-DE" b="1" dirty="0" err="1"/>
+              <a:t>Bewoelkung</a:t>
+            </a:r>
+            <a:r>
+              <a:rPr lang="de-DE" dirty="0"/>
+              <a:t>", "</a:t>
+            </a:r>
+            <a:r>
+              <a:rPr lang="de-DE" b="1" dirty="0"/>
+              <a:t>Temperatur</a:t>
+            </a:r>
+            <a:r>
+              <a:rPr lang="de-DE" dirty="0"/>
+              <a:t>", "</a:t>
+            </a:r>
+            <a:r>
+              <a:rPr lang="de-DE" b="1" dirty="0"/>
+              <a:t>Windgeschwindigkeit</a:t>
+            </a:r>
+            <a:r>
+              <a:rPr lang="de-DE" dirty="0"/>
+              <a:t>", "</a:t>
+            </a:r>
+            <a:r>
+              <a:rPr lang="de-DE" b="1" dirty="0" err="1"/>
+              <a:t>KielerWoche</a:t>
+            </a:r>
+            <a:r>
+              <a:rPr lang="de-DE" dirty="0"/>
+              <a:t>",</a:t>
+            </a:r>
+          </a:p>
+          <a:p>
+            <a:pPr marL="0" indent="0">
+              <a:buNone/>
+            </a:pPr>
+            <a:r>
+              <a:rPr lang="de-DE" dirty="0"/>
+              <a:t>             "</a:t>
+            </a:r>
+            <a:r>
+              <a:rPr lang="de-DE" b="1" dirty="0"/>
+              <a:t>Feiertag</a:t>
+            </a:r>
+            <a:r>
+              <a:rPr lang="de-DE" dirty="0"/>
+              <a:t>", "</a:t>
+            </a:r>
+            <a:r>
+              <a:rPr lang="de-DE" b="1" dirty="0" err="1"/>
+              <a:t>Kielmachtauf</a:t>
+            </a:r>
+            <a:r>
+              <a:rPr lang="de-DE" dirty="0"/>
+              <a:t>", "</a:t>
+            </a:r>
+            <a:r>
+              <a:rPr lang="de-DE" b="1" dirty="0"/>
+              <a:t>Flohmarkt</a:t>
+            </a:r>
+            <a:r>
+              <a:rPr lang="de-DE" dirty="0"/>
+              <a:t>", </a:t>
+            </a:r>
+            <a:r>
+              <a:rPr lang="de-DE" b="1" dirty="0" err="1"/>
+              <a:t>warengruppe</a:t>
+            </a:r>
+            <a:r>
+              <a:rPr lang="de-DE" dirty="0" err="1"/>
+              <a:t>_dummies</a:t>
+            </a:r>
+            <a:r>
+              <a:rPr lang="de-DE" dirty="0"/>
+              <a:t>,	</a:t>
+            </a:r>
+            <a:r>
+              <a:rPr lang="de-DE" b="1" dirty="0" err="1"/>
+              <a:t>temp</a:t>
+            </a:r>
+            <a:r>
+              <a:rPr lang="de-DE" dirty="0" err="1"/>
+              <a:t>_dummies</a:t>
+            </a:r>
+            <a:r>
+              <a:rPr lang="de-DE" dirty="0"/>
+              <a:t>, </a:t>
+            </a:r>
+            <a:r>
+              <a:rPr lang="de-DE" b="1" dirty="0" err="1"/>
+              <a:t>month</a:t>
+            </a:r>
+            <a:r>
+              <a:rPr lang="de-DE" dirty="0" err="1"/>
+              <a:t>_dummies</a:t>
+            </a:r>
+            <a:r>
+              <a:rPr lang="de-DE" dirty="0"/>
+              <a:t>)</a:t>
+            </a:r>
+          </a:p>
+          <a:p>
+            <a:endParaRPr lang="de-DE" dirty="0"/>
+          </a:p>
+          <a:p>
+            <a:pPr marL="0" indent="0">
+              <a:buNone/>
+            </a:pPr>
+            <a:r>
+              <a:rPr lang="de-DE" dirty="0"/>
+              <a:t># Definition der Label-Variable (der </a:t>
+            </a:r>
+            <a:r>
+              <a:rPr lang="de-DE" dirty="0" err="1"/>
+              <a:t>abhaengigen</a:t>
+            </a:r>
+            <a:r>
+              <a:rPr lang="de-DE" dirty="0"/>
+              <a:t> Variable, die vorhergesagt werden soll) sowie</a:t>
+            </a:r>
+          </a:p>
+          <a:p>
+            <a:r>
+              <a:rPr lang="de-DE" dirty="0" err="1"/>
+              <a:t>label</a:t>
+            </a:r>
+            <a:r>
+              <a:rPr lang="de-DE" dirty="0"/>
+              <a:t> = </a:t>
+            </a:r>
+            <a:r>
+              <a:rPr lang="de-DE" b="1" dirty="0"/>
+              <a:t>'Umsatz</a:t>
+            </a:r>
+            <a:r>
+              <a:rPr lang="de-DE" dirty="0"/>
+              <a:t>'</a:t>
+            </a:r>
+          </a:p>
+          <a:p>
+            <a:endParaRPr lang="de-DE" dirty="0"/>
+          </a:p>
+          <a:p>
+            <a:pPr lvl="1"/>
+            <a:endParaRPr lang="de-DE" dirty="0"/>
+          </a:p>
+          <a:p>
+            <a:pPr lvl="1"/>
+            <a:endParaRPr lang="de-DE" dirty="0"/>
+          </a:p>
+          <a:p>
+            <a:pPr lvl="1"/>
+            <a:endParaRPr lang="de-DE" dirty="0"/>
+          </a:p>
+        </p:txBody>
+      </p:sp>
+    </p:spTree>
+    <p:extLst>
+      <p:ext uri="{BB962C8B-B14F-4D97-AF65-F5344CB8AC3E}">
+        <p14:creationId xmlns:p14="http://schemas.microsoft.com/office/powerpoint/2010/main" val="3909735520"/>
+      </p:ext>
+    </p:extLst>
+  </p:cSld>
+  <p:clrMapOvr>
+    <a:masterClrMapping/>
+  </p:clrMapOvr>
+</p:sld>
+</file>
+
+<file path=ppt/slides/slide7.xml><?xml version="1.0" encoding="utf-8"?>
+<p:sld xmlns:a="http://schemas.openxmlformats.org/drawingml/2006/main" xmlns:r="http://schemas.openxmlformats.org/officeDocument/2006/relationships" xmlns:p="http://schemas.openxmlformats.org/presentationml/2006/main">
+  <p:cSld>
+    <p:spTree>
+      <p:nvGrpSpPr>
+        <p:cNvPr id="1" name=""/>
+        <p:cNvGrpSpPr/>
+        <p:nvPr/>
+      </p:nvGrpSpPr>
+      <p:grpSpPr>
+        <a:xfrm>
+          <a:off x="0" y="0"/>
+          <a:ext cx="0" cy="0"/>
+          <a:chOff x="0" y="0"/>
+          <a:chExt cx="0" cy="0"/>
+        </a:xfrm>
+      </p:grpSpPr>
+      <p:sp>
+        <p:nvSpPr>
+          <p:cNvPr id="2" name="Titel 1">
+            <a:extLst>
+              <a:ext uri="{FF2B5EF4-FFF2-40B4-BE49-F238E27FC236}">
+                <a16:creationId xmlns:a16="http://schemas.microsoft.com/office/drawing/2014/main" id="{93A60400-6EA2-4EA8-95E8-E7DC08894686}"/>
+              </a:ext>
+            </a:extLst>
+          </p:cNvPr>
+          <p:cNvSpPr>
+            <a:spLocks noGrp="1"/>
+          </p:cNvSpPr>
+          <p:nvPr>
+            <p:ph type="title"/>
+          </p:nvPr>
+        </p:nvSpPr>
+        <p:spPr/>
+        <p:txBody>
+          <a:bodyPr/>
+          <a:lstStyle/>
+          <a:p>
+            <a:pPr algn="ctr"/>
+            <a:r>
+              <a:rPr lang="de-DE" dirty="0"/>
+              <a:t>Neuronales Netz – </a:t>
+            </a:r>
+            <a:r>
+              <a:rPr lang="de-DE" dirty="0" err="1"/>
+              <a:t>Estimation</a:t>
+            </a:r>
+            <a:endParaRPr lang="de-DE" dirty="0"/>
+          </a:p>
+        </p:txBody>
+      </p:sp>
+      <p:sp>
+        <p:nvSpPr>
+          <p:cNvPr id="7" name="Inhaltsplatzhalter 6">
+            <a:extLst>
+              <a:ext uri="{FF2B5EF4-FFF2-40B4-BE49-F238E27FC236}">
+                <a16:creationId xmlns:a16="http://schemas.microsoft.com/office/drawing/2014/main" id="{3DC3B86C-5528-4DBE-A044-C91339A0E814}"/>
+              </a:ext>
+            </a:extLst>
+          </p:cNvPr>
+          <p:cNvSpPr>
+            <a:spLocks noGrp="1"/>
+          </p:cNvSpPr>
+          <p:nvPr>
+            <p:ph idx="1"/>
+          </p:nvPr>
+        </p:nvSpPr>
+        <p:spPr/>
+        <p:txBody>
+          <a:bodyPr>
+            <a:normAutofit fontScale="77500" lnSpcReduction="20000"/>
+          </a:bodyPr>
+          <a:lstStyle/>
+          <a:p>
+            <a:pPr marL="0" indent="0">
+              <a:buNone/>
+            </a:pPr>
+            <a:r>
+              <a:rPr lang="de-DE" dirty="0"/>
+              <a:t># Definition der Form des tiefen neuronalen Netzes (Deep </a:t>
+            </a:r>
+            <a:r>
+              <a:rPr lang="de-DE" dirty="0" err="1"/>
+              <a:t>Neural</a:t>
+            </a:r>
+            <a:r>
+              <a:rPr lang="de-DE" dirty="0"/>
+              <a:t> Nets)</a:t>
+            </a:r>
+          </a:p>
+          <a:p>
+            <a:pPr marL="0" indent="0">
+              <a:buNone/>
+            </a:pPr>
+            <a:r>
+              <a:rPr lang="de-DE" dirty="0" err="1"/>
+              <a:t>model</a:t>
+            </a:r>
+            <a:r>
+              <a:rPr lang="de-DE" dirty="0"/>
+              <a:t> = </a:t>
+            </a:r>
+            <a:r>
+              <a:rPr lang="de-DE" dirty="0" err="1"/>
+              <a:t>keras.Sequential</a:t>
+            </a:r>
+            <a:r>
+              <a:rPr lang="de-DE" dirty="0"/>
+              <a:t>([</a:t>
+            </a:r>
+          </a:p>
+          <a:p>
+            <a:pPr marL="0" indent="0">
+              <a:buNone/>
+            </a:pPr>
+            <a:r>
+              <a:rPr lang="de-DE" dirty="0"/>
+              <a:t>  </a:t>
+            </a:r>
+            <a:r>
+              <a:rPr lang="de-DE" dirty="0" err="1"/>
+              <a:t>layers.Dense</a:t>
+            </a:r>
+            <a:r>
+              <a:rPr lang="de-DE" dirty="0"/>
+              <a:t>(</a:t>
+            </a:r>
+            <a:r>
+              <a:rPr lang="de-DE" dirty="0">
+                <a:solidFill>
+                  <a:srgbClr val="FF0000"/>
+                </a:solidFill>
+              </a:rPr>
+              <a:t>29</a:t>
+            </a:r>
+            <a:r>
+              <a:rPr lang="de-DE" dirty="0"/>
+              <a:t>, </a:t>
+            </a:r>
+            <a:r>
+              <a:rPr lang="de-DE" dirty="0" err="1"/>
+              <a:t>activation</a:t>
+            </a:r>
+            <a:r>
+              <a:rPr lang="de-DE" dirty="0"/>
+              <a:t>='</a:t>
+            </a:r>
+            <a:r>
+              <a:rPr lang="de-DE" dirty="0" err="1"/>
+              <a:t>relu</a:t>
+            </a:r>
+            <a:r>
+              <a:rPr lang="de-DE" dirty="0"/>
+              <a:t>', </a:t>
+            </a:r>
+            <a:r>
+              <a:rPr lang="de-DE" dirty="0" err="1"/>
+              <a:t>input_shape</a:t>
+            </a:r>
+            <a:r>
+              <a:rPr lang="de-DE" dirty="0"/>
+              <a:t>=[</a:t>
+            </a:r>
+            <a:r>
+              <a:rPr lang="de-DE" dirty="0" err="1"/>
+              <a:t>len</a:t>
+            </a:r>
+            <a:r>
+              <a:rPr lang="de-DE" dirty="0"/>
+              <a:t>(</a:t>
+            </a:r>
+            <a:r>
+              <a:rPr lang="de-DE" dirty="0" err="1"/>
+              <a:t>r.train_dataset.keys</a:t>
+            </a:r>
+            <a:r>
+              <a:rPr lang="de-DE" dirty="0"/>
+              <a:t>())]),</a:t>
+            </a:r>
+          </a:p>
+          <a:p>
+            <a:pPr marL="0" indent="0">
+              <a:buNone/>
+            </a:pPr>
+            <a:r>
+              <a:rPr lang="de-DE" dirty="0"/>
+              <a:t>  </a:t>
+            </a:r>
+            <a:r>
+              <a:rPr lang="de-DE" dirty="0" err="1"/>
+              <a:t>layers.Dense</a:t>
+            </a:r>
+            <a:r>
+              <a:rPr lang="de-DE" dirty="0"/>
+              <a:t>(</a:t>
+            </a:r>
+            <a:r>
+              <a:rPr lang="de-DE" dirty="0">
+                <a:solidFill>
+                  <a:srgbClr val="FF0000"/>
+                </a:solidFill>
+              </a:rPr>
+              <a:t>19</a:t>
+            </a:r>
+            <a:r>
+              <a:rPr lang="de-DE" dirty="0"/>
+              <a:t>, </a:t>
+            </a:r>
+            <a:r>
+              <a:rPr lang="de-DE" dirty="0" err="1"/>
+              <a:t>activation</a:t>
+            </a:r>
+            <a:r>
+              <a:rPr lang="de-DE" dirty="0"/>
+              <a:t>='</a:t>
+            </a:r>
+            <a:r>
+              <a:rPr lang="de-DE" dirty="0" err="1"/>
+              <a:t>relu</a:t>
+            </a:r>
+            <a:r>
+              <a:rPr lang="de-DE" dirty="0"/>
+              <a:t>'),</a:t>
+            </a:r>
+          </a:p>
+          <a:p>
+            <a:pPr marL="0" indent="0">
+              <a:buNone/>
+            </a:pPr>
+            <a:r>
+              <a:rPr lang="de-DE" dirty="0"/>
+              <a:t>  </a:t>
+            </a:r>
+            <a:r>
+              <a:rPr lang="de-DE" dirty="0" err="1"/>
+              <a:t>layers.Dense</a:t>
+            </a:r>
+            <a:r>
+              <a:rPr lang="de-DE" dirty="0"/>
+              <a:t>(</a:t>
+            </a:r>
+            <a:r>
+              <a:rPr lang="de-DE" dirty="0">
+                <a:solidFill>
+                  <a:srgbClr val="FF0000"/>
+                </a:solidFill>
+              </a:rPr>
+              <a:t>13</a:t>
+            </a:r>
+            <a:r>
+              <a:rPr lang="de-DE" dirty="0"/>
+              <a:t>, </a:t>
+            </a:r>
+            <a:r>
+              <a:rPr lang="de-DE" dirty="0" err="1"/>
+              <a:t>activation</a:t>
+            </a:r>
+            <a:r>
+              <a:rPr lang="de-DE" dirty="0"/>
+              <a:t>='</a:t>
+            </a:r>
+            <a:r>
+              <a:rPr lang="de-DE" dirty="0" err="1"/>
+              <a:t>relu</a:t>
+            </a:r>
+            <a:r>
+              <a:rPr lang="de-DE" dirty="0"/>
+              <a:t>'),</a:t>
+            </a:r>
+          </a:p>
+          <a:p>
+            <a:pPr marL="0" indent="0">
+              <a:buNone/>
+            </a:pPr>
+            <a:r>
+              <a:rPr lang="de-DE" dirty="0"/>
+              <a:t>  </a:t>
+            </a:r>
+            <a:r>
+              <a:rPr lang="de-DE" dirty="0" err="1"/>
+              <a:t>layers.Dense</a:t>
+            </a:r>
+            <a:r>
+              <a:rPr lang="de-DE" dirty="0"/>
+              <a:t>(</a:t>
+            </a:r>
+            <a:r>
+              <a:rPr lang="de-DE" dirty="0">
+                <a:solidFill>
+                  <a:srgbClr val="FF0000"/>
+                </a:solidFill>
+              </a:rPr>
+              <a:t>1</a:t>
+            </a:r>
+            <a:r>
+              <a:rPr lang="de-DE" dirty="0"/>
+              <a:t>)</a:t>
+            </a:r>
+          </a:p>
+          <a:p>
+            <a:pPr marL="0" indent="0">
+              <a:buNone/>
+            </a:pPr>
+            <a:r>
+              <a:rPr lang="de-DE" dirty="0"/>
+              <a:t>])</a:t>
+            </a:r>
+          </a:p>
+          <a:p>
+            <a:pPr marL="0" indent="0">
+              <a:buNone/>
+            </a:pPr>
+            <a:endParaRPr lang="de-DE" dirty="0"/>
+          </a:p>
+          <a:p>
+            <a:pPr marL="0" indent="0">
+              <a:buNone/>
+            </a:pPr>
+            <a:r>
+              <a:rPr lang="de-DE" dirty="0"/>
+              <a:t># Definition der Kosten-(Loss-)Funktion und der Optimierungsfunktion mit seinen Hyperparametern</a:t>
+            </a:r>
+          </a:p>
+          <a:p>
+            <a:pPr marL="0" indent="0">
+              <a:buNone/>
+            </a:pPr>
+            <a:r>
+              <a:rPr lang="de-DE" dirty="0" err="1"/>
+              <a:t>model.compile</a:t>
+            </a:r>
+            <a:r>
+              <a:rPr lang="de-DE" dirty="0"/>
+              <a:t>(</a:t>
+            </a:r>
+            <a:r>
+              <a:rPr lang="de-DE" dirty="0" err="1"/>
+              <a:t>loss</a:t>
+            </a:r>
+            <a:r>
+              <a:rPr lang="de-DE" dirty="0"/>
+              <a:t>="</a:t>
+            </a:r>
+            <a:r>
+              <a:rPr lang="de-DE" dirty="0" err="1"/>
+              <a:t>mse</a:t>
+            </a:r>
+            <a:r>
+              <a:rPr lang="de-DE" dirty="0"/>
+              <a:t>",</a:t>
+            </a:r>
+          </a:p>
+          <a:p>
+            <a:pPr marL="0" indent="0">
+              <a:buNone/>
+            </a:pPr>
+            <a:r>
+              <a:rPr lang="de-DE" dirty="0"/>
+              <a:t>              </a:t>
+            </a:r>
+            <a:r>
+              <a:rPr lang="de-DE" dirty="0" err="1"/>
+              <a:t>optimizer</a:t>
+            </a:r>
+            <a:r>
+              <a:rPr lang="de-DE" dirty="0"/>
+              <a:t>=</a:t>
+            </a:r>
+            <a:r>
+              <a:rPr lang="de-DE" dirty="0" err="1"/>
+              <a:t>tf.keras.optimizers.SGD</a:t>
+            </a:r>
+            <a:r>
+              <a:rPr lang="de-DE" dirty="0"/>
+              <a:t>(</a:t>
+            </a:r>
+            <a:r>
+              <a:rPr lang="de-DE" dirty="0" err="1"/>
+              <a:t>lr</a:t>
+            </a:r>
+            <a:r>
+              <a:rPr lang="de-DE" dirty="0"/>
+              <a:t>=</a:t>
+            </a:r>
+            <a:r>
+              <a:rPr lang="de-DE" dirty="0">
+                <a:solidFill>
+                  <a:srgbClr val="FF0000"/>
+                </a:solidFill>
+              </a:rPr>
+              <a:t>0.00006</a:t>
+            </a:r>
+            <a:r>
+              <a:rPr lang="de-DE" dirty="0"/>
+              <a:t>, </a:t>
+            </a:r>
+            <a:r>
+              <a:rPr lang="de-DE" dirty="0" err="1"/>
+              <a:t>momentum</a:t>
+            </a:r>
+            <a:r>
+              <a:rPr lang="de-DE" dirty="0"/>
+              <a:t>=</a:t>
+            </a:r>
+            <a:r>
+              <a:rPr lang="de-DE" dirty="0">
+                <a:solidFill>
+                  <a:srgbClr val="FF0000"/>
+                </a:solidFill>
+              </a:rPr>
+              <a:t>0.8</a:t>
+            </a:r>
+            <a:r>
+              <a:rPr lang="de-DE" dirty="0"/>
+              <a:t>, </a:t>
+            </a:r>
+            <a:r>
+              <a:rPr lang="de-DE" dirty="0" err="1">
+                <a:solidFill>
+                  <a:srgbClr val="FF0000"/>
+                </a:solidFill>
+              </a:rPr>
+              <a:t>nesterov</a:t>
+            </a:r>
+            <a:r>
+              <a:rPr lang="de-DE" dirty="0">
+                <a:solidFill>
+                  <a:srgbClr val="FF0000"/>
+                </a:solidFill>
+              </a:rPr>
+              <a:t>=True</a:t>
+            </a:r>
+            <a:r>
+              <a:rPr lang="de-DE" dirty="0"/>
+              <a:t>))</a:t>
+            </a:r>
+          </a:p>
+          <a:p>
+            <a:pPr lvl="1"/>
+            <a:endParaRPr lang="de-DE" dirty="0"/>
+          </a:p>
+          <a:p>
+            <a:pPr lvl="1"/>
+            <a:endParaRPr lang="de-DE" dirty="0"/>
+          </a:p>
+          <a:p>
+            <a:pPr lvl="1"/>
+            <a:endParaRPr lang="de-DE" dirty="0"/>
+          </a:p>
+        </p:txBody>
+      </p:sp>
+    </p:spTree>
+    <p:extLst>
+      <p:ext uri="{BB962C8B-B14F-4D97-AF65-F5344CB8AC3E}">
+        <p14:creationId xmlns:p14="http://schemas.microsoft.com/office/powerpoint/2010/main" val="1316967007"/>
+      </p:ext>
+    </p:extLst>
+  </p:cSld>
+  <p:clrMapOvr>
+    <a:masterClrMapping/>
+  </p:clrMapOvr>
+</p:sld>
+</file>
+
+<file path=ppt/slides/slide8.xml><?xml version="1.0" encoding="utf-8"?>
+<p:sld xmlns:a="http://schemas.openxmlformats.org/drawingml/2006/main" xmlns:r="http://schemas.openxmlformats.org/officeDocument/2006/relationships" xmlns:p="http://schemas.openxmlformats.org/presentationml/2006/main">
+  <p:cSld>
+    <p:spTree>
+      <p:nvGrpSpPr>
+        <p:cNvPr id="1" name=""/>
+        <p:cNvGrpSpPr/>
+        <p:nvPr/>
+      </p:nvGrpSpPr>
+      <p:grpSpPr>
+        <a:xfrm>
+          <a:off x="0" y="0"/>
+          <a:ext cx="0" cy="0"/>
+          <a:chOff x="0" y="0"/>
+          <a:chExt cx="0" cy="0"/>
+        </a:xfrm>
+      </p:grpSpPr>
+      <p:sp>
+        <p:nvSpPr>
+          <p:cNvPr id="2" name="Titel 1">
+            <a:extLst>
+              <a:ext uri="{FF2B5EF4-FFF2-40B4-BE49-F238E27FC236}">
+                <a16:creationId xmlns:a16="http://schemas.microsoft.com/office/drawing/2014/main" id="{93A60400-6EA2-4EA8-95E8-E7DC08894686}"/>
+              </a:ext>
+            </a:extLst>
+          </p:cNvPr>
+          <p:cNvSpPr>
+            <a:spLocks noGrp="1"/>
+          </p:cNvSpPr>
+          <p:nvPr>
+            <p:ph type="title"/>
+          </p:nvPr>
+        </p:nvSpPr>
+        <p:spPr/>
+        <p:txBody>
+          <a:bodyPr/>
+          <a:lstStyle/>
+          <a:p>
+            <a:pPr algn="ctr"/>
+            <a:r>
+              <a:rPr lang="de-DE" dirty="0"/>
+              <a:t>Neuronales Netz – </a:t>
+            </a:r>
+            <a:r>
+              <a:rPr lang="de-DE" dirty="0" err="1"/>
+              <a:t>Results</a:t>
+            </a:r>
+            <a:endParaRPr lang="de-DE" dirty="0"/>
+          </a:p>
+        </p:txBody>
+      </p:sp>
+      <p:sp>
+        <p:nvSpPr>
+          <p:cNvPr id="7" name="Inhaltsplatzhalter 6">
+            <a:extLst>
+              <a:ext uri="{FF2B5EF4-FFF2-40B4-BE49-F238E27FC236}">
+                <a16:creationId xmlns:a16="http://schemas.microsoft.com/office/drawing/2014/main" id="{3DC3B86C-5528-4DBE-A044-C91339A0E814}"/>
+              </a:ext>
+            </a:extLst>
+          </p:cNvPr>
+          <p:cNvSpPr>
+            <a:spLocks noGrp="1"/>
+          </p:cNvSpPr>
+          <p:nvPr>
+            <p:ph idx="1"/>
+          </p:nvPr>
+        </p:nvSpPr>
+        <p:spPr>
+          <a:xfrm>
+            <a:off x="1220337" y="6363508"/>
+            <a:ext cx="10515600" cy="593392"/>
+          </a:xfrm>
+        </p:spPr>
+        <p:txBody>
+          <a:bodyPr>
+            <a:normAutofit/>
+          </a:bodyPr>
+          <a:lstStyle/>
+          <a:p>
+            <a:pPr marL="0" indent="0">
+              <a:buNone/>
+            </a:pPr>
+            <a:r>
+              <a:rPr lang="de-DE" sz="2000" dirty="0"/>
+              <a:t>Finale Datei: python_model_final_presentation_1500; </a:t>
+            </a:r>
+            <a:r>
+              <a:rPr lang="de-DE" sz="2000" dirty="0" err="1"/>
+              <a:t>epochs</a:t>
+            </a:r>
+            <a:r>
+              <a:rPr lang="de-DE" sz="2000" dirty="0"/>
+              <a:t>=1500; dauert ca. 10 Min</a:t>
+            </a:r>
+          </a:p>
+          <a:p>
+            <a:pPr marL="0" indent="0">
+              <a:buNone/>
+            </a:pPr>
+            <a:endParaRPr lang="de-DE" dirty="0"/>
+          </a:p>
+          <a:p>
+            <a:pPr marL="0" indent="0">
+              <a:buNone/>
+            </a:pPr>
+            <a:endParaRPr lang="de-DE" dirty="0"/>
+          </a:p>
+          <a:p>
+            <a:pPr lvl="1"/>
+            <a:endParaRPr lang="de-DE" dirty="0"/>
+          </a:p>
+          <a:p>
+            <a:pPr lvl="1"/>
+            <a:endParaRPr lang="de-DE" dirty="0"/>
+          </a:p>
+        </p:txBody>
+      </p:sp>
+      <p:sp>
+        <p:nvSpPr>
+          <p:cNvPr id="6" name="AutoShape 2">
+            <a:extLst>
+              <a:ext uri="{FF2B5EF4-FFF2-40B4-BE49-F238E27FC236}">
+                <a16:creationId xmlns:a16="http://schemas.microsoft.com/office/drawing/2014/main" id="{7C762FB3-FC91-4D89-9D39-138E4B3EC9DC}"/>
+              </a:ext>
+            </a:extLst>
+          </p:cNvPr>
+          <p:cNvSpPr>
+            <a:spLocks noChangeAspect="1" noChangeArrowheads="1"/>
+          </p:cNvSpPr>
+          <p:nvPr/>
+        </p:nvSpPr>
+        <p:spPr bwMode="auto">
+          <a:xfrm>
+            <a:off x="5943600" y="3276600"/>
+            <a:ext cx="304800" cy="304800"/>
+          </a:xfrm>
+          <a:prstGeom prst="rect">
+            <a:avLst/>
+          </a:prstGeom>
+          <a:noFill/>
+          <a:extLst>
+            <a:ext uri="{909E8E84-426E-40DD-AFC4-6F175D3DCCD1}">
+              <a14:hiddenFill xmlns:a14="http://schemas.microsoft.com/office/drawing/2010/main">
+                <a:solidFill>
+                  <a:srgbClr val="FFFFFF"/>
+                </a:solidFill>
+              </a14:hiddenFill>
+            </a:ext>
+          </a:extLst>
+        </p:spPr>
+        <p:txBody>
+          <a:bodyPr vert="horz" wrap="square" lIns="91440" tIns="45720" rIns="91440" bIns="45720" numCol="1" anchor="t" anchorCtr="0" compatLnSpc="1">
+            <a:prstTxWarp prst="textNoShape">
+              <a:avLst/>
+            </a:prstTxWarp>
+          </a:bodyPr>
+          <a:lstStyle/>
+          <a:p>
+            <a:endParaRPr lang="de-DE"/>
+          </a:p>
+        </p:txBody>
+      </p:sp>
+      <p:sp>
+        <p:nvSpPr>
+          <p:cNvPr id="8" name="AutoShape 4">
+            <a:extLst>
+              <a:ext uri="{FF2B5EF4-FFF2-40B4-BE49-F238E27FC236}">
+                <a16:creationId xmlns:a16="http://schemas.microsoft.com/office/drawing/2014/main" id="{0B714384-7AC1-4B8C-ADAF-7FCC01918588}"/>
+              </a:ext>
+            </a:extLst>
+          </p:cNvPr>
+          <p:cNvSpPr>
+            <a:spLocks noChangeAspect="1" noChangeArrowheads="1"/>
+          </p:cNvSpPr>
+          <p:nvPr/>
+        </p:nvSpPr>
+        <p:spPr bwMode="auto">
+          <a:xfrm>
+            <a:off x="6096000" y="3429000"/>
+            <a:ext cx="304800" cy="304800"/>
+          </a:xfrm>
+          <a:prstGeom prst="rect">
+            <a:avLst/>
+          </a:prstGeom>
+          <a:noFill/>
+          <a:extLst>
+            <a:ext uri="{909E8E84-426E-40DD-AFC4-6F175D3DCCD1}">
+              <a14:hiddenFill xmlns:a14="http://schemas.microsoft.com/office/drawing/2010/main">
+                <a:solidFill>
+                  <a:srgbClr val="FFFFFF"/>
+                </a:solidFill>
+              </a14:hiddenFill>
+            </a:ext>
+          </a:extLst>
+        </p:spPr>
+        <p:txBody>
+          <a:bodyPr vert="horz" wrap="square" lIns="91440" tIns="45720" rIns="91440" bIns="45720" numCol="1" anchor="t" anchorCtr="0" compatLnSpc="1">
+            <a:prstTxWarp prst="textNoShape">
+              <a:avLst/>
+            </a:prstTxWarp>
+          </a:bodyPr>
+          <a:lstStyle/>
+          <a:p>
+            <a:endParaRPr lang="de-DE"/>
+          </a:p>
+        </p:txBody>
+      </p:sp>
+      <p:sp>
+        <p:nvSpPr>
+          <p:cNvPr id="9" name="Rectangle 5">
+            <a:extLst>
+              <a:ext uri="{FF2B5EF4-FFF2-40B4-BE49-F238E27FC236}">
+                <a16:creationId xmlns:a16="http://schemas.microsoft.com/office/drawing/2014/main" id="{7F61B69A-D921-4EB3-B044-45E4089A47FC}"/>
+              </a:ext>
+            </a:extLst>
+          </p:cNvPr>
+          <p:cNvSpPr>
+            <a:spLocks noChangeArrowheads="1"/>
+          </p:cNvSpPr>
+          <p:nvPr/>
+        </p:nvSpPr>
+        <p:spPr bwMode="auto">
+          <a:xfrm>
+            <a:off x="7191233" y="1493589"/>
+            <a:ext cx="4544704" cy="984885"/>
+          </a:xfrm>
+          <a:prstGeom prst="rect">
+            <a:avLst/>
+          </a:prstGeom>
+          <a:solidFill>
+            <a:srgbClr val="272822"/>
+          </a:solidFill>
+          <a:ln>
+            <a:noFill/>
+          </a:ln>
+          <a:effectLst/>
+          <a:extLst>
+            <a:ext uri="{91240B29-F687-4F45-9708-019B960494DF}">
+              <a14:hiddenLine xmlns:a14="http://schemas.microsoft.com/office/drawing/2010/main" w="9525">
+                <a:solidFill>
+                  <a:schemeClr val="tx1"/>
+                </a:solidFill>
+                <a:miter lim="800000"/>
+                <a:headEnd/>
+                <a:tailEnd/>
+              </a14:hiddenLine>
+            </a:ext>
+            <a:ext uri="{AF507438-7753-43E0-B8FC-AC1667EBCBE1}">
+              <a14:hiddenEffects xmlns:a14="http://schemas.microsoft.com/office/drawing/2010/main">
+                <a:effectLst>
+                  <a:outerShdw dist="35921" dir="2700000" algn="ctr" rotWithShape="0">
+                    <a:schemeClr val="bg2"/>
+                  </a:outerShdw>
+                </a:effectLst>
+              </a14:hiddenEffects>
+            </a:ext>
+          </a:extLst>
+        </p:spPr>
+        <p:txBody>
+          <a:bodyPr vert="horz" wrap="square" lIns="91440" tIns="0" rIns="91440" bIns="0" numCol="1" anchor="ctr" anchorCtr="0" compatLnSpc="1">
+            <a:prstTxWarp prst="textNoShape">
+              <a:avLst/>
+            </a:prstTxWarp>
+            <a:spAutoFit/>
+          </a:bodyPr>
+          <a:lstStyle/>
+          <a:p>
+            <a:pPr marL="0" marR="0" lvl="0" indent="0" algn="l" defTabSz="914400" rtl="0" eaLnBrk="0" fontAlgn="base" latinLnBrk="0" hangingPunct="0">
+              <a:lnSpc>
+                <a:spcPct val="100000"/>
+              </a:lnSpc>
+              <a:spcBef>
+                <a:spcPct val="0"/>
+              </a:spcBef>
+              <a:spcAft>
+                <a:spcPct val="0"/>
+              </a:spcAft>
+              <a:buClrTx/>
+              <a:buSzTx/>
+              <a:buFontTx/>
+              <a:buNone/>
+              <a:tabLst/>
+            </a:pPr>
+            <a:r>
+              <a:rPr kumimoji="0" lang="de-DE" altLang="de-DE" sz="1600" b="0" i="0" u="none" strike="noStrike" cap="none" normalizeH="0" baseline="0" dirty="0">
+                <a:ln>
+                  <a:noFill/>
+                </a:ln>
+                <a:solidFill>
+                  <a:srgbClr val="F8F8F2"/>
+                </a:solidFill>
+                <a:effectLst/>
+                <a:latin typeface="Lucida Console" panose="020B0609040504020204" pitchFamily="49" charset="0"/>
+              </a:rPr>
+              <a:t>MAPE on </a:t>
+            </a:r>
+            <a:r>
+              <a:rPr kumimoji="0" lang="de-DE" altLang="de-DE" sz="1600" b="0" i="0" u="none" strike="noStrike" cap="none" normalizeH="0" baseline="0" dirty="0" err="1">
+                <a:ln>
+                  <a:noFill/>
+                </a:ln>
+                <a:solidFill>
+                  <a:srgbClr val="F8F8F2"/>
+                </a:solidFill>
+                <a:effectLst/>
+                <a:latin typeface="Lucida Console" panose="020B0609040504020204" pitchFamily="49" charset="0"/>
+              </a:rPr>
+              <a:t>the</a:t>
+            </a:r>
+            <a:r>
+              <a:rPr kumimoji="0" lang="de-DE" altLang="de-DE" sz="1600" b="0" i="0" u="none" strike="noStrike" cap="none" normalizeH="0" baseline="0" dirty="0">
+                <a:ln>
+                  <a:noFill/>
+                </a:ln>
+                <a:solidFill>
+                  <a:srgbClr val="F8F8F2"/>
+                </a:solidFill>
+                <a:effectLst/>
+                <a:latin typeface="Lucida Console" panose="020B0609040504020204" pitchFamily="49" charset="0"/>
+              </a:rPr>
+              <a:t> Training Data: 34.69 </a:t>
+            </a:r>
+            <a:br>
+              <a:rPr kumimoji="0" lang="de-DE" altLang="de-DE" sz="1600" b="0" i="0" u="none" strike="noStrike" cap="none" normalizeH="0" baseline="0" dirty="0">
+                <a:ln>
+                  <a:noFill/>
+                </a:ln>
+                <a:solidFill>
+                  <a:srgbClr val="F8F8F2"/>
+                </a:solidFill>
+                <a:effectLst/>
+                <a:latin typeface="Lucida Console" panose="020B0609040504020204" pitchFamily="49" charset="0"/>
+              </a:rPr>
+            </a:br>
+            <a:r>
+              <a:rPr kumimoji="0" lang="de-DE" altLang="de-DE" sz="1600" b="0" i="0" u="none" strike="noStrike" cap="none" normalizeH="0" baseline="0" dirty="0">
+                <a:ln>
+                  <a:noFill/>
+                </a:ln>
+                <a:solidFill>
+                  <a:srgbClr val="F8F8F2"/>
+                </a:solidFill>
+                <a:effectLst/>
+                <a:latin typeface="Lucida Console" panose="020B0609040504020204" pitchFamily="49" charset="0"/>
+              </a:rPr>
+              <a:t>MAPE on </a:t>
+            </a:r>
+            <a:r>
+              <a:rPr kumimoji="0" lang="de-DE" altLang="de-DE" sz="1600" b="0" i="0" u="none" strike="noStrike" cap="none" normalizeH="0" baseline="0" dirty="0" err="1">
+                <a:ln>
+                  <a:noFill/>
+                </a:ln>
+                <a:solidFill>
+                  <a:srgbClr val="F8F8F2"/>
+                </a:solidFill>
+                <a:effectLst/>
+                <a:latin typeface="Lucida Console" panose="020B0609040504020204" pitchFamily="49" charset="0"/>
+              </a:rPr>
+              <a:t>the</a:t>
+            </a:r>
+            <a:r>
+              <a:rPr kumimoji="0" lang="de-DE" altLang="de-DE" sz="1600" b="0" i="0" u="none" strike="noStrike" cap="none" normalizeH="0" baseline="0" dirty="0">
+                <a:ln>
+                  <a:noFill/>
+                </a:ln>
+                <a:solidFill>
+                  <a:srgbClr val="F8F8F2"/>
+                </a:solidFill>
+                <a:effectLst/>
+                <a:latin typeface="Lucida Console" panose="020B0609040504020204" pitchFamily="49" charset="0"/>
+              </a:rPr>
+              <a:t> Test Data: 37.71</a:t>
+            </a:r>
+            <a:br>
+              <a:rPr kumimoji="0" lang="de-DE" altLang="de-DE" sz="1600" b="0" i="0" u="none" strike="noStrike" cap="none" normalizeH="0" baseline="0" dirty="0">
+                <a:ln>
+                  <a:noFill/>
+                </a:ln>
+                <a:solidFill>
+                  <a:srgbClr val="F8F8F2"/>
+                </a:solidFill>
+                <a:effectLst/>
+                <a:latin typeface="Lucida Console" panose="020B0609040504020204" pitchFamily="49" charset="0"/>
+              </a:rPr>
+            </a:br>
+            <a:r>
+              <a:rPr kumimoji="0" lang="de-DE" altLang="de-DE" sz="1600" b="0" i="0" u="none" strike="noStrike" cap="none" normalizeH="0" baseline="0" dirty="0">
+                <a:ln>
+                  <a:noFill/>
+                </a:ln>
+                <a:solidFill>
+                  <a:srgbClr val="F8F8F2"/>
+                </a:solidFill>
+                <a:effectLst/>
+                <a:latin typeface="Lucida Console" panose="020B0609040504020204" pitchFamily="49" charset="0"/>
+              </a:rPr>
+              <a:t>MAE on </a:t>
+            </a:r>
+            <a:r>
+              <a:rPr kumimoji="0" lang="de-DE" altLang="de-DE" sz="1600" b="0" i="0" u="none" strike="noStrike" cap="none" normalizeH="0" baseline="0" dirty="0" err="1">
+                <a:ln>
+                  <a:noFill/>
+                </a:ln>
+                <a:solidFill>
+                  <a:srgbClr val="F8F8F2"/>
+                </a:solidFill>
+                <a:effectLst/>
+                <a:latin typeface="Lucida Console" panose="020B0609040504020204" pitchFamily="49" charset="0"/>
+              </a:rPr>
+              <a:t>the</a:t>
+            </a:r>
+            <a:r>
+              <a:rPr kumimoji="0" lang="de-DE" altLang="de-DE" sz="1600" b="0" i="0" u="none" strike="noStrike" cap="none" normalizeH="0" baseline="0" dirty="0">
+                <a:ln>
+                  <a:noFill/>
+                </a:ln>
+                <a:solidFill>
+                  <a:srgbClr val="F8F8F2"/>
+                </a:solidFill>
+                <a:effectLst/>
+                <a:latin typeface="Lucida Console" panose="020B0609040504020204" pitchFamily="49" charset="0"/>
+              </a:rPr>
+              <a:t> Training Data: 35496.25 </a:t>
+            </a:r>
+            <a:br>
+              <a:rPr kumimoji="0" lang="de-DE" altLang="de-DE" sz="1600" b="0" i="0" u="none" strike="noStrike" cap="none" normalizeH="0" baseline="0" dirty="0">
+                <a:ln>
+                  <a:noFill/>
+                </a:ln>
+                <a:solidFill>
+                  <a:srgbClr val="F8F8F2"/>
+                </a:solidFill>
+                <a:effectLst/>
+                <a:latin typeface="Lucida Console" panose="020B0609040504020204" pitchFamily="49" charset="0"/>
+              </a:rPr>
+            </a:br>
+            <a:r>
+              <a:rPr kumimoji="0" lang="de-DE" altLang="de-DE" sz="1600" b="0" i="0" u="none" strike="noStrike" cap="none" normalizeH="0" baseline="0" dirty="0">
+                <a:ln>
+                  <a:noFill/>
+                </a:ln>
+                <a:solidFill>
+                  <a:srgbClr val="F8F8F2"/>
+                </a:solidFill>
+                <a:effectLst/>
+                <a:latin typeface="Lucida Console" panose="020B0609040504020204" pitchFamily="49" charset="0"/>
+              </a:rPr>
+              <a:t>MAE on </a:t>
+            </a:r>
+            <a:r>
+              <a:rPr kumimoji="0" lang="de-DE" altLang="de-DE" sz="1600" b="0" i="0" u="none" strike="noStrike" cap="none" normalizeH="0" baseline="0" dirty="0" err="1">
+                <a:ln>
+                  <a:noFill/>
+                </a:ln>
+                <a:solidFill>
+                  <a:srgbClr val="F8F8F2"/>
+                </a:solidFill>
+                <a:effectLst/>
+                <a:latin typeface="Lucida Console" panose="020B0609040504020204" pitchFamily="49" charset="0"/>
+              </a:rPr>
+              <a:t>the</a:t>
+            </a:r>
+            <a:r>
+              <a:rPr kumimoji="0" lang="de-DE" altLang="de-DE" sz="1600" b="0" i="0" u="none" strike="noStrike" cap="none" normalizeH="0" baseline="0" dirty="0">
+                <a:ln>
+                  <a:noFill/>
+                </a:ln>
+                <a:solidFill>
+                  <a:srgbClr val="F8F8F2"/>
+                </a:solidFill>
+                <a:effectLst/>
+                <a:latin typeface="Lucida Console" panose="020B0609040504020204" pitchFamily="49" charset="0"/>
+              </a:rPr>
+              <a:t> Test Data: 3757.87</a:t>
+            </a:r>
+            <a:endParaRPr kumimoji="0" lang="de-DE" altLang="de-DE" sz="4000" b="0" i="0" u="none" strike="noStrike" cap="none" normalizeH="0" baseline="0" dirty="0">
+              <a:ln>
+                <a:noFill/>
+              </a:ln>
+              <a:solidFill>
+                <a:schemeClr val="tx1"/>
+              </a:solidFill>
+              <a:effectLst/>
+              <a:latin typeface="Arial" panose="020B0604020202020204" pitchFamily="34" charset="0"/>
+            </a:endParaRPr>
+          </a:p>
+        </p:txBody>
+      </p:sp>
+      <p:sp>
+        <p:nvSpPr>
+          <p:cNvPr id="11" name="Rectangle 6">
+            <a:extLst>
+              <a:ext uri="{FF2B5EF4-FFF2-40B4-BE49-F238E27FC236}">
+                <a16:creationId xmlns:a16="http://schemas.microsoft.com/office/drawing/2014/main" id="{877F5CD3-6B47-4474-BD9E-9DCFA293DBC7}"/>
+              </a:ext>
+            </a:extLst>
+          </p:cNvPr>
+          <p:cNvSpPr>
+            <a:spLocks noChangeArrowheads="1"/>
+          </p:cNvSpPr>
+          <p:nvPr/>
+        </p:nvSpPr>
+        <p:spPr bwMode="auto">
+          <a:xfrm>
+            <a:off x="7191233" y="2613072"/>
+            <a:ext cx="4544704" cy="492443"/>
+          </a:xfrm>
+          <a:prstGeom prst="rect">
+            <a:avLst/>
+          </a:prstGeom>
+          <a:solidFill>
+            <a:srgbClr val="272822"/>
+          </a:solidFill>
+          <a:ln>
+            <a:noFill/>
+          </a:ln>
+          <a:effectLst/>
+          <a:extLst>
+            <a:ext uri="{91240B29-F687-4F45-9708-019B960494DF}">
+              <a14:hiddenLine xmlns:a14="http://schemas.microsoft.com/office/drawing/2010/main" w="9525">
+                <a:solidFill>
+                  <a:schemeClr val="tx1"/>
+                </a:solidFill>
+                <a:miter lim="800000"/>
+                <a:headEnd/>
+                <a:tailEnd/>
+              </a14:hiddenLine>
+            </a:ext>
+            <a:ext uri="{AF507438-7753-43E0-B8FC-AC1667EBCBE1}">
+              <a14:hiddenEffects xmlns:a14="http://schemas.microsoft.com/office/drawing/2010/main">
+                <a:effectLst>
+                  <a:outerShdw dist="35921" dir="2700000" algn="ctr" rotWithShape="0">
+                    <a:schemeClr val="bg2"/>
+                  </a:outerShdw>
+                </a:effectLst>
+              </a14:hiddenEffects>
+            </a:ext>
+          </a:extLst>
+        </p:spPr>
+        <p:txBody>
+          <a:bodyPr vert="horz" wrap="square" lIns="91440" tIns="0" rIns="91440" bIns="0" numCol="1" anchor="ctr" anchorCtr="0" compatLnSpc="1">
+            <a:prstTxWarp prst="textNoShape">
+              <a:avLst/>
+            </a:prstTxWarp>
+            <a:spAutoFit/>
+          </a:bodyPr>
+          <a:lstStyle/>
+          <a:p>
+            <a:pPr marL="0" marR="0" lvl="0" indent="0" algn="l" defTabSz="914400" rtl="0" eaLnBrk="0" fontAlgn="base" latinLnBrk="0" hangingPunct="0">
+              <a:lnSpc>
+                <a:spcPct val="100000"/>
+              </a:lnSpc>
+              <a:spcBef>
+                <a:spcPct val="0"/>
+              </a:spcBef>
+              <a:spcAft>
+                <a:spcPct val="0"/>
+              </a:spcAft>
+              <a:buClrTx/>
+              <a:buSzTx/>
+              <a:buFontTx/>
+              <a:buNone/>
+              <a:tabLst/>
+            </a:pPr>
+            <a:r>
+              <a:rPr kumimoji="0" lang="de-DE" altLang="de-DE" sz="1600" b="0" i="0" u="none" strike="noStrike" cap="none" normalizeH="0" baseline="0" dirty="0">
+                <a:ln>
+                  <a:noFill/>
+                </a:ln>
+                <a:solidFill>
+                  <a:srgbClr val="F8F8F2"/>
+                </a:solidFill>
+                <a:effectLst/>
+                <a:latin typeface="Lucida Console" panose="020B0609040504020204" pitchFamily="49" charset="0"/>
+              </a:rPr>
+              <a:t>Vorhergesagter Preis: 573 Tatsächlicher Preis: 535.40321…</a:t>
+            </a:r>
+            <a:endParaRPr kumimoji="0" lang="de-DE" altLang="de-DE" sz="4000" b="0" i="0" u="none" strike="noStrike" cap="none" normalizeH="0" baseline="0" dirty="0">
+              <a:ln>
+                <a:noFill/>
+              </a:ln>
+              <a:solidFill>
+                <a:schemeClr val="tx1"/>
+              </a:solidFill>
+              <a:effectLst/>
+              <a:latin typeface="Arial" panose="020B0604020202020204" pitchFamily="34" charset="0"/>
+            </a:endParaRPr>
+          </a:p>
+        </p:txBody>
+      </p:sp>
+      <p:pic>
+        <p:nvPicPr>
+          <p:cNvPr id="13" name="Grafik 12" descr="Ein Bild, das Text, Karte enthält.&#10;&#10;Automatisch generierte Beschreibung">
+            <a:extLst>
+              <a:ext uri="{FF2B5EF4-FFF2-40B4-BE49-F238E27FC236}">
+                <a16:creationId xmlns:a16="http://schemas.microsoft.com/office/drawing/2014/main" id="{FC7B4A32-26AF-4D2C-90E7-1F2B659E977F}"/>
+              </a:ext>
+            </a:extLst>
+          </p:cNvPr>
+          <p:cNvPicPr>
+            <a:picLocks noChangeAspect="1"/>
+          </p:cNvPicPr>
+          <p:nvPr/>
+        </p:nvPicPr>
+        <p:blipFill>
+          <a:blip r:embed="rId3">
+            <a:extLst>
+              <a:ext uri="{28A0092B-C50C-407E-A947-70E740481C1C}">
+                <a14:useLocalDpi xmlns:a14="http://schemas.microsoft.com/office/drawing/2010/main" val="0"/>
+              </a:ext>
+            </a:extLst>
+          </a:blip>
+          <a:stretch>
+            <a:fillRect/>
+          </a:stretch>
+        </p:blipFill>
+        <p:spPr>
+          <a:xfrm>
+            <a:off x="295704" y="1523713"/>
+            <a:ext cx="6668431" cy="4115374"/>
+          </a:xfrm>
+          <a:prstGeom prst="rect">
+            <a:avLst/>
+          </a:prstGeom>
+        </p:spPr>
+      </p:pic>
+      <p:pic>
+        <p:nvPicPr>
+          <p:cNvPr id="15" name="Grafik 14">
+            <a:extLst>
+              <a:ext uri="{FF2B5EF4-FFF2-40B4-BE49-F238E27FC236}">
+                <a16:creationId xmlns:a16="http://schemas.microsoft.com/office/drawing/2014/main" id="{E73151E4-C160-498C-8804-A6312B16A184}"/>
+              </a:ext>
+            </a:extLst>
+          </p:cNvPr>
+          <p:cNvPicPr>
+            <a:picLocks noChangeAspect="1"/>
+          </p:cNvPicPr>
+          <p:nvPr/>
+        </p:nvPicPr>
+        <p:blipFill>
+          <a:blip r:embed="rId4">
+            <a:extLst>
+              <a:ext uri="{28A0092B-C50C-407E-A947-70E740481C1C}">
+                <a14:useLocalDpi xmlns:a14="http://schemas.microsoft.com/office/drawing/2010/main" val="0"/>
+              </a:ext>
+            </a:extLst>
+          </a:blip>
+          <a:stretch>
+            <a:fillRect/>
+          </a:stretch>
+        </p:blipFill>
+        <p:spPr>
+          <a:xfrm>
+            <a:off x="7116535" y="3362386"/>
+            <a:ext cx="4867315" cy="3003828"/>
+          </a:xfrm>
+          <a:prstGeom prst="rect">
+            <a:avLst/>
+          </a:prstGeom>
+        </p:spPr>
+      </p:pic>
+    </p:spTree>
+    <p:extLst>
+      <p:ext uri="{BB962C8B-B14F-4D97-AF65-F5344CB8AC3E}">
+        <p14:creationId xmlns:p14="http://schemas.microsoft.com/office/powerpoint/2010/main" val="444664953"/>
+      </p:ext>
+    </p:extLst>
+  </p:cSld>
+  <p:clrMapOvr>
+    <a:masterClrMapping/>
+  </p:clrMapOvr>
+</p:sld>
+</file>
+
 <file path=ppt/theme/theme1.xml><?xml version="1.0" encoding="utf-8"?>
 <a:theme xmlns:a="http://schemas.openxmlformats.org/drawingml/2006/main" name="Office">
   <a:themeElements>
@@ -5878,4 +8243,299 @@
     </a:ext>
   </a:extLst>
 </a:theme>
+</file>
+
+<file path=ppt/theme/theme2.xml><?xml version="1.0" encoding="utf-8"?>
+<a:theme xmlns:a="http://schemas.openxmlformats.org/drawingml/2006/main" name="Office">
+  <a:themeElements>
+    <a:clrScheme name="Office">
+      <a:dk1>
+        <a:sysClr val="windowText" lastClr="000000"/>
+      </a:dk1>
+      <a:lt1>
+        <a:sysClr val="window" lastClr="FFFFFF"/>
+      </a:lt1>
+      <a:dk2>
+        <a:srgbClr val="44546A"/>
+      </a:dk2>
+      <a:lt2>
+        <a:srgbClr val="E7E6E6"/>
+      </a:lt2>
+      <a:accent1>
+        <a:srgbClr val="4472C4"/>
+      </a:accent1>
+      <a:accent2>
+        <a:srgbClr val="ED7D31"/>
+      </a:accent2>
+      <a:accent3>
+        <a:srgbClr val="A5A5A5"/>
+      </a:accent3>
+      <a:accent4>
+        <a:srgbClr val="FFC000"/>
+      </a:accent4>
+      <a:accent5>
+        <a:srgbClr val="5B9BD5"/>
+      </a:accent5>
+      <a:accent6>
+        <a:srgbClr val="70AD47"/>
+      </a:accent6>
+      <a:hlink>
+        <a:srgbClr val="0563C1"/>
+      </a:hlink>
+      <a:folHlink>
+        <a:srgbClr val="954F72"/>
+      </a:folHlink>
+    </a:clrScheme>
+    <a:fontScheme name="Office">
+      <a:majorFont>
+        <a:latin typeface="Calibri Light" panose="020F0302020204030204"/>
+        <a:ea typeface=""/>
+        <a:cs typeface=""/>
+        <a:font script="Jpan" typeface="游ゴシック Light"/>
+        <a:font script="Hang" typeface="맑은 고딕"/>
+        <a:font script="Hans" typeface="等线 Light"/>
+        <a:font script="Hant" typeface="新細明體"/>
+        <a:font script="Arab" typeface="Times New Roman"/>
+        <a:font script="Hebr" typeface="Times New Roman"/>
+        <a:font script="Thai" typeface="Angsana New"/>
+        <a:font script="Ethi" typeface="Nyala"/>
+        <a:font script="Beng" typeface="Vrinda"/>
+        <a:font script="Gujr" typeface="Shruti"/>
+        <a:font script="Khmr" typeface="MoolBoran"/>
+        <a:font script="Knda" typeface="Tunga"/>
+        <a:font script="Guru" typeface="Raavi"/>
+        <a:font script="Cans" typeface="Euphemia"/>
+        <a:font script="Cher" typeface="Plantagenet Cherokee"/>
+        <a:font script="Yiii" typeface="Microsoft Yi Baiti"/>
+        <a:font script="Tibt" typeface="Microsoft Himalaya"/>
+        <a:font script="Thaa" typeface="MV Boli"/>
+        <a:font script="Deva" typeface="Mangal"/>
+        <a:font script="Telu" typeface="Gautami"/>
+        <a:font script="Taml" typeface="Latha"/>
+        <a:font script="Syrc" typeface="Estrangelo Edessa"/>
+        <a:font script="Orya" typeface="Kalinga"/>
+        <a:font script="Mlym" typeface="Kartika"/>
+        <a:font script="Laoo" typeface="DokChampa"/>
+        <a:font script="Sinh" typeface="Iskoola Pota"/>
+        <a:font script="Mong" typeface="Mongolian Baiti"/>
+        <a:font script="Viet" typeface="Times New Roman"/>
+        <a:font script="Uigh" typeface="Microsoft Uighur"/>
+        <a:font script="Geor" typeface="Sylfaen"/>
+        <a:font script="Armn" typeface="Arial"/>
+        <a:font script="Bugi" typeface="Leelawadee UI"/>
+        <a:font script="Bopo" typeface="Microsoft JhengHei"/>
+        <a:font script="Java" typeface="Javanese Text"/>
+        <a:font script="Lisu" typeface="Segoe UI"/>
+        <a:font script="Mymr" typeface="Myanmar Text"/>
+        <a:font script="Nkoo" typeface="Ebrima"/>
+        <a:font script="Olck" typeface="Nirmala UI"/>
+        <a:font script="Osma" typeface="Ebrima"/>
+        <a:font script="Phag" typeface="Phagspa"/>
+        <a:font script="Syrn" typeface="Estrangelo Edessa"/>
+        <a:font script="Syrj" typeface="Estrangelo Edessa"/>
+        <a:font script="Syre" typeface="Estrangelo Edessa"/>
+        <a:font script="Sora" typeface="Nirmala UI"/>
+        <a:font script="Tale" typeface="Microsoft Tai Le"/>
+        <a:font script="Talu" typeface="Microsoft New Tai Lue"/>
+        <a:font script="Tfng" typeface="Ebrima"/>
+      </a:majorFont>
+      <a:minorFont>
+        <a:latin typeface="Calibri" panose="020F0502020204030204"/>
+        <a:ea typeface=""/>
+        <a:cs typeface=""/>
+        <a:font script="Jpan" typeface="游ゴシック"/>
+        <a:font script="Hang" typeface="맑은 고딕"/>
+        <a:font script="Hans" typeface="等线"/>
+        <a:font script="Hant" typeface="新細明體"/>
+        <a:font script="Arab" typeface="Arial"/>
+        <a:font script="Hebr" typeface="Arial"/>
+        <a:font script="Thai" typeface="Cordia New"/>
+        <a:font script="Ethi" typeface="Nyala"/>
+        <a:font script="Beng" typeface="Vrinda"/>
+        <a:font script="Gujr" typeface="Shruti"/>
+        <a:font script="Khmr" typeface="DaunPenh"/>
+        <a:font script="Knda" typeface="Tunga"/>
+        <a:font script="Guru" typeface="Raavi"/>
+        <a:font script="Cans" typeface="Euphemia"/>
+        <a:font script="Cher" typeface="Plantagenet Cherokee"/>
+        <a:font script="Yiii" typeface="Microsoft Yi Baiti"/>
+        <a:font script="Tibt" typeface="Microsoft Himalaya"/>
+        <a:font script="Thaa" typeface="MV Boli"/>
+        <a:font script="Deva" typeface="Mangal"/>
+        <a:font script="Telu" typeface="Gautami"/>
+        <a:font script="Taml" typeface="Latha"/>
+        <a:font script="Syrc" typeface="Estrangelo Edessa"/>
+        <a:font script="Orya" typeface="Kalinga"/>
+        <a:font script="Mlym" typeface="Kartika"/>
+        <a:font script="Laoo" typeface="DokChampa"/>
+        <a:font script="Sinh" typeface="Iskoola Pota"/>
+        <a:font script="Mong" typeface="Mongolian Baiti"/>
+        <a:font script="Viet" typeface="Arial"/>
+        <a:font script="Uigh" typeface="Microsoft Uighur"/>
+        <a:font script="Geor" typeface="Sylfaen"/>
+        <a:font script="Armn" typeface="Arial"/>
+        <a:font script="Bugi" typeface="Leelawadee UI"/>
+        <a:font script="Bopo" typeface="Microsoft JhengHei"/>
+        <a:font script="Java" typeface="Javanese Text"/>
+        <a:font script="Lisu" typeface="Segoe UI"/>
+        <a:font script="Mymr" typeface="Myanmar Text"/>
+        <a:font script="Nkoo" typeface="Ebrima"/>
+        <a:font script="Olck" typeface="Nirmala UI"/>
+        <a:font script="Osma" typeface="Ebrima"/>
+        <a:font script="Phag" typeface="Phagspa"/>
+        <a:font script="Syrn" typeface="Estrangelo Edessa"/>
+        <a:font script="Syrj" typeface="Estrangelo Edessa"/>
+        <a:font script="Syre" typeface="Estrangelo Edessa"/>
+        <a:font script="Sora" typeface="Nirmala UI"/>
+        <a:font script="Tale" typeface="Microsoft Tai Le"/>
+        <a:font script="Talu" typeface="Microsoft New Tai Lue"/>
+        <a:font script="Tfng" typeface="Ebrima"/>
+      </a:minorFont>
+    </a:fontScheme>
+    <a:fmtScheme name="Office">
+      <a:fillStyleLst>
+        <a:solidFill>
+          <a:schemeClr val="phClr"/>
+        </a:solidFill>
+        <a:gradFill rotWithShape="1">
+          <a:gsLst>
+            <a:gs pos="0">
+              <a:schemeClr val="phClr">
+                <a:lumMod val="110000"/>
+                <a:satMod val="105000"/>
+                <a:tint val="67000"/>
+              </a:schemeClr>
+            </a:gs>
+            <a:gs pos="50000">
+              <a:schemeClr val="phClr">
+                <a:lumMod val="105000"/>
+                <a:satMod val="103000"/>
+                <a:tint val="73000"/>
+              </a:schemeClr>
+            </a:gs>
+            <a:gs pos="100000">
+              <a:schemeClr val="phClr">
+                <a:lumMod val="105000"/>
+                <a:satMod val="109000"/>
+                <a:tint val="81000"/>
+              </a:schemeClr>
+            </a:gs>
+          </a:gsLst>
+          <a:lin ang="5400000" scaled="0"/>
+        </a:gradFill>
+        <a:gradFill rotWithShape="1">
+          <a:gsLst>
+            <a:gs pos="0">
+              <a:schemeClr val="phClr">
+                <a:satMod val="103000"/>
+                <a:lumMod val="102000"/>
+                <a:tint val="94000"/>
+              </a:schemeClr>
+            </a:gs>
+            <a:gs pos="50000">
+              <a:schemeClr val="phClr">
+                <a:satMod val="110000"/>
+                <a:lumMod val="100000"/>
+                <a:shade val="100000"/>
+              </a:schemeClr>
+            </a:gs>
+            <a:gs pos="100000">
+              <a:schemeClr val="phClr">
+                <a:lumMod val="99000"/>
+                <a:satMod val="120000"/>
+                <a:shade val="78000"/>
+              </a:schemeClr>
+            </a:gs>
+          </a:gsLst>
+          <a:lin ang="5400000" scaled="0"/>
+        </a:gradFill>
+      </a:fillStyleLst>
+      <a:lnStyleLst>
+        <a:ln w="6350" cap="flat" cmpd="sng" algn="ctr">
+          <a:solidFill>
+            <a:schemeClr val="phClr"/>
+          </a:solidFill>
+          <a:prstDash val="solid"/>
+          <a:miter lim="800000"/>
+        </a:ln>
+        <a:ln w="12700" cap="flat" cmpd="sng" algn="ctr">
+          <a:solidFill>
+            <a:schemeClr val="phClr"/>
+          </a:solidFill>
+          <a:prstDash val="solid"/>
+          <a:miter lim="800000"/>
+        </a:ln>
+        <a:ln w="19050" cap="flat" cmpd="sng" algn="ctr">
+          <a:solidFill>
+            <a:schemeClr val="phClr"/>
+          </a:solidFill>
+          <a:prstDash val="solid"/>
+          <a:miter lim="800000"/>
+        </a:ln>
+      </a:lnStyleLst>
+      <a:effectStyleLst>
+        <a:effectStyle>
+          <a:effectLst/>
+        </a:effectStyle>
+        <a:effectStyle>
+          <a:effectLst/>
+        </a:effectStyle>
+        <a:effectStyle>
+          <a:effectLst>
+            <a:outerShdw blurRad="57150" dist="19050" dir="5400000" algn="ctr" rotWithShape="0">
+              <a:srgbClr val="000000">
+                <a:alpha val="63000"/>
+              </a:srgbClr>
+            </a:outerShdw>
+          </a:effectLst>
+        </a:effectStyle>
+      </a:effectStyleLst>
+      <a:bgFillStyleLst>
+        <a:solidFill>
+          <a:schemeClr val="phClr"/>
+        </a:solidFill>
+        <a:solidFill>
+          <a:schemeClr val="phClr">
+            <a:tint val="95000"/>
+            <a:satMod val="170000"/>
+          </a:schemeClr>
+        </a:solidFill>
+        <a:gradFill rotWithShape="1">
+          <a:gsLst>
+            <a:gs pos="0">
+              <a:schemeClr val="phClr">
+                <a:tint val="93000"/>
+                <a:satMod val="150000"/>
+                <a:shade val="98000"/>
+                <a:lumMod val="102000"/>
+              </a:schemeClr>
+            </a:gs>
+            <a:gs pos="50000">
+              <a:schemeClr val="phClr">
+                <a:tint val="98000"/>
+                <a:satMod val="130000"/>
+                <a:shade val="90000"/>
+                <a:lumMod val="103000"/>
+              </a:schemeClr>
+            </a:gs>
+            <a:gs pos="100000">
+              <a:schemeClr val="phClr">
+                <a:shade val="63000"/>
+                <a:satMod val="120000"/>
+              </a:schemeClr>
+            </a:gs>
+          </a:gsLst>
+          <a:lin ang="5400000" scaled="0"/>
+        </a:gradFill>
+      </a:bgFillStyleLst>
+    </a:fmtScheme>
+  </a:themeElements>
+  <a:objectDefaults/>
+  <a:extraClrSchemeLst/>
+  <a:extLst>
+    <a:ext uri="{05A4C25C-085E-4340-85A3-A5531E510DB2}">
+      <thm15:themeFamily xmlns:thm15="http://schemas.microsoft.com/office/thememl/2012/main" name="Office Theme" id="{62F939B6-93AF-4DB8-9C6B-D6C7DFDC589F}" vid="{4A3C46E8-61CC-4603-A589-7422A47A8E4A}"/>
+    </a:ext>
+  </a:extLst>
+</a:theme>
 </file>
--- a/Abschlusspräsentation.pptx
+++ b/Abschlusspräsentation.pptx
@@ -5,17 +5,18 @@
     <p:sldMasterId id="2147483648" r:id="rId1"/>
   </p:sldMasterIdLst>
   <p:notesMasterIdLst>
-    <p:notesMasterId r:id="rId10"/>
+    <p:notesMasterId r:id="rId11"/>
   </p:notesMasterIdLst>
   <p:sldIdLst>
     <p:sldId id="257" r:id="rId2"/>
     <p:sldId id="258" r:id="rId3"/>
     <p:sldId id="259" r:id="rId4"/>
     <p:sldId id="260" r:id="rId5"/>
-    <p:sldId id="256" r:id="rId6"/>
-    <p:sldId id="261" r:id="rId7"/>
-    <p:sldId id="262" r:id="rId8"/>
-    <p:sldId id="264" r:id="rId9"/>
+    <p:sldId id="265" r:id="rId6"/>
+    <p:sldId id="256" r:id="rId7"/>
+    <p:sldId id="261" r:id="rId8"/>
+    <p:sldId id="262" r:id="rId9"/>
+    <p:sldId id="264" r:id="rId10"/>
   </p:sldIdLst>
   <p:sldSz cx="12192000" cy="6858000"/>
   <p:notesSz cx="6858000" cy="9144000"/>
@@ -923,7 +924,7 @@
           <a:p>
             <a:fld id="{A9E0D0BE-D97C-43E5-A33F-4BB9002AC227}" type="slidenum">
               <a:rPr lang="de-DE" smtClean="0"/>
-              <a:t>7</a:t>
+              <a:t>8</a:t>
             </a:fld>
             <a:endParaRPr lang="de-DE"/>
           </a:p>
@@ -1007,7 +1008,7 @@
           <a:p>
             <a:fld id="{A9E0D0BE-D97C-43E5-A33F-4BB9002AC227}" type="slidenum">
               <a:rPr lang="de-DE" smtClean="0"/>
-              <a:t>8</a:t>
+              <a:t>9</a:t>
             </a:fld>
             <a:endParaRPr lang="de-DE"/>
           </a:p>
@@ -5169,17 +5170,17 @@
           <a:p>
             <a:r>
               <a:rPr lang="de-DE" dirty="0"/>
-              <a:t>Balkendiagramm</a:t>
+              <a:t>Balkendiagramme</a:t>
             </a:r>
           </a:p>
         </p:txBody>
       </p:sp>
       <p:pic>
         <p:nvPicPr>
-          <p:cNvPr id="11" name="Inhaltsplatzhalter 10">
-            <a:extLst>
-              <a:ext uri="{FF2B5EF4-FFF2-40B4-BE49-F238E27FC236}">
-                <a16:creationId xmlns:a16="http://schemas.microsoft.com/office/drawing/2014/main" id="{11AB3D79-9A78-4A7E-9BA4-9A18B27F628A}"/>
+          <p:cNvPr id="9" name="Inhaltsplatzhalter 8" descr="Ein Bild, das Screenshot enthält.&#10;&#10;Automatisch generierte Beschreibung">
+            <a:extLst>
+              <a:ext uri="{FF2B5EF4-FFF2-40B4-BE49-F238E27FC236}">
+                <a16:creationId xmlns:a16="http://schemas.microsoft.com/office/drawing/2014/main" id="{C91B2D74-1762-414B-A617-0306BBED737D}"/>
               </a:ext>
             </a:extLst>
           </p:cNvPr>
@@ -5187,7 +5188,7 @@
             <a:picLocks noGrp="1" noChangeAspect="1"/>
           </p:cNvPicPr>
           <p:nvPr>
-            <p:ph sz="quarter" idx="4"/>
+            <p:ph sz="half" idx="2"/>
           </p:nvPr>
         </p:nvPicPr>
         <p:blipFill>
@@ -5204,17 +5205,17 @@
         </p:blipFill>
         <p:spPr>
           <a:xfrm>
-            <a:off x="6921500" y="2505075"/>
-            <a:ext cx="3684588" cy="3684588"/>
+            <a:off x="876644" y="2776122"/>
+            <a:ext cx="5084074" cy="3142494"/>
           </a:xfrm>
         </p:spPr>
       </p:pic>
       <p:pic>
         <p:nvPicPr>
-          <p:cNvPr id="6" name="Inhaltsplatzhalter 5" descr="Ein Bild, das Foto, klein, sitzend, orange enthält.&#10;&#10;Automatisch generierte Beschreibung">
-            <a:extLst>
-              <a:ext uri="{FF2B5EF4-FFF2-40B4-BE49-F238E27FC236}">
-                <a16:creationId xmlns:a16="http://schemas.microsoft.com/office/drawing/2014/main" id="{A6EC9D13-033C-4895-A920-BA8222DC5DBD}"/>
+          <p:cNvPr id="12" name="Inhaltsplatzhalter 11">
+            <a:extLst>
+              <a:ext uri="{FF2B5EF4-FFF2-40B4-BE49-F238E27FC236}">
+                <a16:creationId xmlns:a16="http://schemas.microsoft.com/office/drawing/2014/main" id="{4E6346FE-D791-4B92-815B-04E7E7C7DDC1}"/>
               </a:ext>
             </a:extLst>
           </p:cNvPr>
@@ -5222,7 +5223,7 @@
             <a:picLocks noGrp="1" noChangeAspect="1"/>
           </p:cNvPicPr>
           <p:nvPr>
-            <p:ph sz="half" idx="2"/>
+            <p:ph sz="quarter" idx="4"/>
           </p:nvPr>
         </p:nvPicPr>
         <p:blipFill>
@@ -5239,8 +5240,8 @@
         </p:blipFill>
         <p:spPr>
           <a:xfrm>
-            <a:off x="1576387" y="2505075"/>
-            <a:ext cx="3684588" cy="3684588"/>
+            <a:off x="6221757" y="2776122"/>
+            <a:ext cx="5084074" cy="3142494"/>
           </a:xfrm>
         </p:spPr>
       </p:pic>
@@ -5258,6 +5259,134 @@
 </file>
 
 <file path=ppt/slides/slide5.xml><?xml version="1.0" encoding="utf-8"?>
+<p:sld xmlns:a="http://schemas.openxmlformats.org/drawingml/2006/main" xmlns:r="http://schemas.openxmlformats.org/officeDocument/2006/relationships" xmlns:p="http://schemas.openxmlformats.org/presentationml/2006/main">
+  <p:cSld>
+    <p:spTree>
+      <p:nvGrpSpPr>
+        <p:cNvPr id="1" name=""/>
+        <p:cNvGrpSpPr/>
+        <p:nvPr/>
+      </p:nvGrpSpPr>
+      <p:grpSpPr>
+        <a:xfrm>
+          <a:off x="0" y="0"/>
+          <a:ext cx="0" cy="0"/>
+          <a:chOff x="0" y="0"/>
+          <a:chExt cx="0" cy="0"/>
+        </a:xfrm>
+      </p:grpSpPr>
+      <p:sp>
+        <p:nvSpPr>
+          <p:cNvPr id="2" name="Titel 1">
+            <a:extLst>
+              <a:ext uri="{FF2B5EF4-FFF2-40B4-BE49-F238E27FC236}">
+                <a16:creationId xmlns:a16="http://schemas.microsoft.com/office/drawing/2014/main" id="{A10A6978-1408-4173-820B-25D4A96F336B}"/>
+              </a:ext>
+            </a:extLst>
+          </p:cNvPr>
+          <p:cNvSpPr>
+            <a:spLocks noGrp="1"/>
+          </p:cNvSpPr>
+          <p:nvPr>
+            <p:ph type="title"/>
+          </p:nvPr>
+        </p:nvSpPr>
+        <p:spPr/>
+        <p:txBody>
+          <a:bodyPr/>
+          <a:lstStyle/>
+          <a:p>
+            <a:r>
+              <a:rPr lang="de-DE" dirty="0"/>
+              <a:t>Balkendiagramme</a:t>
+            </a:r>
+          </a:p>
+        </p:txBody>
+      </p:sp>
+      <p:pic>
+        <p:nvPicPr>
+          <p:cNvPr id="6" name="Inhaltsplatzhalter 5">
+            <a:extLst>
+              <a:ext uri="{FF2B5EF4-FFF2-40B4-BE49-F238E27FC236}">
+                <a16:creationId xmlns:a16="http://schemas.microsoft.com/office/drawing/2014/main" id="{072BD79F-316B-4956-AF48-2ABEB3C3C041}"/>
+              </a:ext>
+            </a:extLst>
+          </p:cNvPr>
+          <p:cNvPicPr>
+            <a:picLocks noGrp="1" noChangeAspect="1"/>
+          </p:cNvPicPr>
+          <p:nvPr>
+            <p:ph sz="half" idx="1"/>
+          </p:nvPr>
+        </p:nvPicPr>
+        <p:blipFill>
+          <a:blip r:embed="rId2">
+            <a:extLst>
+              <a:ext uri="{28A0092B-C50C-407E-A947-70E740481C1C}">
+                <a14:useLocalDpi xmlns:a14="http://schemas.microsoft.com/office/drawing/2010/main" val="0"/>
+              </a:ext>
+            </a:extLst>
+          </a:blip>
+          <a:stretch>
+            <a:fillRect/>
+          </a:stretch>
+        </p:blipFill>
+        <p:spPr>
+          <a:xfrm>
+            <a:off x="886963" y="2430047"/>
+            <a:ext cx="5084074" cy="3142494"/>
+          </a:xfrm>
+        </p:spPr>
+      </p:pic>
+      <p:pic>
+        <p:nvPicPr>
+          <p:cNvPr id="8" name="Inhaltsplatzhalter 7">
+            <a:extLst>
+              <a:ext uri="{FF2B5EF4-FFF2-40B4-BE49-F238E27FC236}">
+                <a16:creationId xmlns:a16="http://schemas.microsoft.com/office/drawing/2014/main" id="{E9E1F72B-A12C-44F7-AA0D-FB26B76F57E2}"/>
+              </a:ext>
+            </a:extLst>
+          </p:cNvPr>
+          <p:cNvPicPr>
+            <a:picLocks noGrp="1" noChangeAspect="1"/>
+          </p:cNvPicPr>
+          <p:nvPr>
+            <p:ph sz="half" idx="2"/>
+          </p:nvPr>
+        </p:nvPicPr>
+        <p:blipFill>
+          <a:blip r:embed="rId3">
+            <a:extLst>
+              <a:ext uri="{28A0092B-C50C-407E-A947-70E740481C1C}">
+                <a14:useLocalDpi xmlns:a14="http://schemas.microsoft.com/office/drawing/2010/main" val="0"/>
+              </a:ext>
+            </a:extLst>
+          </a:blip>
+          <a:stretch>
+            <a:fillRect/>
+          </a:stretch>
+        </p:blipFill>
+        <p:spPr>
+          <a:xfrm>
+            <a:off x="6220963" y="2430047"/>
+            <a:ext cx="5084074" cy="3142494"/>
+          </a:xfrm>
+        </p:spPr>
+      </p:pic>
+    </p:spTree>
+    <p:extLst>
+      <p:ext uri="{BB962C8B-B14F-4D97-AF65-F5344CB8AC3E}">
+        <p14:creationId xmlns:p14="http://schemas.microsoft.com/office/powerpoint/2010/main" val="1292369612"/>
+      </p:ext>
+    </p:extLst>
+  </p:cSld>
+  <p:clrMapOvr>
+    <a:masterClrMapping/>
+  </p:clrMapOvr>
+</p:sld>
+</file>
+
+<file path=ppt/slides/slide6.xml><?xml version="1.0" encoding="utf-8"?>
 <p:sld xmlns:a="http://schemas.openxmlformats.org/drawingml/2006/main" xmlns:r="http://schemas.openxmlformats.org/officeDocument/2006/relationships" xmlns:p="http://schemas.openxmlformats.org/presentationml/2006/main">
   <p:cSld>
     <p:spTree>
@@ -6495,322 +6624,6 @@
 </p:sld>
 </file>
 
-<file path=ppt/slides/slide6.xml><?xml version="1.0" encoding="utf-8"?>
-<p:sld xmlns:a="http://schemas.openxmlformats.org/drawingml/2006/main" xmlns:r="http://schemas.openxmlformats.org/officeDocument/2006/relationships" xmlns:p="http://schemas.openxmlformats.org/presentationml/2006/main">
-  <p:cSld>
-    <p:spTree>
-      <p:nvGrpSpPr>
-        <p:cNvPr id="1" name=""/>
-        <p:cNvGrpSpPr/>
-        <p:nvPr/>
-      </p:nvGrpSpPr>
-      <p:grpSpPr>
-        <a:xfrm>
-          <a:off x="0" y="0"/>
-          <a:ext cx="0" cy="0"/>
-          <a:chOff x="0" y="0"/>
-          <a:chExt cx="0" cy="0"/>
-        </a:xfrm>
-      </p:grpSpPr>
-      <p:sp>
-        <p:nvSpPr>
-          <p:cNvPr id="2" name="Titel 1">
-            <a:extLst>
-              <a:ext uri="{FF2B5EF4-FFF2-40B4-BE49-F238E27FC236}">
-                <a16:creationId xmlns:a16="http://schemas.microsoft.com/office/drawing/2014/main" id="{93A60400-6EA2-4EA8-95E8-E7DC08894686}"/>
-              </a:ext>
-            </a:extLst>
-          </p:cNvPr>
-          <p:cNvSpPr>
-            <a:spLocks noGrp="1"/>
-          </p:cNvSpPr>
-          <p:nvPr>
-            <p:ph type="title"/>
-          </p:nvPr>
-        </p:nvSpPr>
-        <p:spPr/>
-        <p:txBody>
-          <a:bodyPr/>
-          <a:lstStyle/>
-          <a:p>
-            <a:pPr algn="ctr"/>
-            <a:r>
-              <a:rPr lang="de-DE" dirty="0"/>
-              <a:t>Neuronales Netz – Data </a:t>
-            </a:r>
-            <a:r>
-              <a:rPr lang="de-DE" dirty="0" err="1"/>
-              <a:t>Preparation</a:t>
-            </a:r>
-            <a:endParaRPr lang="de-DE" dirty="0"/>
-          </a:p>
-        </p:txBody>
-      </p:sp>
-      <p:sp>
-        <p:nvSpPr>
-          <p:cNvPr id="7" name="Inhaltsplatzhalter 6">
-            <a:extLst>
-              <a:ext uri="{FF2B5EF4-FFF2-40B4-BE49-F238E27FC236}">
-                <a16:creationId xmlns:a16="http://schemas.microsoft.com/office/drawing/2014/main" id="{3DC3B86C-5528-4DBE-A044-C91339A0E814}"/>
-              </a:ext>
-            </a:extLst>
-          </p:cNvPr>
-          <p:cNvSpPr>
-            <a:spLocks noGrp="1"/>
-          </p:cNvSpPr>
-          <p:nvPr>
-            <p:ph idx="1"/>
-          </p:nvPr>
-        </p:nvSpPr>
-        <p:spPr/>
-        <p:txBody>
-          <a:bodyPr>
-            <a:normAutofit fontScale="77500" lnSpcReduction="20000"/>
-          </a:bodyPr>
-          <a:lstStyle/>
-          <a:p>
-            <a:r>
-              <a:rPr lang="de-DE" b="1" dirty="0"/>
-              <a:t>Startschwierigkeiten beim einlesen des Datensatzes</a:t>
-            </a:r>
-          </a:p>
-          <a:p>
-            <a:pPr marL="457200" lvl="1" indent="0">
-              <a:buNone/>
-            </a:pPr>
-            <a:r>
-              <a:rPr lang="de-DE" dirty="0"/>
-              <a:t>1. </a:t>
-            </a:r>
-            <a:r>
-              <a:rPr lang="de-DE" dirty="0" err="1"/>
-              <a:t>Chr</a:t>
-            </a:r>
-            <a:r>
-              <a:rPr lang="de-DE" dirty="0"/>
-              <a:t> statt </a:t>
-            </a:r>
-            <a:r>
-              <a:rPr lang="de-DE" dirty="0" err="1"/>
-              <a:t>Num</a:t>
-            </a:r>
-            <a:endParaRPr lang="de-DE" dirty="0"/>
-          </a:p>
-          <a:p>
-            <a:pPr marL="457200" lvl="1" indent="0">
-              <a:buNone/>
-            </a:pPr>
-            <a:r>
-              <a:rPr lang="de-DE" dirty="0"/>
-              <a:t>2. Inkorrekte Definition der </a:t>
-            </a:r>
-            <a:r>
-              <a:rPr lang="de-DE" dirty="0" err="1"/>
-              <a:t>Dummievariablen</a:t>
-            </a:r>
-            <a:endParaRPr lang="de-DE" dirty="0"/>
-          </a:p>
-          <a:p>
-            <a:pPr marL="457200" lvl="1" indent="0">
-              <a:buNone/>
-            </a:pPr>
-            <a:r>
-              <a:rPr lang="de-DE" dirty="0"/>
-              <a:t>3. unnötiges rumprobieren die SD / M selbst zu berechnen und normalisieren</a:t>
-            </a:r>
-          </a:p>
-          <a:p>
-            <a:pPr lvl="1"/>
-            <a:endParaRPr lang="de-DE" dirty="0"/>
-          </a:p>
-          <a:p>
-            <a:pPr marL="0" indent="0">
-              <a:buNone/>
-            </a:pPr>
-            <a:r>
-              <a:rPr lang="de-DE" dirty="0"/>
-              <a:t># Definition der Features (der unabhängigen Variablen auf deren Basis die Vorhersagen erzeugt werden sollen)</a:t>
-            </a:r>
-          </a:p>
-          <a:p>
-            <a:r>
-              <a:rPr lang="de-DE" b="1" dirty="0" err="1"/>
-              <a:t>features</a:t>
-            </a:r>
-            <a:r>
-              <a:rPr lang="de-DE" dirty="0"/>
-              <a:t> = c("</a:t>
-            </a:r>
-            <a:r>
-              <a:rPr lang="de-DE" b="1" dirty="0" err="1"/>
-              <a:t>Bewoelkung</a:t>
-            </a:r>
-            <a:r>
-              <a:rPr lang="de-DE" dirty="0"/>
-              <a:t>", "</a:t>
-            </a:r>
-            <a:r>
-              <a:rPr lang="de-DE" b="1" dirty="0"/>
-              <a:t>Temperatur</a:t>
-            </a:r>
-            <a:r>
-              <a:rPr lang="de-DE" dirty="0"/>
-              <a:t>", "</a:t>
-            </a:r>
-            <a:r>
-              <a:rPr lang="de-DE" b="1" dirty="0"/>
-              <a:t>Windgeschwindigkeit</a:t>
-            </a:r>
-            <a:r>
-              <a:rPr lang="de-DE" dirty="0"/>
-              <a:t>", "</a:t>
-            </a:r>
-            <a:r>
-              <a:rPr lang="de-DE" b="1" dirty="0" err="1"/>
-              <a:t>KielerWoche</a:t>
-            </a:r>
-            <a:r>
-              <a:rPr lang="de-DE" dirty="0"/>
-              <a:t>",</a:t>
-            </a:r>
-          </a:p>
-          <a:p>
-            <a:pPr marL="0" indent="0">
-              <a:buNone/>
-            </a:pPr>
-            <a:r>
-              <a:rPr lang="de-DE" dirty="0"/>
-              <a:t>             "</a:t>
-            </a:r>
-            <a:r>
-              <a:rPr lang="de-DE" b="1" dirty="0"/>
-              <a:t>Feiertag</a:t>
-            </a:r>
-            <a:r>
-              <a:rPr lang="de-DE" dirty="0"/>
-              <a:t>", "</a:t>
-            </a:r>
-            <a:r>
-              <a:rPr lang="de-DE" b="1" dirty="0" err="1"/>
-              <a:t>Kielmachtauf</a:t>
-            </a:r>
-            <a:r>
-              <a:rPr lang="de-DE" dirty="0"/>
-              <a:t>", "</a:t>
-            </a:r>
-            <a:r>
-              <a:rPr lang="de-DE" b="1" dirty="0"/>
-              <a:t>Flohmarkt</a:t>
-            </a:r>
-            <a:r>
-              <a:rPr lang="de-DE" dirty="0"/>
-              <a:t>", </a:t>
-            </a:r>
-            <a:r>
-              <a:rPr lang="de-DE" b="1" dirty="0" err="1"/>
-              <a:t>warengruppe</a:t>
-            </a:r>
-            <a:r>
-              <a:rPr lang="de-DE" dirty="0" err="1"/>
-              <a:t>_dummies</a:t>
-            </a:r>
-            <a:r>
-              <a:rPr lang="de-DE" dirty="0"/>
-              <a:t>,	</a:t>
-            </a:r>
-            <a:r>
-              <a:rPr lang="de-DE" b="1" dirty="0" err="1"/>
-              <a:t>temp</a:t>
-            </a:r>
-            <a:r>
-              <a:rPr lang="de-DE" dirty="0" err="1"/>
-              <a:t>_dummies</a:t>
-            </a:r>
-            <a:r>
-              <a:rPr lang="de-DE" dirty="0"/>
-              <a:t>, </a:t>
-            </a:r>
-            <a:r>
-              <a:rPr lang="de-DE" b="1" dirty="0" err="1"/>
-              <a:t>month</a:t>
-            </a:r>
-            <a:r>
-              <a:rPr lang="de-DE" dirty="0" err="1"/>
-              <a:t>_dummies</a:t>
-            </a:r>
-            <a:r>
-              <a:rPr lang="de-DE" dirty="0"/>
-              <a:t>)</a:t>
-            </a:r>
-          </a:p>
-          <a:p>
-            <a:endParaRPr lang="de-DE" dirty="0"/>
-          </a:p>
-          <a:p>
-            <a:pPr marL="0" indent="0">
-              <a:buNone/>
-            </a:pPr>
-            <a:r>
-              <a:rPr lang="de-DE" dirty="0"/>
-              <a:t># Definition der Label-Variable (der </a:t>
-            </a:r>
-            <a:r>
-              <a:rPr lang="de-DE" dirty="0" err="1"/>
-              <a:t>abhaengigen</a:t>
-            </a:r>
-            <a:r>
-              <a:rPr lang="de-DE" dirty="0"/>
-              <a:t> Variable, die vorhergesagt werden soll) sowie</a:t>
-            </a:r>
-          </a:p>
-          <a:p>
-            <a:r>
-              <a:rPr lang="de-DE" dirty="0" err="1"/>
-              <a:t>label</a:t>
-            </a:r>
-            <a:r>
-              <a:rPr lang="de-DE" dirty="0"/>
-              <a:t> = </a:t>
-            </a:r>
-            <a:r>
-              <a:rPr lang="de-DE" b="1" dirty="0"/>
-              <a:t>'Umsatz</a:t>
-            </a:r>
-            <a:r>
-              <a:rPr lang="de-DE" dirty="0"/>
-              <a:t>'</a:t>
-            </a:r>
-          </a:p>
-          <a:p>
-            <a:endParaRPr lang="de-DE" dirty="0"/>
-          </a:p>
-          <a:p>
-            <a:pPr lvl="1"/>
-            <a:endParaRPr lang="de-DE" dirty="0"/>
-          </a:p>
-          <a:p>
-            <a:pPr lvl="1"/>
-            <a:endParaRPr lang="de-DE" dirty="0"/>
-          </a:p>
-          <a:p>
-            <a:pPr lvl="1"/>
-            <a:endParaRPr lang="de-DE" dirty="0"/>
-          </a:p>
-        </p:txBody>
-      </p:sp>
-    </p:spTree>
-    <p:extLst>
-      <p:ext uri="{BB962C8B-B14F-4D97-AF65-F5344CB8AC3E}">
-        <p14:creationId xmlns:p14="http://schemas.microsoft.com/office/powerpoint/2010/main" val="3909735520"/>
-      </p:ext>
-    </p:extLst>
-  </p:cSld>
-  <p:clrMapOvr>
-    <a:masterClrMapping/>
-  </p:clrMapOvr>
-</p:sld>
-</file>
-
 <file path=ppt/slides/slide7.xml><?xml version="1.0" encoding="utf-8"?>
 <p:sld xmlns:a="http://schemas.openxmlformats.org/drawingml/2006/main" xmlns:r="http://schemas.openxmlformats.org/officeDocument/2006/relationships" xmlns:p="http://schemas.openxmlformats.org/presentationml/2006/main">
   <p:cSld>
@@ -6852,6 +6665,322 @@
             <a:pPr algn="ctr"/>
             <a:r>
               <a:rPr lang="de-DE" dirty="0"/>
+              <a:t>Neuronales Netz – Data </a:t>
+            </a:r>
+            <a:r>
+              <a:rPr lang="de-DE" dirty="0" err="1"/>
+              <a:t>Preparation</a:t>
+            </a:r>
+            <a:endParaRPr lang="de-DE" dirty="0"/>
+          </a:p>
+        </p:txBody>
+      </p:sp>
+      <p:sp>
+        <p:nvSpPr>
+          <p:cNvPr id="7" name="Inhaltsplatzhalter 6">
+            <a:extLst>
+              <a:ext uri="{FF2B5EF4-FFF2-40B4-BE49-F238E27FC236}">
+                <a16:creationId xmlns:a16="http://schemas.microsoft.com/office/drawing/2014/main" id="{3DC3B86C-5528-4DBE-A044-C91339A0E814}"/>
+              </a:ext>
+            </a:extLst>
+          </p:cNvPr>
+          <p:cNvSpPr>
+            <a:spLocks noGrp="1"/>
+          </p:cNvSpPr>
+          <p:nvPr>
+            <p:ph idx="1"/>
+          </p:nvPr>
+        </p:nvSpPr>
+        <p:spPr/>
+        <p:txBody>
+          <a:bodyPr>
+            <a:normAutofit fontScale="77500" lnSpcReduction="20000"/>
+          </a:bodyPr>
+          <a:lstStyle/>
+          <a:p>
+            <a:r>
+              <a:rPr lang="de-DE" b="1" dirty="0"/>
+              <a:t>Startschwierigkeiten beim einlesen des Datensatzes</a:t>
+            </a:r>
+          </a:p>
+          <a:p>
+            <a:pPr marL="457200" lvl="1" indent="0">
+              <a:buNone/>
+            </a:pPr>
+            <a:r>
+              <a:rPr lang="de-DE" dirty="0"/>
+              <a:t>1. </a:t>
+            </a:r>
+            <a:r>
+              <a:rPr lang="de-DE" dirty="0" err="1"/>
+              <a:t>Chr</a:t>
+            </a:r>
+            <a:r>
+              <a:rPr lang="de-DE" dirty="0"/>
+              <a:t> statt </a:t>
+            </a:r>
+            <a:r>
+              <a:rPr lang="de-DE" dirty="0" err="1"/>
+              <a:t>Num</a:t>
+            </a:r>
+            <a:endParaRPr lang="de-DE" dirty="0"/>
+          </a:p>
+          <a:p>
+            <a:pPr marL="457200" lvl="1" indent="0">
+              <a:buNone/>
+            </a:pPr>
+            <a:r>
+              <a:rPr lang="de-DE" dirty="0"/>
+              <a:t>2. Inkorrekte Definition der </a:t>
+            </a:r>
+            <a:r>
+              <a:rPr lang="de-DE" dirty="0" err="1"/>
+              <a:t>Dummievariablen</a:t>
+            </a:r>
+            <a:endParaRPr lang="de-DE" dirty="0"/>
+          </a:p>
+          <a:p>
+            <a:pPr marL="457200" lvl="1" indent="0">
+              <a:buNone/>
+            </a:pPr>
+            <a:r>
+              <a:rPr lang="de-DE" dirty="0"/>
+              <a:t>3. unnötiges rumprobieren die SD / M selbst zu berechnen und normalisieren</a:t>
+            </a:r>
+          </a:p>
+          <a:p>
+            <a:pPr lvl="1"/>
+            <a:endParaRPr lang="de-DE" dirty="0"/>
+          </a:p>
+          <a:p>
+            <a:pPr marL="0" indent="0">
+              <a:buNone/>
+            </a:pPr>
+            <a:r>
+              <a:rPr lang="de-DE" dirty="0"/>
+              <a:t># Definition der Features (der unabhängigen Variablen auf deren Basis die Vorhersagen erzeugt werden sollen)</a:t>
+            </a:r>
+          </a:p>
+          <a:p>
+            <a:r>
+              <a:rPr lang="de-DE" b="1" dirty="0" err="1"/>
+              <a:t>features</a:t>
+            </a:r>
+            <a:r>
+              <a:rPr lang="de-DE" dirty="0"/>
+              <a:t> = c("</a:t>
+            </a:r>
+            <a:r>
+              <a:rPr lang="de-DE" b="1" dirty="0" err="1"/>
+              <a:t>Bewoelkung</a:t>
+            </a:r>
+            <a:r>
+              <a:rPr lang="de-DE" dirty="0"/>
+              <a:t>", "</a:t>
+            </a:r>
+            <a:r>
+              <a:rPr lang="de-DE" b="1" dirty="0"/>
+              <a:t>Temperatur</a:t>
+            </a:r>
+            <a:r>
+              <a:rPr lang="de-DE" dirty="0"/>
+              <a:t>", "</a:t>
+            </a:r>
+            <a:r>
+              <a:rPr lang="de-DE" b="1" dirty="0"/>
+              <a:t>Windgeschwindigkeit</a:t>
+            </a:r>
+            <a:r>
+              <a:rPr lang="de-DE" dirty="0"/>
+              <a:t>", "</a:t>
+            </a:r>
+            <a:r>
+              <a:rPr lang="de-DE" b="1" dirty="0" err="1"/>
+              <a:t>KielerWoche</a:t>
+            </a:r>
+            <a:r>
+              <a:rPr lang="de-DE" dirty="0"/>
+              <a:t>",</a:t>
+            </a:r>
+          </a:p>
+          <a:p>
+            <a:pPr marL="0" indent="0">
+              <a:buNone/>
+            </a:pPr>
+            <a:r>
+              <a:rPr lang="de-DE" dirty="0"/>
+              <a:t>             "</a:t>
+            </a:r>
+            <a:r>
+              <a:rPr lang="de-DE" b="1" dirty="0"/>
+              <a:t>Feiertag</a:t>
+            </a:r>
+            <a:r>
+              <a:rPr lang="de-DE" dirty="0"/>
+              <a:t>", "</a:t>
+            </a:r>
+            <a:r>
+              <a:rPr lang="de-DE" b="1" dirty="0" err="1"/>
+              <a:t>Kielmachtauf</a:t>
+            </a:r>
+            <a:r>
+              <a:rPr lang="de-DE" dirty="0"/>
+              <a:t>", "</a:t>
+            </a:r>
+            <a:r>
+              <a:rPr lang="de-DE" b="1" dirty="0"/>
+              <a:t>Flohmarkt</a:t>
+            </a:r>
+            <a:r>
+              <a:rPr lang="de-DE" dirty="0"/>
+              <a:t>", </a:t>
+            </a:r>
+            <a:r>
+              <a:rPr lang="de-DE" b="1" dirty="0" err="1"/>
+              <a:t>warengruppe</a:t>
+            </a:r>
+            <a:r>
+              <a:rPr lang="de-DE" dirty="0" err="1"/>
+              <a:t>_dummies</a:t>
+            </a:r>
+            <a:r>
+              <a:rPr lang="de-DE" dirty="0"/>
+              <a:t>,	</a:t>
+            </a:r>
+            <a:r>
+              <a:rPr lang="de-DE" b="1" dirty="0" err="1"/>
+              <a:t>temp</a:t>
+            </a:r>
+            <a:r>
+              <a:rPr lang="de-DE" dirty="0" err="1"/>
+              <a:t>_dummies</a:t>
+            </a:r>
+            <a:r>
+              <a:rPr lang="de-DE" dirty="0"/>
+              <a:t>, </a:t>
+            </a:r>
+            <a:r>
+              <a:rPr lang="de-DE" b="1" dirty="0" err="1"/>
+              <a:t>month</a:t>
+            </a:r>
+            <a:r>
+              <a:rPr lang="de-DE" dirty="0" err="1"/>
+              <a:t>_dummies</a:t>
+            </a:r>
+            <a:r>
+              <a:rPr lang="de-DE" dirty="0"/>
+              <a:t>)</a:t>
+            </a:r>
+          </a:p>
+          <a:p>
+            <a:endParaRPr lang="de-DE" dirty="0"/>
+          </a:p>
+          <a:p>
+            <a:pPr marL="0" indent="0">
+              <a:buNone/>
+            </a:pPr>
+            <a:r>
+              <a:rPr lang="de-DE" dirty="0"/>
+              <a:t># Definition der Label-Variable (der </a:t>
+            </a:r>
+            <a:r>
+              <a:rPr lang="de-DE" dirty="0" err="1"/>
+              <a:t>abhaengigen</a:t>
+            </a:r>
+            <a:r>
+              <a:rPr lang="de-DE" dirty="0"/>
+              <a:t> Variable, die vorhergesagt werden soll) sowie</a:t>
+            </a:r>
+          </a:p>
+          <a:p>
+            <a:r>
+              <a:rPr lang="de-DE" dirty="0" err="1"/>
+              <a:t>label</a:t>
+            </a:r>
+            <a:r>
+              <a:rPr lang="de-DE" dirty="0"/>
+              <a:t> = </a:t>
+            </a:r>
+            <a:r>
+              <a:rPr lang="de-DE" b="1" dirty="0"/>
+              <a:t>'Umsatz</a:t>
+            </a:r>
+            <a:r>
+              <a:rPr lang="de-DE" dirty="0"/>
+              <a:t>'</a:t>
+            </a:r>
+          </a:p>
+          <a:p>
+            <a:endParaRPr lang="de-DE" dirty="0"/>
+          </a:p>
+          <a:p>
+            <a:pPr lvl="1"/>
+            <a:endParaRPr lang="de-DE" dirty="0"/>
+          </a:p>
+          <a:p>
+            <a:pPr lvl="1"/>
+            <a:endParaRPr lang="de-DE" dirty="0"/>
+          </a:p>
+          <a:p>
+            <a:pPr lvl="1"/>
+            <a:endParaRPr lang="de-DE" dirty="0"/>
+          </a:p>
+        </p:txBody>
+      </p:sp>
+    </p:spTree>
+    <p:extLst>
+      <p:ext uri="{BB962C8B-B14F-4D97-AF65-F5344CB8AC3E}">
+        <p14:creationId xmlns:p14="http://schemas.microsoft.com/office/powerpoint/2010/main" val="3909735520"/>
+      </p:ext>
+    </p:extLst>
+  </p:cSld>
+  <p:clrMapOvr>
+    <a:masterClrMapping/>
+  </p:clrMapOvr>
+</p:sld>
+</file>
+
+<file path=ppt/slides/slide8.xml><?xml version="1.0" encoding="utf-8"?>
+<p:sld xmlns:a="http://schemas.openxmlformats.org/drawingml/2006/main" xmlns:r="http://schemas.openxmlformats.org/officeDocument/2006/relationships" xmlns:p="http://schemas.openxmlformats.org/presentationml/2006/main">
+  <p:cSld>
+    <p:spTree>
+      <p:nvGrpSpPr>
+        <p:cNvPr id="1" name=""/>
+        <p:cNvGrpSpPr/>
+        <p:nvPr/>
+      </p:nvGrpSpPr>
+      <p:grpSpPr>
+        <a:xfrm>
+          <a:off x="0" y="0"/>
+          <a:ext cx="0" cy="0"/>
+          <a:chOff x="0" y="0"/>
+          <a:chExt cx="0" cy="0"/>
+        </a:xfrm>
+      </p:grpSpPr>
+      <p:sp>
+        <p:nvSpPr>
+          <p:cNvPr id="2" name="Titel 1">
+            <a:extLst>
+              <a:ext uri="{FF2B5EF4-FFF2-40B4-BE49-F238E27FC236}">
+                <a16:creationId xmlns:a16="http://schemas.microsoft.com/office/drawing/2014/main" id="{93A60400-6EA2-4EA8-95E8-E7DC08894686}"/>
+              </a:ext>
+            </a:extLst>
+          </p:cNvPr>
+          <p:cNvSpPr>
+            <a:spLocks noGrp="1"/>
+          </p:cNvSpPr>
+          <p:nvPr>
+            <p:ph type="title"/>
+          </p:nvPr>
+        </p:nvSpPr>
+        <p:spPr/>
+        <p:txBody>
+          <a:bodyPr/>
+          <a:lstStyle/>
+          <a:p>
+            <a:pPr algn="ctr"/>
+            <a:r>
+              <a:rPr lang="de-DE" dirty="0"/>
               <a:t>Neuronales Netz – </a:t>
             </a:r>
             <a:r>
@@ -7275,7 +7404,7 @@
 </p:sld>
 </file>
 
-<file path=ppt/slides/slide8.xml><?xml version="1.0" encoding="utf-8"?>
+<file path=ppt/slides/slide9.xml><?xml version="1.0" encoding="utf-8"?>
 <p:sld xmlns:a="http://schemas.openxmlformats.org/drawingml/2006/main" xmlns:r="http://schemas.openxmlformats.org/officeDocument/2006/relationships" xmlns:p="http://schemas.openxmlformats.org/presentationml/2006/main">
   <p:cSld>
     <p:spTree>
